--- a/SE-2016A-G08-项目介绍V2.0.pptx
+++ b/SE-2016A-G08-项目介绍V2.0.pptx
@@ -173,7 +173,6 @@
           </a:p>
         </c:rich>
       </c:tx>
-      <c:layout/>
       <c:overlay val="0"/>
       <c:spPr>
         <a:noFill/>
@@ -608,7 +607,6 @@
     </c:plotArea>
     <c:legend>
       <c:legendPos val="b"/>
-      <c:layout/>
       <c:overlay val="0"/>
       <c:spPr>
         <a:noFill/>
@@ -1258,7 +1256,7 @@
           <a:p>
             <a:fld id="{602EE1C5-99C1-47B6-9F05-A280620E55AE}" type="datetimeFigureOut">
               <a:rPr lang="zh-CN" altLang="en-US" smtClean="0"/>
-              <a:t>2016/3/18 Friday</a:t>
+              <a:t>2016/3/20</a:t>
             </a:fld>
             <a:endParaRPr lang="zh-CN" altLang="en-US"/>
           </a:p>
@@ -1322,38 +1320,37 @@
           <a:p>
             <a:pPr lvl="0"/>
             <a:r>
-              <a:rPr lang="zh-CN" altLang="en-US" smtClean="0"/>
+              <a:rPr lang="zh-CN" altLang="en-US"/>
               <a:t>编辑母版文本样式</a:t>
             </a:r>
           </a:p>
           <a:p>
             <a:pPr lvl="1"/>
             <a:r>
-              <a:rPr lang="zh-CN" altLang="en-US" smtClean="0"/>
+              <a:rPr lang="zh-CN" altLang="en-US"/>
               <a:t>第二级</a:t>
             </a:r>
           </a:p>
           <a:p>
             <a:pPr lvl="2"/>
             <a:r>
-              <a:rPr lang="zh-CN" altLang="en-US" smtClean="0"/>
+              <a:rPr lang="zh-CN" altLang="en-US"/>
               <a:t>第三级</a:t>
             </a:r>
           </a:p>
           <a:p>
             <a:pPr lvl="3"/>
             <a:r>
-              <a:rPr lang="zh-CN" altLang="en-US" smtClean="0"/>
+              <a:rPr lang="zh-CN" altLang="en-US"/>
               <a:t>第四级</a:t>
             </a:r>
           </a:p>
           <a:p>
             <a:pPr lvl="4"/>
             <a:r>
-              <a:rPr lang="zh-CN" altLang="en-US" smtClean="0"/>
+              <a:rPr lang="zh-CN" altLang="en-US"/>
               <a:t>第五级</a:t>
             </a:r>
-            <a:endParaRPr lang="zh-CN" altLang="en-US"/>
           </a:p>
         </p:txBody>
       </p:sp>
@@ -1672,34 +1669,34 @@
               <a:defRPr/>
             </a:pPr>
             <a:r>
-              <a:rPr lang="en-US" altLang="zh-CN" sz="1200" dirty="0" smtClean="0">
+              <a:rPr lang="en-US" altLang="zh-CN" sz="1200" dirty="0">
                 <a:latin typeface="微软雅黑" panose="020B0503020204020204" pitchFamily="34" charset="-122"/>
                 <a:ea typeface="微软雅黑" panose="020B0503020204020204" pitchFamily="34" charset="-122"/>
               </a:rPr>
               <a:t>Thing </a:t>
             </a:r>
             <a:r>
-              <a:rPr lang="en-US" altLang="zh-CN" sz="1200" dirty="0" err="1" smtClean="0">
+              <a:rPr lang="en-US" altLang="zh-CN" sz="1200" dirty="0" err="1">
                 <a:latin typeface="微软雅黑" panose="020B0503020204020204" pitchFamily="34" charset="-122"/>
                 <a:ea typeface="微软雅黑" panose="020B0503020204020204" pitchFamily="34" charset="-122"/>
               </a:rPr>
               <a:t>Worx</a:t>
             </a:r>
             <a:r>
-              <a:rPr lang="en-US" altLang="zh-CN" sz="1200" dirty="0" smtClean="0">
+              <a:rPr lang="en-US" altLang="zh-CN" sz="1200" dirty="0">
                 <a:latin typeface="微软雅黑" panose="020B0503020204020204" pitchFamily="34" charset="-122"/>
                 <a:ea typeface="微软雅黑" panose="020B0503020204020204" pitchFamily="34" charset="-122"/>
               </a:rPr>
               <a:t> </a:t>
             </a:r>
             <a:r>
-              <a:rPr lang="zh-CN" altLang="en-US" sz="1200" dirty="0" smtClean="0">
+              <a:rPr lang="zh-CN" altLang="en-US" sz="1200" dirty="0">
                 <a:latin typeface="微软雅黑" panose="020B0503020204020204" pitchFamily="34" charset="-122"/>
                 <a:ea typeface="微软雅黑" panose="020B0503020204020204" pitchFamily="34" charset="-122"/>
               </a:rPr>
               <a:t>移动物联网平台，你可以将收集到的数据传到这里，保存并处理</a:t>
             </a:r>
-            <a:endParaRPr lang="zh-CN" altLang="en-US" dirty="0" smtClean="0"/>
+            <a:endParaRPr lang="zh-CN" altLang="en-US" dirty="0"/>
           </a:p>
           <a:p>
             <a:pPr marL="0" marR="0" indent="0" algn="l" defTabSz="914400" rtl="0" eaLnBrk="1" fontAlgn="auto" latinLnBrk="0" hangingPunct="1">
@@ -1719,7 +1716,7 @@
               <a:tabLst/>
               <a:defRPr/>
             </a:pPr>
-            <a:endParaRPr lang="en-US" altLang="zh-CN" sz="1200" dirty="0" smtClean="0">
+            <a:endParaRPr lang="en-US" altLang="zh-CN" sz="1200" dirty="0">
               <a:latin typeface="微软雅黑" panose="020B0503020204020204" pitchFamily="34" charset="-122"/>
               <a:ea typeface="微软雅黑" panose="020B0503020204020204" pitchFamily="34" charset="-122"/>
             </a:endParaRPr>
@@ -1743,20 +1740,20 @@
               <a:defRPr/>
             </a:pPr>
             <a:r>
-              <a:rPr lang="en-US" altLang="zh-CN" sz="1200" dirty="0" smtClean="0">
+              <a:rPr lang="en-US" altLang="zh-CN" sz="1200" dirty="0">
                 <a:latin typeface="微软雅黑" panose="020B0503020204020204" pitchFamily="34" charset="-122"/>
                 <a:ea typeface="微软雅黑" panose="020B0503020204020204" pitchFamily="34" charset="-122"/>
               </a:rPr>
               <a:t>Service</a:t>
             </a:r>
             <a:r>
-              <a:rPr lang="zh-CN" altLang="en-US" sz="1200" dirty="0" smtClean="0">
+              <a:rPr lang="zh-CN" altLang="en-US" sz="1200" dirty="0">
                 <a:latin typeface="微软雅黑" panose="020B0503020204020204" pitchFamily="34" charset="-122"/>
                 <a:ea typeface="微软雅黑" panose="020B0503020204020204" pitchFamily="34" charset="-122"/>
               </a:rPr>
               <a:t>服务 ，有点像数据库，把所有的数据都保存了下来，能够通过请求回传数据  </a:t>
             </a:r>
-            <a:endParaRPr lang="en-US" altLang="zh-CN" sz="1200" dirty="0" smtClean="0">
+            <a:endParaRPr lang="en-US" altLang="zh-CN" sz="1200" dirty="0">
               <a:latin typeface="微软雅黑" panose="020B0503020204020204" pitchFamily="34" charset="-122"/>
               <a:ea typeface="微软雅黑" panose="020B0503020204020204" pitchFamily="34" charset="-122"/>
             </a:endParaRPr>
@@ -1847,83 +1844,83 @@
           <a:lstStyle/>
           <a:p>
             <a:r>
-              <a:rPr lang="zh-CN" altLang="en-US" dirty="0" smtClean="0"/>
+              <a:rPr lang="zh-CN" altLang="en-US" dirty="0"/>
               <a:t>通过气象站传感器收集气象信息，将数据传到</a:t>
             </a:r>
             <a:r>
-              <a:rPr lang="en-US" altLang="zh-CN" dirty="0" err="1" smtClean="0"/>
+              <a:rPr lang="en-US" altLang="zh-CN" dirty="0" err="1"/>
               <a:t>ArduinoYun</a:t>
             </a:r>
             <a:r>
-              <a:rPr lang="zh-CN" altLang="en-US" dirty="0" smtClean="0"/>
+              <a:rPr lang="zh-CN" altLang="en-US" dirty="0"/>
               <a:t>，</a:t>
             </a:r>
             <a:r>
-              <a:rPr lang="en-US" altLang="zh-CN" dirty="0" err="1" smtClean="0"/>
+              <a:rPr lang="en-US" altLang="zh-CN" dirty="0" err="1"/>
               <a:t>ArduinoYun</a:t>
             </a:r>
             <a:r>
-              <a:rPr lang="zh-CN" altLang="en-US" dirty="0" smtClean="0"/>
+              <a:rPr lang="zh-CN" altLang="en-US" dirty="0"/>
               <a:t>将传过来的数据进行加工后上传到</a:t>
             </a:r>
             <a:r>
-              <a:rPr lang="en-US" altLang="zh-CN" dirty="0" err="1" smtClean="0"/>
+              <a:rPr lang="en-US" altLang="zh-CN" dirty="0" err="1"/>
               <a:t>ThingWorx</a:t>
             </a:r>
             <a:r>
-              <a:rPr lang="zh-CN" altLang="en-US" dirty="0" smtClean="0"/>
+              <a:rPr lang="zh-CN" altLang="en-US" dirty="0"/>
               <a:t>平台，并把这些数据显示在</a:t>
             </a:r>
             <a:r>
-              <a:rPr lang="en-US" altLang="zh-CN" dirty="0" smtClean="0"/>
+              <a:rPr lang="en-US" altLang="zh-CN" dirty="0"/>
               <a:t>Android</a:t>
             </a:r>
             <a:r>
-              <a:rPr lang="zh-CN" altLang="en-US" dirty="0" smtClean="0"/>
+              <a:rPr lang="zh-CN" altLang="en-US" dirty="0"/>
               <a:t>上</a:t>
             </a:r>
-            <a:endParaRPr lang="en-US" altLang="zh-CN" dirty="0" smtClean="0"/>
-          </a:p>
-          <a:p>
-            <a:endParaRPr lang="en-US" altLang="zh-CN" dirty="0" smtClean="0"/>
-          </a:p>
-          <a:p>
-            <a:r>
-              <a:rPr lang="zh-CN" altLang="en-US" dirty="0" smtClean="0"/>
+            <a:endParaRPr lang="en-US" altLang="zh-CN" dirty="0"/>
+          </a:p>
+          <a:p>
+            <a:endParaRPr lang="en-US" altLang="zh-CN" dirty="0"/>
+          </a:p>
+          <a:p>
+            <a:r>
+              <a:rPr lang="zh-CN" altLang="en-US" dirty="0"/>
               <a:t>怎么加工的：将字符串数据进行处理，以某种格式发送</a:t>
             </a:r>
-            <a:endParaRPr lang="en-US" altLang="zh-CN" dirty="0" smtClean="0"/>
-          </a:p>
-          <a:p>
-            <a:endParaRPr lang="en-US" altLang="zh-CN" dirty="0" smtClean="0"/>
-          </a:p>
-          <a:p>
-            <a:r>
-              <a:rPr lang="zh-CN" altLang="en-US" dirty="0" smtClean="0"/>
+            <a:endParaRPr lang="en-US" altLang="zh-CN" dirty="0"/>
+          </a:p>
+          <a:p>
+            <a:endParaRPr lang="en-US" altLang="zh-CN" dirty="0"/>
+          </a:p>
+          <a:p>
+            <a:r>
+              <a:rPr lang="zh-CN" altLang="en-US" dirty="0"/>
               <a:t>问：怎么传的？ </a:t>
             </a:r>
-            <a:endParaRPr lang="en-US" altLang="zh-CN" dirty="0" smtClean="0"/>
-          </a:p>
-          <a:p>
-            <a:r>
-              <a:rPr lang="zh-CN" altLang="en-US" dirty="0" smtClean="0"/>
+            <a:endParaRPr lang="en-US" altLang="zh-CN" dirty="0"/>
+          </a:p>
+          <a:p>
+            <a:r>
+              <a:rPr lang="zh-CN" altLang="en-US" dirty="0"/>
               <a:t>答：数据通过</a:t>
             </a:r>
             <a:r>
-              <a:rPr lang="en-US" altLang="zh-CN" dirty="0" smtClean="0"/>
+              <a:rPr lang="en-US" altLang="zh-CN" dirty="0"/>
               <a:t>REST</a:t>
             </a:r>
             <a:r>
-              <a:rPr lang="zh-CN" altLang="en-US" dirty="0" smtClean="0"/>
+              <a:rPr lang="zh-CN" altLang="en-US" dirty="0"/>
               <a:t>的方法以字符串的形式传递。</a:t>
             </a:r>
-            <a:endParaRPr lang="en-US" altLang="zh-CN" dirty="0" smtClean="0"/>
-          </a:p>
-          <a:p>
-            <a:endParaRPr lang="en-US" altLang="zh-CN" dirty="0" smtClean="0"/>
-          </a:p>
-          <a:p>
-            <a:endParaRPr lang="en-US" altLang="zh-CN" dirty="0" smtClean="0"/>
+            <a:endParaRPr lang="en-US" altLang="zh-CN" dirty="0"/>
+          </a:p>
+          <a:p>
+            <a:endParaRPr lang="en-US" altLang="zh-CN" dirty="0"/>
+          </a:p>
+          <a:p>
+            <a:endParaRPr lang="en-US" altLang="zh-CN" dirty="0"/>
           </a:p>
           <a:p>
             <a:pPr marL="0" marR="0" indent="0" algn="l" defTabSz="914400" rtl="0" eaLnBrk="1" fontAlgn="auto" latinLnBrk="0" hangingPunct="1">
@@ -1944,34 +1941,34 @@
               <a:defRPr/>
             </a:pPr>
             <a:r>
-              <a:rPr lang="en-US" altLang="zh-CN" sz="1200" dirty="0" smtClean="0">
+              <a:rPr lang="en-US" altLang="zh-CN" sz="1200" dirty="0">
                 <a:latin typeface="微软雅黑" panose="020B0503020204020204" pitchFamily="34" charset="-122"/>
                 <a:ea typeface="微软雅黑" panose="020B0503020204020204" pitchFamily="34" charset="-122"/>
               </a:rPr>
               <a:t>Thing </a:t>
             </a:r>
             <a:r>
-              <a:rPr lang="en-US" altLang="zh-CN" sz="1200" dirty="0" err="1" smtClean="0">
+              <a:rPr lang="en-US" altLang="zh-CN" sz="1200" dirty="0" err="1">
                 <a:latin typeface="微软雅黑" panose="020B0503020204020204" pitchFamily="34" charset="-122"/>
                 <a:ea typeface="微软雅黑" panose="020B0503020204020204" pitchFamily="34" charset="-122"/>
               </a:rPr>
               <a:t>Worx</a:t>
             </a:r>
             <a:r>
-              <a:rPr lang="en-US" altLang="zh-CN" sz="1200" dirty="0" smtClean="0">
+              <a:rPr lang="en-US" altLang="zh-CN" sz="1200" dirty="0">
                 <a:latin typeface="微软雅黑" panose="020B0503020204020204" pitchFamily="34" charset="-122"/>
                 <a:ea typeface="微软雅黑" panose="020B0503020204020204" pitchFamily="34" charset="-122"/>
               </a:rPr>
               <a:t> </a:t>
             </a:r>
             <a:r>
-              <a:rPr lang="zh-CN" altLang="en-US" sz="1200" dirty="0" smtClean="0">
+              <a:rPr lang="zh-CN" altLang="en-US" sz="1200" dirty="0">
                 <a:latin typeface="微软雅黑" panose="020B0503020204020204" pitchFamily="34" charset="-122"/>
                 <a:ea typeface="微软雅黑" panose="020B0503020204020204" pitchFamily="34" charset="-122"/>
               </a:rPr>
               <a:t>移动物联网平台，你可以将收集到的数据传到这里，保存并处理</a:t>
             </a:r>
-            <a:endParaRPr lang="zh-CN" altLang="en-US" dirty="0" smtClean="0"/>
+            <a:endParaRPr lang="zh-CN" altLang="en-US" dirty="0"/>
           </a:p>
           <a:p>
             <a:endParaRPr lang="zh-CN" altLang="en-US" dirty="0"/>
@@ -2058,7 +2055,7 @@
           <a:bodyPr/>
           <a:lstStyle/>
           <a:p>
-            <a:endParaRPr lang="en-US" altLang="zh-CN" dirty="0" smtClean="0"/>
+            <a:endParaRPr lang="en-US" altLang="zh-CN" dirty="0"/>
           </a:p>
         </p:txBody>
       </p:sp>
@@ -2143,7 +2140,7 @@
           <a:lstStyle/>
           <a:p>
             <a:r>
-              <a:rPr lang="en-US" altLang="zh-CN" sz="1200" b="0" i="0" kern="1200" dirty="0" smtClean="0">
+              <a:rPr lang="en-US" altLang="zh-CN" sz="1200" b="0" i="0" kern="1200" dirty="0">
                 <a:solidFill>
                   <a:schemeClr val="tx1"/>
                 </a:solidFill>
@@ -2155,7 +2152,7 @@
               <a:t>UI</a:t>
             </a:r>
             <a:r>
-              <a:rPr lang="zh-CN" altLang="en-US" sz="1200" b="0" i="0" kern="1200" dirty="0" smtClean="0">
+              <a:rPr lang="zh-CN" altLang="en-US" sz="1200" b="0" i="0" kern="1200" dirty="0">
                 <a:solidFill>
                   <a:schemeClr val="tx1"/>
                 </a:solidFill>
@@ -2167,7 +2164,7 @@
               <a:t>：</a:t>
             </a:r>
             <a:r>
-              <a:rPr lang="en-US" altLang="zh-CN" sz="1200" b="0" i="0" kern="1200" dirty="0" smtClean="0">
+              <a:rPr lang="en-US" altLang="zh-CN" sz="1200" b="0" i="0" kern="1200" dirty="0">
                 <a:solidFill>
                   <a:schemeClr val="tx1"/>
                 </a:solidFill>
@@ -2349,7 +2346,7 @@
           <a:lstStyle/>
           <a:p>
             <a:r>
-              <a:rPr lang="zh-CN" altLang="en-US" sz="1200" b="0" i="0" kern="1200" dirty="0" smtClean="0">
+              <a:rPr lang="zh-CN" altLang="en-US" sz="1200" b="0" i="0" kern="1200" dirty="0">
                 <a:solidFill>
                   <a:schemeClr val="tx1"/>
                 </a:solidFill>
@@ -2361,7 +2358,7 @@
               <a:t>空气污染指数（</a:t>
             </a:r>
             <a:r>
-              <a:rPr lang="en-US" altLang="zh-CN" sz="1200" b="0" i="0" kern="1200" dirty="0" smtClean="0">
+              <a:rPr lang="en-US" altLang="zh-CN" sz="1200" b="0" i="0" kern="1200" dirty="0">
                 <a:solidFill>
                   <a:schemeClr val="tx1"/>
                 </a:solidFill>
@@ -2373,7 +2370,7 @@
               <a:t>Air pollution Index</a:t>
             </a:r>
             <a:r>
-              <a:rPr lang="zh-CN" altLang="en-US" sz="1200" b="0" i="0" kern="1200" dirty="0" smtClean="0">
+              <a:rPr lang="zh-CN" altLang="en-US" sz="1200" b="0" i="0" kern="1200" dirty="0">
                 <a:solidFill>
                   <a:schemeClr val="tx1"/>
                 </a:solidFill>
@@ -2385,7 +2382,7 @@
               <a:t>，简称</a:t>
             </a:r>
             <a:r>
-              <a:rPr lang="en-US" altLang="zh-CN" sz="1200" b="0" i="0" kern="1200" dirty="0" smtClean="0">
+              <a:rPr lang="en-US" altLang="zh-CN" sz="1200" b="0" i="0" kern="1200" dirty="0">
                 <a:solidFill>
                   <a:schemeClr val="tx1"/>
                 </a:solidFill>
@@ -2397,7 +2394,7 @@
               <a:t>API</a:t>
             </a:r>
             <a:r>
-              <a:rPr lang="zh-CN" altLang="en-US" sz="1200" b="0" i="0" kern="1200" dirty="0" smtClean="0">
+              <a:rPr lang="zh-CN" altLang="en-US" sz="1200" b="0" i="0" kern="1200" dirty="0">
                 <a:solidFill>
                   <a:schemeClr val="tx1"/>
                 </a:solidFill>
@@ -2408,7 +2405,7 @@
               </a:rPr>
               <a:t>）</a:t>
             </a:r>
-            <a:endParaRPr lang="en-US" altLang="zh-CN" dirty="0" smtClean="0"/>
+            <a:endParaRPr lang="en-US" altLang="zh-CN" dirty="0"/>
           </a:p>
         </p:txBody>
       </p:sp>
@@ -2492,7 +2489,7 @@
           <a:bodyPr/>
           <a:lstStyle/>
           <a:p>
-            <a:endParaRPr lang="en-US" altLang="zh-CN" dirty="0" smtClean="0"/>
+            <a:endParaRPr lang="en-US" altLang="zh-CN" dirty="0"/>
           </a:p>
         </p:txBody>
       </p:sp>
@@ -2576,7 +2573,7 @@
           <a:bodyPr/>
           <a:lstStyle/>
           <a:p>
-            <a:endParaRPr lang="en-US" altLang="zh-CN" dirty="0" smtClean="0"/>
+            <a:endParaRPr lang="en-US" altLang="zh-CN" dirty="0"/>
           </a:p>
         </p:txBody>
       </p:sp>
@@ -2661,42 +2658,38 @@
           <a:lstStyle/>
           <a:p>
             <a:r>
-              <a:rPr lang="zh-CN" altLang="en-US" dirty="0" smtClean="0"/>
+              <a:rPr lang="zh-CN" altLang="en-US" dirty="0"/>
               <a:t>对</a:t>
             </a:r>
             <a:r>
-              <a:rPr lang="en-US" altLang="zh-CN" dirty="0" smtClean="0"/>
+              <a:rPr lang="en-US" altLang="zh-CN" dirty="0"/>
               <a:t>Android</a:t>
             </a:r>
             <a:r>
-              <a:rPr lang="zh-CN" altLang="en-US" dirty="0" smtClean="0"/>
+              <a:rPr lang="zh-CN" altLang="en-US" dirty="0"/>
               <a:t>的最低版本有限制</a:t>
             </a:r>
-            <a:endParaRPr lang="en-US" altLang="zh-CN" dirty="0" smtClean="0"/>
-          </a:p>
-          <a:p>
-            <a:endParaRPr lang="en-US" altLang="zh-CN" dirty="0" smtClean="0"/>
-          </a:p>
-          <a:p>
-            <a:r>
-              <a:rPr lang="zh-CN" altLang="en-US" dirty="0" smtClean="0"/>
+            <a:endParaRPr lang="en-US" altLang="zh-CN" dirty="0"/>
+          </a:p>
+          <a:p>
+            <a:endParaRPr lang="en-US" altLang="zh-CN" dirty="0"/>
+          </a:p>
+          <a:p>
+            <a:r>
+              <a:rPr lang="zh-CN" altLang="en-US" dirty="0"/>
               <a:t>同时系统需要至于网络环境下</a:t>
             </a:r>
-            <a:r>
-              <a:rPr lang="en-US" altLang="zh-CN" dirty="0" smtClean="0"/>
-              <a:t/>
-            </a:r>
             <a:br>
-              <a:rPr lang="en-US" altLang="zh-CN" dirty="0" smtClean="0"/>
+              <a:rPr lang="en-US" altLang="zh-CN" dirty="0"/>
             </a:br>
-            <a:endParaRPr lang="en-US" altLang="zh-CN" dirty="0" smtClean="0"/>
-          </a:p>
-          <a:p>
-            <a:r>
-              <a:rPr lang="zh-CN" altLang="en-US" dirty="0" smtClean="0"/>
+            <a:endParaRPr lang="en-US" altLang="zh-CN" dirty="0"/>
+          </a:p>
+          <a:p>
+            <a:r>
+              <a:rPr lang="zh-CN" altLang="en-US" dirty="0"/>
               <a:t>如果提到全年无故障率的话，最有可能故障的时候其实是断电或者是长期断网（网络不稳的时候影响不大，他会从新上传或者更新数据的）</a:t>
             </a:r>
-            <a:endParaRPr lang="en-US" altLang="zh-CN" dirty="0" smtClean="0"/>
+            <a:endParaRPr lang="en-US" altLang="zh-CN" dirty="0"/>
           </a:p>
         </p:txBody>
       </p:sp>
@@ -2781,13 +2774,13 @@
           <a:lstStyle/>
           <a:p>
             <a:r>
-              <a:rPr lang="zh-CN" altLang="en-US" dirty="0" smtClean="0"/>
+              <a:rPr lang="zh-CN" altLang="en-US" dirty="0"/>
               <a:t>以上设备都已经到手</a:t>
             </a:r>
-            <a:endParaRPr lang="en-US" altLang="zh-CN" dirty="0" smtClean="0"/>
-          </a:p>
-          <a:p>
-            <a:endParaRPr lang="en-US" altLang="zh-CN" dirty="0" smtClean="0"/>
+            <a:endParaRPr lang="en-US" altLang="zh-CN" dirty="0"/>
+          </a:p>
+          <a:p>
+            <a:endParaRPr lang="en-US" altLang="zh-CN" dirty="0"/>
           </a:p>
           <a:p>
             <a:pPr marL="0" marR="0" lvl="0" indent="0" algn="l" defTabSz="914400" rtl="0" eaLnBrk="1" fontAlgn="auto" latinLnBrk="0" hangingPunct="1">
@@ -2808,41 +2801,41 @@
               <a:defRPr/>
             </a:pPr>
             <a:r>
-              <a:rPr lang="en-US" altLang="zh-CN" sz="1200" dirty="0" smtClean="0">
+              <a:rPr lang="en-US" altLang="zh-CN" sz="1200" dirty="0">
                 <a:latin typeface="微软雅黑" panose="020B0503020204020204" pitchFamily="34" charset="-122"/>
                 <a:ea typeface="微软雅黑" panose="020B0503020204020204" pitchFamily="34" charset="-122"/>
               </a:rPr>
               <a:t>APRS</a:t>
             </a:r>
             <a:r>
-              <a:rPr lang="zh-CN" altLang="zh-CN" sz="1200" dirty="0" smtClean="0">
+              <a:rPr lang="zh-CN" altLang="zh-CN" sz="1200" dirty="0">
                 <a:latin typeface="微软雅黑" panose="020B0503020204020204" pitchFamily="34" charset="-122"/>
                 <a:ea typeface="微软雅黑" panose="020B0503020204020204" pitchFamily="34" charset="-122"/>
               </a:rPr>
               <a:t>气象站专用接口板</a:t>
             </a:r>
             <a:r>
-              <a:rPr lang="zh-CN" altLang="en-US" sz="1200" dirty="0" smtClean="0">
+              <a:rPr lang="zh-CN" altLang="en-US" sz="1200" dirty="0">
                 <a:latin typeface="微软雅黑" panose="020B0503020204020204" pitchFamily="34" charset="-122"/>
                 <a:ea typeface="微软雅黑" panose="020B0503020204020204" pitchFamily="34" charset="-122"/>
               </a:rPr>
               <a:t>：这东西的作用和你用的网线转</a:t>
             </a:r>
             <a:r>
-              <a:rPr lang="en-US" altLang="zh-CN" sz="1200" dirty="0" smtClean="0">
+              <a:rPr lang="en-US" altLang="zh-CN" sz="1200" dirty="0">
                 <a:latin typeface="微软雅黑" panose="020B0503020204020204" pitchFamily="34" charset="-122"/>
                 <a:ea typeface="微软雅黑" panose="020B0503020204020204" pitchFamily="34" charset="-122"/>
               </a:rPr>
               <a:t>USB</a:t>
             </a:r>
             <a:r>
-              <a:rPr lang="zh-CN" altLang="en-US" sz="1200" dirty="0" smtClean="0">
+              <a:rPr lang="zh-CN" altLang="en-US" sz="1200" dirty="0">
                 <a:latin typeface="微软雅黑" panose="020B0503020204020204" pitchFamily="34" charset="-122"/>
                 <a:ea typeface="微软雅黑" panose="020B0503020204020204" pitchFamily="34" charset="-122"/>
               </a:rPr>
               <a:t>差不多，目的是为了能够让机子读出气象站的数据</a:t>
             </a:r>
-            <a:endParaRPr lang="en-US" altLang="zh-CN" sz="1200" dirty="0" smtClean="0">
+            <a:endParaRPr lang="en-US" altLang="zh-CN" sz="1200" dirty="0">
               <a:latin typeface="微软雅黑" panose="020B0503020204020204" pitchFamily="34" charset="-122"/>
               <a:ea typeface="微软雅黑" panose="020B0503020204020204" pitchFamily="34" charset="-122"/>
             </a:endParaRPr>
@@ -2865,7 +2858,7 @@
               <a:tabLst/>
               <a:defRPr/>
             </a:pPr>
-            <a:endParaRPr lang="zh-CN" altLang="zh-CN" sz="1200" dirty="0" smtClean="0">
+            <a:endParaRPr lang="zh-CN" altLang="zh-CN" sz="1200" dirty="0">
               <a:latin typeface="微软雅黑" panose="020B0503020204020204" pitchFamily="34" charset="-122"/>
               <a:ea typeface="微软雅黑" panose="020B0503020204020204" pitchFamily="34" charset="-122"/>
             </a:endParaRPr>
@@ -2889,94 +2882,93 @@
               <a:defRPr/>
             </a:pPr>
             <a:r>
-              <a:rPr lang="en-US" altLang="zh-CN" sz="1200" dirty="0" smtClean="0">
+              <a:rPr lang="en-US" altLang="zh-CN" sz="1200" dirty="0">
                 <a:latin typeface="微软雅黑" panose="020B0503020204020204" pitchFamily="34" charset="-122"/>
                 <a:ea typeface="微软雅黑" panose="020B0503020204020204" pitchFamily="34" charset="-122"/>
               </a:rPr>
               <a:t>Arduino Yun   </a:t>
             </a:r>
             <a:r>
-              <a:rPr lang="zh-CN" altLang="en-US" sz="1200" dirty="0" smtClean="0">
+              <a:rPr lang="zh-CN" altLang="en-US" sz="1200" dirty="0">
                 <a:latin typeface="微软雅黑" panose="020B0503020204020204" pitchFamily="34" charset="-122"/>
                 <a:ea typeface="微软雅黑" panose="020B0503020204020204" pitchFamily="34" charset="-122"/>
               </a:rPr>
               <a:t>新型的微机，相当于</a:t>
             </a:r>
             <a:r>
-              <a:rPr lang="en-US" altLang="zh-CN" sz="1200" dirty="0" smtClean="0">
+              <a:rPr lang="en-US" altLang="zh-CN" sz="1200" dirty="0">
                 <a:latin typeface="微软雅黑" panose="020B0503020204020204" pitchFamily="34" charset="-122"/>
                 <a:ea typeface="微软雅黑" panose="020B0503020204020204" pitchFamily="34" charset="-122"/>
               </a:rPr>
               <a:t>Arduino+</a:t>
             </a:r>
             <a:r>
-              <a:rPr lang="zh-CN" altLang="en-US" sz="1200" dirty="0" smtClean="0">
+              <a:rPr lang="zh-CN" altLang="en-US" sz="1200" dirty="0">
                 <a:latin typeface="微软雅黑" panose="020B0503020204020204" pitchFamily="34" charset="-122"/>
                 <a:ea typeface="微软雅黑" panose="020B0503020204020204" pitchFamily="34" charset="-122"/>
               </a:rPr>
               <a:t>一个能联网的</a:t>
             </a:r>
             <a:r>
-              <a:rPr lang="en-US" altLang="zh-CN" sz="1200" dirty="0" err="1" smtClean="0">
+              <a:rPr lang="en-US" altLang="zh-CN" sz="1200" dirty="0" err="1">
                 <a:latin typeface="微软雅黑" panose="020B0503020204020204" pitchFamily="34" charset="-122"/>
                 <a:ea typeface="微软雅黑" panose="020B0503020204020204" pitchFamily="34" charset="-122"/>
               </a:rPr>
               <a:t>linux</a:t>
             </a:r>
             <a:r>
-              <a:rPr lang="en-US" altLang="zh-CN" sz="1200" dirty="0" smtClean="0">
+              <a:rPr lang="en-US" altLang="zh-CN" sz="1200" dirty="0">
                 <a:latin typeface="微软雅黑" panose="020B0503020204020204" pitchFamily="34" charset="-122"/>
                 <a:ea typeface="微软雅黑" panose="020B0503020204020204" pitchFamily="34" charset="-122"/>
               </a:rPr>
               <a:t>   </a:t>
             </a:r>
             <a:r>
-              <a:rPr lang="zh-CN" altLang="en-US" sz="1200" dirty="0" smtClean="0">
+              <a:rPr lang="zh-CN" altLang="en-US" sz="1200" dirty="0">
                 <a:latin typeface="微软雅黑" panose="020B0503020204020204" pitchFamily="34" charset="-122"/>
                 <a:ea typeface="微软雅黑" panose="020B0503020204020204" pitchFamily="34" charset="-122"/>
               </a:rPr>
               <a:t>就当做一个能上网的小型计算机</a:t>
             </a:r>
-            <a:endParaRPr lang="en-US" altLang="zh-CN" sz="1200" dirty="0" smtClean="0">
+            <a:endParaRPr lang="en-US" altLang="zh-CN" sz="1200" dirty="0">
               <a:latin typeface="微软雅黑" panose="020B0503020204020204" pitchFamily="34" charset="-122"/>
               <a:ea typeface="微软雅黑" panose="020B0503020204020204" pitchFamily="34" charset="-122"/>
             </a:endParaRPr>
           </a:p>
           <a:p>
-            <a:endParaRPr lang="en-US" altLang="zh-CN" dirty="0" smtClean="0"/>
-          </a:p>
-          <a:p>
-            <a:r>
-              <a:rPr lang="zh-CN" altLang="zh-CN" sz="1200" dirty="0" smtClean="0">
+            <a:endParaRPr lang="en-US" altLang="zh-CN" dirty="0"/>
+          </a:p>
+          <a:p>
+            <a:r>
+              <a:rPr lang="zh-CN" altLang="zh-CN" sz="1200" dirty="0">
                 <a:latin typeface="微软雅黑" panose="020B0503020204020204" pitchFamily="34" charset="-122"/>
                 <a:ea typeface="微软雅黑" panose="020B0503020204020204" pitchFamily="34" charset="-122"/>
               </a:rPr>
               <a:t>面包板</a:t>
             </a:r>
             <a:r>
-              <a:rPr lang="zh-CN" altLang="en-US" sz="1200" dirty="0" smtClean="0">
+              <a:rPr lang="zh-CN" altLang="en-US" sz="1200" dirty="0">
                 <a:latin typeface="微软雅黑" panose="020B0503020204020204" pitchFamily="34" charset="-122"/>
                 <a:ea typeface="微软雅黑" panose="020B0503020204020204" pitchFamily="34" charset="-122"/>
               </a:rPr>
               <a:t>相当于连电路用的板子，在上面插好线就能连通</a:t>
             </a:r>
-            <a:endParaRPr lang="en-US" altLang="zh-CN" sz="1200" dirty="0" smtClean="0">
+            <a:endParaRPr lang="en-US" altLang="zh-CN" sz="1200" dirty="0">
               <a:latin typeface="微软雅黑" panose="020B0503020204020204" pitchFamily="34" charset="-122"/>
               <a:ea typeface="微软雅黑" panose="020B0503020204020204" pitchFamily="34" charset="-122"/>
             </a:endParaRPr>
           </a:p>
           <a:p>
-            <a:endParaRPr lang="en-US" altLang="zh-CN" sz="1200" dirty="0" smtClean="0">
+            <a:endParaRPr lang="en-US" altLang="zh-CN" sz="1200" dirty="0">
               <a:latin typeface="微软雅黑" panose="020B0503020204020204" pitchFamily="34" charset="-122"/>
               <a:ea typeface="微软雅黑" panose="020B0503020204020204" pitchFamily="34" charset="-122"/>
             </a:endParaRPr>
           </a:p>
           <a:p>
             <a:r>
-              <a:rPr lang="zh-CN" altLang="en-US" dirty="0" smtClean="0"/>
+              <a:rPr lang="zh-CN" altLang="en-US" dirty="0"/>
               <a:t>杜邦线就是有插头的铜线</a:t>
             </a:r>
-            <a:endParaRPr lang="zh-CN" altLang="en-US" dirty="0"/>
           </a:p>
         </p:txBody>
       </p:sp>
@@ -3061,129 +3053,129 @@
           <a:lstStyle/>
           <a:p>
             <a:r>
-              <a:rPr lang="en-US" altLang="zh-CN" sz="1200" dirty="0" smtClean="0">
+              <a:rPr lang="en-US" altLang="zh-CN" sz="1200" dirty="0">
                 <a:latin typeface="微软雅黑" panose="020B0503020204020204" pitchFamily="34" charset="-122"/>
                 <a:ea typeface="微软雅黑" panose="020B0503020204020204" pitchFamily="34" charset="-122"/>
               </a:rPr>
               <a:t>Arduino Yun   </a:t>
             </a:r>
             <a:r>
-              <a:rPr lang="zh-CN" altLang="en-US" sz="1200" dirty="0" smtClean="0">
+              <a:rPr lang="zh-CN" altLang="en-US" sz="1200" dirty="0">
                 <a:latin typeface="微软雅黑" panose="020B0503020204020204" pitchFamily="34" charset="-122"/>
                 <a:ea typeface="微软雅黑" panose="020B0503020204020204" pitchFamily="34" charset="-122"/>
               </a:rPr>
               <a:t>新型的微机，相当于</a:t>
             </a:r>
             <a:r>
-              <a:rPr lang="en-US" altLang="zh-CN" sz="1200" dirty="0" smtClean="0">
+              <a:rPr lang="en-US" altLang="zh-CN" sz="1200" dirty="0">
                 <a:latin typeface="微软雅黑" panose="020B0503020204020204" pitchFamily="34" charset="-122"/>
                 <a:ea typeface="微软雅黑" panose="020B0503020204020204" pitchFamily="34" charset="-122"/>
               </a:rPr>
               <a:t>Arduino+</a:t>
             </a:r>
             <a:r>
-              <a:rPr lang="zh-CN" altLang="en-US" sz="1200" dirty="0" smtClean="0">
+              <a:rPr lang="zh-CN" altLang="en-US" sz="1200" dirty="0">
                 <a:latin typeface="微软雅黑" panose="020B0503020204020204" pitchFamily="34" charset="-122"/>
                 <a:ea typeface="微软雅黑" panose="020B0503020204020204" pitchFamily="34" charset="-122"/>
               </a:rPr>
               <a:t>一个能联网的</a:t>
             </a:r>
             <a:r>
-              <a:rPr lang="en-US" altLang="zh-CN" sz="1200" dirty="0" err="1" smtClean="0">
+              <a:rPr lang="en-US" altLang="zh-CN" sz="1200" dirty="0" err="1">
                 <a:latin typeface="微软雅黑" panose="020B0503020204020204" pitchFamily="34" charset="-122"/>
                 <a:ea typeface="微软雅黑" panose="020B0503020204020204" pitchFamily="34" charset="-122"/>
               </a:rPr>
               <a:t>linux</a:t>
             </a:r>
             <a:r>
-              <a:rPr lang="en-US" altLang="zh-CN" sz="1200" dirty="0" smtClean="0">
+              <a:rPr lang="en-US" altLang="zh-CN" sz="1200" dirty="0">
                 <a:latin typeface="微软雅黑" panose="020B0503020204020204" pitchFamily="34" charset="-122"/>
                 <a:ea typeface="微软雅黑" panose="020B0503020204020204" pitchFamily="34" charset="-122"/>
               </a:rPr>
               <a:t>   </a:t>
             </a:r>
             <a:r>
-              <a:rPr lang="zh-CN" altLang="en-US" sz="1200" dirty="0" smtClean="0">
+              <a:rPr lang="zh-CN" altLang="en-US" sz="1200" dirty="0">
                 <a:latin typeface="微软雅黑" panose="020B0503020204020204" pitchFamily="34" charset="-122"/>
                 <a:ea typeface="微软雅黑" panose="020B0503020204020204" pitchFamily="34" charset="-122"/>
               </a:rPr>
               <a:t>就当做一个能上网的小型计算机</a:t>
             </a:r>
-            <a:endParaRPr lang="en-US" altLang="zh-CN" sz="1200" dirty="0" smtClean="0">
+            <a:endParaRPr lang="en-US" altLang="zh-CN" sz="1200" dirty="0">
               <a:latin typeface="微软雅黑" panose="020B0503020204020204" pitchFamily="34" charset="-122"/>
               <a:ea typeface="微软雅黑" panose="020B0503020204020204" pitchFamily="34" charset="-122"/>
             </a:endParaRPr>
           </a:p>
           <a:p>
-            <a:endParaRPr lang="en-US" altLang="zh-CN" sz="1200" dirty="0" smtClean="0">
+            <a:endParaRPr lang="en-US" altLang="zh-CN" sz="1200" dirty="0">
               <a:latin typeface="微软雅黑" panose="020B0503020204020204" pitchFamily="34" charset="-122"/>
               <a:ea typeface="微软雅黑" panose="020B0503020204020204" pitchFamily="34" charset="-122"/>
             </a:endParaRPr>
           </a:p>
           <a:p>
             <a:r>
-              <a:rPr lang="en-US" altLang="zh-CN" sz="1200" dirty="0" smtClean="0">
+              <a:rPr lang="en-US" altLang="zh-CN" sz="1200" dirty="0">
                 <a:latin typeface="微软雅黑" panose="020B0503020204020204" pitchFamily="34" charset="-122"/>
                 <a:ea typeface="微软雅黑" panose="020B0503020204020204" pitchFamily="34" charset="-122"/>
               </a:rPr>
               <a:t>Thing </a:t>
             </a:r>
             <a:r>
-              <a:rPr lang="en-US" altLang="zh-CN" sz="1200" dirty="0" err="1" smtClean="0">
+              <a:rPr lang="en-US" altLang="zh-CN" sz="1200" dirty="0" err="1">
                 <a:latin typeface="微软雅黑" panose="020B0503020204020204" pitchFamily="34" charset="-122"/>
                 <a:ea typeface="微软雅黑" panose="020B0503020204020204" pitchFamily="34" charset="-122"/>
               </a:rPr>
               <a:t>Worx</a:t>
             </a:r>
             <a:r>
-              <a:rPr lang="en-US" altLang="zh-CN" sz="1200" dirty="0" smtClean="0">
+              <a:rPr lang="en-US" altLang="zh-CN" sz="1200" dirty="0">
                 <a:latin typeface="微软雅黑" panose="020B0503020204020204" pitchFamily="34" charset="-122"/>
                 <a:ea typeface="微软雅黑" panose="020B0503020204020204" pitchFamily="34" charset="-122"/>
               </a:rPr>
               <a:t> </a:t>
             </a:r>
             <a:r>
-              <a:rPr lang="zh-CN" altLang="en-US" sz="1200" dirty="0" smtClean="0">
+              <a:rPr lang="zh-CN" altLang="en-US" sz="1200" dirty="0">
                 <a:latin typeface="微软雅黑" panose="020B0503020204020204" pitchFamily="34" charset="-122"/>
                 <a:ea typeface="微软雅黑" panose="020B0503020204020204" pitchFamily="34" charset="-122"/>
               </a:rPr>
               <a:t>移动物联网平台，你可以将收集到的数据传到这里，保存并处理</a:t>
             </a:r>
-            <a:endParaRPr lang="en-US" altLang="zh-CN" sz="1200" dirty="0" smtClean="0">
+            <a:endParaRPr lang="en-US" altLang="zh-CN" sz="1200" dirty="0">
               <a:latin typeface="微软雅黑" panose="020B0503020204020204" pitchFamily="34" charset="-122"/>
               <a:ea typeface="微软雅黑" panose="020B0503020204020204" pitchFamily="34" charset="-122"/>
             </a:endParaRPr>
           </a:p>
           <a:p>
-            <a:endParaRPr lang="en-US" altLang="zh-CN" sz="1200" dirty="0" smtClean="0">
+            <a:endParaRPr lang="en-US" altLang="zh-CN" sz="1200" dirty="0">
               <a:latin typeface="微软雅黑" panose="020B0503020204020204" pitchFamily="34" charset="-122"/>
               <a:ea typeface="微软雅黑" panose="020B0503020204020204" pitchFamily="34" charset="-122"/>
             </a:endParaRPr>
           </a:p>
           <a:p>
             <a:r>
-              <a:rPr lang="en-US" altLang="zh-CN" sz="1200" dirty="0" smtClean="0">
+              <a:rPr lang="en-US" altLang="zh-CN" sz="1200" dirty="0">
                 <a:latin typeface="微软雅黑" panose="020B0503020204020204" pitchFamily="34" charset="-122"/>
                 <a:ea typeface="微软雅黑" panose="020B0503020204020204" pitchFamily="34" charset="-122"/>
               </a:rPr>
               <a:t>REST API </a:t>
             </a:r>
             <a:r>
-              <a:rPr lang="en-US" altLang="zh-CN" sz="1200" baseline="0" dirty="0" smtClean="0">
+              <a:rPr lang="en-US" altLang="zh-CN" sz="1200" baseline="0" dirty="0">
                 <a:latin typeface="微软雅黑" panose="020B0503020204020204" pitchFamily="34" charset="-122"/>
                 <a:ea typeface="微软雅黑" panose="020B0503020204020204" pitchFamily="34" charset="-122"/>
               </a:rPr>
               <a:t> </a:t>
             </a:r>
             <a:r>
-              <a:rPr lang="zh-CN" altLang="en-US" sz="1200" baseline="0" dirty="0" smtClean="0">
+              <a:rPr lang="zh-CN" altLang="en-US" sz="1200" baseline="0" dirty="0">
                 <a:latin typeface="微软雅黑" panose="020B0503020204020204" pitchFamily="34" charset="-122"/>
                 <a:ea typeface="微软雅黑" panose="020B0503020204020204" pitchFamily="34" charset="-122"/>
               </a:rPr>
               <a:t>是</a:t>
             </a:r>
             <a:r>
-              <a:rPr lang="zh-CN" altLang="en-US" sz="1200" b="0" i="0" kern="1200" dirty="0" smtClean="0">
+              <a:rPr lang="zh-CN" altLang="en-US" sz="1200" b="0" i="0" kern="1200" dirty="0">
                 <a:solidFill>
                   <a:schemeClr val="tx1"/>
                 </a:solidFill>
@@ -3195,7 +3187,7 @@
               <a:t>一种基于</a:t>
             </a:r>
             <a:r>
-              <a:rPr lang="en-US" altLang="zh-CN" sz="1200" b="0" i="0" kern="1200" dirty="0" smtClean="0">
+              <a:rPr lang="en-US" altLang="zh-CN" sz="1200" b="0" i="0" kern="1200" dirty="0">
                 <a:solidFill>
                   <a:schemeClr val="tx1"/>
                 </a:solidFill>
@@ -3207,7 +3199,7 @@
               <a:t>Http</a:t>
             </a:r>
             <a:r>
-              <a:rPr lang="zh-CN" altLang="en-US" sz="1200" b="0" i="0" kern="1200" dirty="0" smtClean="0">
+              <a:rPr lang="zh-CN" altLang="en-US" sz="1200" b="0" i="0" kern="1200" dirty="0">
                 <a:solidFill>
                   <a:schemeClr val="tx1"/>
                 </a:solidFill>
@@ -3216,21 +3208,9 @@
                 <a:ea typeface="+mn-ea"/>
                 <a:cs typeface="+mn-cs"/>
               </a:rPr>
-              <a:t>协议实现资源操作的思想，别人已经写好包了，我们只要会用就</a:t>
-            </a:r>
-            <a:r>
-              <a:rPr lang="zh-CN" altLang="en-US" sz="1200" b="0" i="0" kern="1200" dirty="0" smtClean="0">
-                <a:solidFill>
-                  <a:schemeClr val="tx1"/>
-                </a:solidFill>
-                <a:effectLst/>
-                <a:latin typeface="+mn-lt"/>
-                <a:ea typeface="+mn-ea"/>
-                <a:cs typeface="+mn-cs"/>
-              </a:rPr>
-              <a:t>行</a:t>
-            </a:r>
-            <a:endParaRPr lang="en-US" altLang="zh-CN" sz="1200" b="0" i="0" kern="1200" dirty="0" smtClean="0">
+              <a:t>协议实现资源操作的思想，别人已经写好包了，我们只要会用就行</a:t>
+            </a:r>
+            <a:endParaRPr lang="en-US" altLang="zh-CN" sz="1200" b="0" i="0" kern="1200" dirty="0">
               <a:solidFill>
                 <a:schemeClr val="tx1"/>
               </a:solidFill>
@@ -3242,7 +3222,7 @@
           </a:p>
           <a:p>
             <a:r>
-              <a:rPr lang="zh-CN" altLang="en-US" sz="1200" b="0" i="0" kern="1200" dirty="0" smtClean="0">
+              <a:rPr lang="zh-CN" altLang="en-US" sz="1200" b="0" i="0" kern="1200" dirty="0">
                 <a:solidFill>
                   <a:schemeClr val="tx1"/>
                 </a:solidFill>
@@ -3254,7 +3234,7 @@
               <a:t>修改：</a:t>
             </a:r>
             <a:r>
-              <a:rPr lang="en-US" altLang="zh-CN" sz="1200" dirty="0" smtClean="0">
+              <a:rPr lang="en-US" altLang="zh-CN" sz="1200" dirty="0">
                 <a:latin typeface="微软雅黑" panose="020B0503020204020204" pitchFamily="34" charset="-122"/>
                 <a:ea typeface="微软雅黑" panose="020B0503020204020204" pitchFamily="34" charset="-122"/>
               </a:rPr>
@@ -3362,54 +3342,54 @@
               <a:defRPr/>
             </a:pPr>
             <a:r>
-              <a:rPr lang="en-US" altLang="zh-CN" sz="1200" dirty="0" smtClean="0">
+              <a:rPr lang="en-US" altLang="zh-CN" sz="1200" dirty="0">
                 <a:latin typeface="微软雅黑" panose="020B0503020204020204" pitchFamily="34" charset="-122"/>
                 <a:ea typeface="微软雅黑" panose="020B0503020204020204" pitchFamily="34" charset="-122"/>
               </a:rPr>
               <a:t>Thing </a:t>
             </a:r>
             <a:r>
-              <a:rPr lang="en-US" altLang="zh-CN" sz="1200" dirty="0" err="1" smtClean="0">
+              <a:rPr lang="en-US" altLang="zh-CN" sz="1200" dirty="0" err="1">
                 <a:latin typeface="微软雅黑" panose="020B0503020204020204" pitchFamily="34" charset="-122"/>
                 <a:ea typeface="微软雅黑" panose="020B0503020204020204" pitchFamily="34" charset="-122"/>
               </a:rPr>
               <a:t>Worx</a:t>
             </a:r>
             <a:r>
-              <a:rPr lang="en-US" altLang="zh-CN" sz="1200" dirty="0" smtClean="0">
+              <a:rPr lang="en-US" altLang="zh-CN" sz="1200" dirty="0">
                 <a:latin typeface="微软雅黑" panose="020B0503020204020204" pitchFamily="34" charset="-122"/>
                 <a:ea typeface="微软雅黑" panose="020B0503020204020204" pitchFamily="34" charset="-122"/>
               </a:rPr>
               <a:t> </a:t>
             </a:r>
             <a:r>
-              <a:rPr lang="zh-CN" altLang="en-US" sz="1200" dirty="0" smtClean="0">
+              <a:rPr lang="zh-CN" altLang="en-US" sz="1200" dirty="0">
                 <a:latin typeface="微软雅黑" panose="020B0503020204020204" pitchFamily="34" charset="-122"/>
                 <a:ea typeface="微软雅黑" panose="020B0503020204020204" pitchFamily="34" charset="-122"/>
               </a:rPr>
               <a:t>移动物联网平台，你可以将收集到的数据传到这里，保存并处理</a:t>
             </a:r>
-            <a:endParaRPr lang="zh-CN" altLang="en-US" dirty="0" smtClean="0"/>
-          </a:p>
-          <a:p>
-            <a:endParaRPr lang="en-US" altLang="zh-CN" dirty="0" smtClean="0"/>
-          </a:p>
-          <a:p>
-            <a:r>
-              <a:rPr lang="zh-CN" altLang="en-US" dirty="0" smtClean="0"/>
+            <a:endParaRPr lang="zh-CN" altLang="en-US" dirty="0"/>
+          </a:p>
+          <a:p>
+            <a:endParaRPr lang="en-US" altLang="zh-CN" dirty="0"/>
+          </a:p>
+          <a:p>
+            <a:r>
+              <a:rPr lang="zh-CN" altLang="en-US" dirty="0"/>
               <a:t>怎么样做二次处理呢，就是把它换算成坐标系识别的内容，显示在屏幕上</a:t>
             </a:r>
-            <a:endParaRPr lang="en-US" altLang="zh-CN" dirty="0" smtClean="0"/>
-          </a:p>
-          <a:p>
-            <a:endParaRPr lang="en-US" altLang="zh-CN" dirty="0" smtClean="0"/>
-          </a:p>
-          <a:p>
-            <a:r>
-              <a:rPr lang="zh-CN" altLang="en-US" dirty="0" smtClean="0"/>
+            <a:endParaRPr lang="en-US" altLang="zh-CN" dirty="0"/>
+          </a:p>
+          <a:p>
+            <a:endParaRPr lang="en-US" altLang="zh-CN" dirty="0"/>
+          </a:p>
+          <a:p>
+            <a:r>
+              <a:rPr lang="zh-CN" altLang="en-US" dirty="0"/>
               <a:t>人性化的界面设计：大概就是一样能看到所有的数据，并且有一个按键能够轻松的转换到历史数据</a:t>
             </a:r>
-            <a:endParaRPr lang="en-US" altLang="zh-CN" dirty="0" smtClean="0"/>
+            <a:endParaRPr lang="en-US" altLang="zh-CN" dirty="0"/>
           </a:p>
         </p:txBody>
       </p:sp>
@@ -3491,7 +3471,7 @@
           </a:lstStyle>
           <a:p>
             <a:r>
-              <a:rPr lang="zh-CN" altLang="en-US" smtClean="0"/>
+              <a:rPr lang="zh-CN" altLang="en-US"/>
               <a:t>单击此处编辑母版标题样式</a:t>
             </a:r>
             <a:endParaRPr lang="en-US" dirty="0"/>
@@ -3611,7 +3591,7 @@
           </a:lstStyle>
           <a:p>
             <a:r>
-              <a:rPr lang="zh-CN" altLang="en-US" smtClean="0"/>
+              <a:rPr lang="zh-CN" altLang="en-US"/>
               <a:t>单击以编辑母版副标题样式</a:t>
             </a:r>
             <a:endParaRPr lang="en-US" dirty="0"/>
@@ -3635,7 +3615,7 @@
           <a:p>
             <a:fld id="{D6E18AA5-5EEE-4088-AA86-163203DB8769}" type="datetimeFigureOut">
               <a:rPr lang="zh-CN" altLang="en-US" smtClean="0"/>
-              <a:t>2016/3/18 Friday</a:t>
+              <a:t>2016/3/20</a:t>
             </a:fld>
             <a:endParaRPr lang="zh-CN" altLang="en-US"/>
           </a:p>
@@ -3740,7 +3720,7 @@
           </a:lstStyle>
           <a:p>
             <a:r>
-              <a:rPr lang="zh-CN" altLang="en-US" smtClean="0"/>
+              <a:rPr lang="zh-CN" altLang="en-US"/>
               <a:t>单击此处编辑母版标题样式</a:t>
             </a:r>
             <a:endParaRPr lang="en-US" dirty="0"/>
@@ -3819,7 +3799,7 @@
           </a:lstStyle>
           <a:p>
             <a:r>
-              <a:rPr lang="zh-CN" altLang="en-US" smtClean="0"/>
+              <a:rPr lang="zh-CN" altLang="en-US"/>
               <a:t>单击图标添加图片</a:t>
             </a:r>
             <a:endParaRPr lang="en-US" dirty="0"/>
@@ -3887,7 +3867,7 @@
           <a:p>
             <a:pPr lvl="0"/>
             <a:r>
-              <a:rPr lang="zh-CN" altLang="en-US" smtClean="0"/>
+              <a:rPr lang="zh-CN" altLang="en-US"/>
               <a:t>编辑母版文本样式</a:t>
             </a:r>
           </a:p>
@@ -3910,7 +3890,7 @@
           <a:p>
             <a:fld id="{D6E18AA5-5EEE-4088-AA86-163203DB8769}" type="datetimeFigureOut">
               <a:rPr lang="zh-CN" altLang="en-US" smtClean="0"/>
-              <a:t>2016/3/18 Friday</a:t>
+              <a:t>2016/3/20</a:t>
             </a:fld>
             <a:endParaRPr lang="zh-CN" altLang="en-US"/>
           </a:p>
@@ -4013,7 +3993,7 @@
           </a:lstStyle>
           <a:p>
             <a:r>
-              <a:rPr lang="zh-CN" altLang="en-US" smtClean="0"/>
+              <a:rPr lang="zh-CN" altLang="en-US"/>
               <a:t>单击此处编辑母版标题样式</a:t>
             </a:r>
             <a:endParaRPr lang="en-US" dirty="0"/>
@@ -4081,7 +4061,7 @@
           <a:p>
             <a:pPr lvl="0"/>
             <a:r>
-              <a:rPr lang="zh-CN" altLang="en-US" smtClean="0"/>
+              <a:rPr lang="zh-CN" altLang="en-US"/>
               <a:t>编辑母版文本样式</a:t>
             </a:r>
           </a:p>
@@ -4104,7 +4084,7 @@
           <a:p>
             <a:fld id="{D6E18AA5-5EEE-4088-AA86-163203DB8769}" type="datetimeFigureOut">
               <a:rPr lang="zh-CN" altLang="en-US" smtClean="0"/>
-              <a:t>2016/3/18 Friday</a:t>
+              <a:t>2016/3/20</a:t>
             </a:fld>
             <a:endParaRPr lang="zh-CN" altLang="en-US"/>
           </a:p>
@@ -4207,7 +4187,7 @@
           </a:lstStyle>
           <a:p>
             <a:r>
-              <a:rPr lang="zh-CN" altLang="en-US" smtClean="0"/>
+              <a:rPr lang="zh-CN" altLang="en-US"/>
               <a:t>单击此处编辑母版标题样式</a:t>
             </a:r>
             <a:endParaRPr lang="en-US" dirty="0"/>
@@ -4287,7 +4267,7 @@
               <a:buNone/>
             </a:pPr>
             <a:r>
-              <a:rPr lang="zh-CN" altLang="en-US" smtClean="0"/>
+              <a:rPr lang="zh-CN" altLang="en-US"/>
               <a:t>编辑母版文本样式</a:t>
             </a:r>
           </a:p>
@@ -4354,7 +4334,7 @@
           <a:p>
             <a:pPr lvl="0"/>
             <a:r>
-              <a:rPr lang="zh-CN" altLang="en-US" smtClean="0"/>
+              <a:rPr lang="zh-CN" altLang="en-US"/>
               <a:t>编辑母版文本样式</a:t>
             </a:r>
           </a:p>
@@ -4377,7 +4357,7 @@
           <a:p>
             <a:fld id="{D6E18AA5-5EEE-4088-AA86-163203DB8769}" type="datetimeFigureOut">
               <a:rPr lang="zh-CN" altLang="en-US" smtClean="0"/>
-              <a:t>2016/3/18 Friday</a:t>
+              <a:t>2016/3/20</a:t>
             </a:fld>
             <a:endParaRPr lang="zh-CN" altLang="en-US"/>
           </a:p>
@@ -4574,7 +4554,7 @@
           </a:lstStyle>
           <a:p>
             <a:r>
-              <a:rPr lang="zh-CN" altLang="en-US" smtClean="0"/>
+              <a:rPr lang="zh-CN" altLang="en-US"/>
               <a:t>单击此处编辑母版标题样式</a:t>
             </a:r>
             <a:endParaRPr lang="en-US" dirty="0"/>
@@ -4695,7 +4675,7 @@
           <a:p>
             <a:pPr lvl="0"/>
             <a:r>
-              <a:rPr lang="zh-CN" altLang="en-US" smtClean="0"/>
+              <a:rPr lang="zh-CN" altLang="en-US"/>
               <a:t>编辑母版文本样式</a:t>
             </a:r>
           </a:p>
@@ -4718,7 +4698,7 @@
           <a:p>
             <a:fld id="{D6E18AA5-5EEE-4088-AA86-163203DB8769}" type="datetimeFigureOut">
               <a:rPr lang="zh-CN" altLang="en-US" smtClean="0"/>
-              <a:t>2016/3/18 Friday</a:t>
+              <a:t>2016/3/20</a:t>
             </a:fld>
             <a:endParaRPr lang="zh-CN" altLang="en-US"/>
           </a:p>
@@ -4816,7 +4796,7 @@
           </a:lstStyle>
           <a:p>
             <a:r>
-              <a:rPr lang="zh-CN" altLang="en-US" smtClean="0"/>
+              <a:rPr lang="zh-CN" altLang="en-US"/>
               <a:t>单击此处编辑母版标题样式</a:t>
             </a:r>
             <a:endParaRPr lang="en-US" dirty="0"/>
@@ -4891,7 +4871,7 @@
           <a:p>
             <a:pPr lvl="0"/>
             <a:r>
-              <a:rPr lang="zh-CN" altLang="en-US" smtClean="0"/>
+              <a:rPr lang="zh-CN" altLang="en-US"/>
               <a:t>编辑母版文本样式</a:t>
             </a:r>
           </a:p>
@@ -4958,7 +4938,7 @@
           <a:p>
             <a:pPr lvl="0"/>
             <a:r>
-              <a:rPr lang="zh-CN" altLang="en-US" smtClean="0"/>
+              <a:rPr lang="zh-CN" altLang="en-US"/>
               <a:t>编辑母版文本样式</a:t>
             </a:r>
           </a:p>
@@ -5032,7 +5012,7 @@
           <a:p>
             <a:pPr lvl="0"/>
             <a:r>
-              <a:rPr lang="zh-CN" altLang="en-US" smtClean="0"/>
+              <a:rPr lang="zh-CN" altLang="en-US"/>
               <a:t>编辑母版文本样式</a:t>
             </a:r>
           </a:p>
@@ -5099,7 +5079,7 @@
           <a:p>
             <a:pPr lvl="0"/>
             <a:r>
-              <a:rPr lang="zh-CN" altLang="en-US" smtClean="0"/>
+              <a:rPr lang="zh-CN" altLang="en-US"/>
               <a:t>编辑母版文本样式</a:t>
             </a:r>
           </a:p>
@@ -5173,7 +5153,7 @@
           <a:p>
             <a:pPr lvl="0"/>
             <a:r>
-              <a:rPr lang="zh-CN" altLang="en-US" smtClean="0"/>
+              <a:rPr lang="zh-CN" altLang="en-US"/>
               <a:t>编辑母版文本样式</a:t>
             </a:r>
           </a:p>
@@ -5240,7 +5220,7 @@
           <a:p>
             <a:pPr lvl="0"/>
             <a:r>
-              <a:rPr lang="zh-CN" altLang="en-US" smtClean="0"/>
+              <a:rPr lang="zh-CN" altLang="en-US"/>
               <a:t>编辑母版文本样式</a:t>
             </a:r>
           </a:p>
@@ -5341,7 +5321,7 @@
           <a:p>
             <a:fld id="{D6E18AA5-5EEE-4088-AA86-163203DB8769}" type="datetimeFigureOut">
               <a:rPr lang="zh-CN" altLang="en-US" smtClean="0"/>
-              <a:t>2016/3/18 Friday</a:t>
+              <a:t>2016/3/20</a:t>
             </a:fld>
             <a:endParaRPr lang="zh-CN" altLang="en-US"/>
           </a:p>
@@ -5439,7 +5419,7 @@
           </a:lstStyle>
           <a:p>
             <a:r>
-              <a:rPr lang="zh-CN" altLang="en-US" smtClean="0"/>
+              <a:rPr lang="zh-CN" altLang="en-US"/>
               <a:t>单击此处编辑母版标题样式</a:t>
             </a:r>
             <a:endParaRPr lang="en-US" dirty="0"/>
@@ -5514,7 +5494,7 @@
           <a:p>
             <a:pPr lvl="0"/>
             <a:r>
-              <a:rPr lang="zh-CN" altLang="en-US" smtClean="0"/>
+              <a:rPr lang="zh-CN" altLang="en-US"/>
               <a:t>编辑母版文本样式</a:t>
             </a:r>
           </a:p>
@@ -5592,7 +5572,7 @@
           </a:lstStyle>
           <a:p>
             <a:r>
-              <a:rPr lang="zh-CN" altLang="en-US" smtClean="0"/>
+              <a:rPr lang="zh-CN" altLang="en-US"/>
               <a:t>单击图标添加图片</a:t>
             </a:r>
             <a:endParaRPr lang="en-US" dirty="0"/>
@@ -5660,7 +5640,7 @@
           <a:p>
             <a:pPr lvl="0"/>
             <a:r>
-              <a:rPr lang="zh-CN" altLang="en-US" smtClean="0"/>
+              <a:rPr lang="zh-CN" altLang="en-US"/>
               <a:t>编辑母版文本样式</a:t>
             </a:r>
           </a:p>
@@ -5734,7 +5714,7 @@
           <a:p>
             <a:pPr lvl="0"/>
             <a:r>
-              <a:rPr lang="zh-CN" altLang="en-US" smtClean="0"/>
+              <a:rPr lang="zh-CN" altLang="en-US"/>
               <a:t>编辑母版文本样式</a:t>
             </a:r>
           </a:p>
@@ -5812,7 +5792,7 @@
           </a:lstStyle>
           <a:p>
             <a:r>
-              <a:rPr lang="zh-CN" altLang="en-US" smtClean="0"/>
+              <a:rPr lang="zh-CN" altLang="en-US"/>
               <a:t>单击图标添加图片</a:t>
             </a:r>
             <a:endParaRPr lang="en-US" dirty="0"/>
@@ -5880,7 +5860,7 @@
           <a:p>
             <a:pPr lvl="0"/>
             <a:r>
-              <a:rPr lang="zh-CN" altLang="en-US" smtClean="0"/>
+              <a:rPr lang="zh-CN" altLang="en-US"/>
               <a:t>编辑母版文本样式</a:t>
             </a:r>
           </a:p>
@@ -5954,7 +5934,7 @@
           <a:p>
             <a:pPr lvl="0"/>
             <a:r>
-              <a:rPr lang="zh-CN" altLang="en-US" smtClean="0"/>
+              <a:rPr lang="zh-CN" altLang="en-US"/>
               <a:t>编辑母版文本样式</a:t>
             </a:r>
           </a:p>
@@ -6032,7 +6012,7 @@
           </a:lstStyle>
           <a:p>
             <a:r>
-              <a:rPr lang="zh-CN" altLang="en-US" smtClean="0"/>
+              <a:rPr lang="zh-CN" altLang="en-US"/>
               <a:t>单击图标添加图片</a:t>
             </a:r>
             <a:endParaRPr lang="en-US" dirty="0"/>
@@ -6100,7 +6080,7 @@
           <a:p>
             <a:pPr lvl="0"/>
             <a:r>
-              <a:rPr lang="zh-CN" altLang="en-US" smtClean="0"/>
+              <a:rPr lang="zh-CN" altLang="en-US"/>
               <a:t>编辑母版文本样式</a:t>
             </a:r>
           </a:p>
@@ -6201,7 +6181,7 @@
           <a:p>
             <a:fld id="{D6E18AA5-5EEE-4088-AA86-163203DB8769}" type="datetimeFigureOut">
               <a:rPr lang="zh-CN" altLang="en-US" smtClean="0"/>
-              <a:t>2016/3/18 Friday</a:t>
+              <a:t>2016/3/20</a:t>
             </a:fld>
             <a:endParaRPr lang="zh-CN" altLang="en-US"/>
           </a:p>
@@ -6295,7 +6275,7 @@
           <a:lstStyle/>
           <a:p>
             <a:r>
-              <a:rPr lang="zh-CN" altLang="en-US" smtClean="0"/>
+              <a:rPr lang="zh-CN" altLang="en-US"/>
               <a:t>单击此处编辑母版标题样式</a:t>
             </a:r>
             <a:endParaRPr lang="en-US" dirty="0"/>
@@ -6319,35 +6299,35 @@
           <a:p>
             <a:pPr lvl="0"/>
             <a:r>
-              <a:rPr lang="zh-CN" altLang="en-US" smtClean="0"/>
+              <a:rPr lang="zh-CN" altLang="en-US"/>
               <a:t>编辑母版文本样式</a:t>
             </a:r>
           </a:p>
           <a:p>
             <a:pPr lvl="1"/>
             <a:r>
-              <a:rPr lang="zh-CN" altLang="en-US" smtClean="0"/>
+              <a:rPr lang="zh-CN" altLang="en-US"/>
               <a:t>第二级</a:t>
             </a:r>
           </a:p>
           <a:p>
             <a:pPr lvl="2"/>
             <a:r>
-              <a:rPr lang="zh-CN" altLang="en-US" smtClean="0"/>
+              <a:rPr lang="zh-CN" altLang="en-US"/>
               <a:t>第三级</a:t>
             </a:r>
           </a:p>
           <a:p>
             <a:pPr lvl="3"/>
             <a:r>
-              <a:rPr lang="zh-CN" altLang="en-US" smtClean="0"/>
+              <a:rPr lang="zh-CN" altLang="en-US"/>
               <a:t>第四级</a:t>
             </a:r>
           </a:p>
           <a:p>
             <a:pPr lvl="4"/>
             <a:r>
-              <a:rPr lang="zh-CN" altLang="en-US" smtClean="0"/>
+              <a:rPr lang="zh-CN" altLang="en-US"/>
               <a:t>第五级</a:t>
             </a:r>
             <a:endParaRPr lang="en-US" dirty="0"/>
@@ -6371,7 +6351,7 @@
           <a:p>
             <a:fld id="{D6E18AA5-5EEE-4088-AA86-163203DB8769}" type="datetimeFigureOut">
               <a:rPr lang="zh-CN" altLang="en-US" smtClean="0"/>
-              <a:t>2016/3/18 Friday</a:t>
+              <a:t>2016/3/20</a:t>
             </a:fld>
             <a:endParaRPr lang="zh-CN" altLang="en-US"/>
           </a:p>
@@ -6470,7 +6450,7 @@
           <a:lstStyle/>
           <a:p>
             <a:r>
-              <a:rPr lang="zh-CN" altLang="en-US" smtClean="0"/>
+              <a:rPr lang="zh-CN" altLang="en-US"/>
               <a:t>单击此处编辑母版标题样式</a:t>
             </a:r>
             <a:endParaRPr lang="en-US" dirty="0"/>
@@ -6499,35 +6479,35 @@
           <a:p>
             <a:pPr lvl="0"/>
             <a:r>
-              <a:rPr lang="zh-CN" altLang="en-US" smtClean="0"/>
+              <a:rPr lang="zh-CN" altLang="en-US"/>
               <a:t>编辑母版文本样式</a:t>
             </a:r>
           </a:p>
           <a:p>
             <a:pPr lvl="1"/>
             <a:r>
-              <a:rPr lang="zh-CN" altLang="en-US" smtClean="0"/>
+              <a:rPr lang="zh-CN" altLang="en-US"/>
               <a:t>第二级</a:t>
             </a:r>
           </a:p>
           <a:p>
             <a:pPr lvl="2"/>
             <a:r>
-              <a:rPr lang="zh-CN" altLang="en-US" smtClean="0"/>
+              <a:rPr lang="zh-CN" altLang="en-US"/>
               <a:t>第三级</a:t>
             </a:r>
           </a:p>
           <a:p>
             <a:pPr lvl="3"/>
             <a:r>
-              <a:rPr lang="zh-CN" altLang="en-US" smtClean="0"/>
+              <a:rPr lang="zh-CN" altLang="en-US"/>
               <a:t>第四级</a:t>
             </a:r>
           </a:p>
           <a:p>
             <a:pPr lvl="4"/>
             <a:r>
-              <a:rPr lang="zh-CN" altLang="en-US" smtClean="0"/>
+              <a:rPr lang="zh-CN" altLang="en-US"/>
               <a:t>第五级</a:t>
             </a:r>
             <a:endParaRPr lang="en-US" dirty="0"/>
@@ -6551,7 +6531,7 @@
           <a:p>
             <a:fld id="{D6E18AA5-5EEE-4088-AA86-163203DB8769}" type="datetimeFigureOut">
               <a:rPr lang="zh-CN" altLang="en-US" smtClean="0"/>
-              <a:t>2016/3/18 Friday</a:t>
+              <a:t>2016/3/20</a:t>
             </a:fld>
             <a:endParaRPr lang="zh-CN" altLang="en-US"/>
           </a:p>
@@ -6645,7 +6625,7 @@
           <a:lstStyle/>
           <a:p>
             <a:r>
-              <a:rPr lang="zh-CN" altLang="en-US" smtClean="0"/>
+              <a:rPr lang="zh-CN" altLang="en-US"/>
               <a:t>单击此处编辑母版标题样式</a:t>
             </a:r>
             <a:endParaRPr lang="en-US" dirty="0"/>
@@ -6669,35 +6649,35 @@
           <a:p>
             <a:pPr lvl="0"/>
             <a:r>
-              <a:rPr lang="zh-CN" altLang="en-US" smtClean="0"/>
+              <a:rPr lang="zh-CN" altLang="en-US"/>
               <a:t>编辑母版文本样式</a:t>
             </a:r>
           </a:p>
           <a:p>
             <a:pPr lvl="1"/>
             <a:r>
-              <a:rPr lang="zh-CN" altLang="en-US" smtClean="0"/>
+              <a:rPr lang="zh-CN" altLang="en-US"/>
               <a:t>第二级</a:t>
             </a:r>
           </a:p>
           <a:p>
             <a:pPr lvl="2"/>
             <a:r>
-              <a:rPr lang="zh-CN" altLang="en-US" smtClean="0"/>
+              <a:rPr lang="zh-CN" altLang="en-US"/>
               <a:t>第三级</a:t>
             </a:r>
           </a:p>
           <a:p>
             <a:pPr lvl="3"/>
             <a:r>
-              <a:rPr lang="zh-CN" altLang="en-US" smtClean="0"/>
+              <a:rPr lang="zh-CN" altLang="en-US"/>
               <a:t>第四级</a:t>
             </a:r>
           </a:p>
           <a:p>
             <a:pPr lvl="4"/>
             <a:r>
-              <a:rPr lang="zh-CN" altLang="en-US" smtClean="0"/>
+              <a:rPr lang="zh-CN" altLang="en-US"/>
               <a:t>第五级</a:t>
             </a:r>
             <a:endParaRPr lang="en-US" dirty="0"/>
@@ -6721,7 +6701,7 @@
           <a:p>
             <a:fld id="{D6E18AA5-5EEE-4088-AA86-163203DB8769}" type="datetimeFigureOut">
               <a:rPr lang="zh-CN" altLang="en-US" smtClean="0"/>
-              <a:t>2016/3/18 Friday</a:t>
+              <a:t>2016/3/20</a:t>
             </a:fld>
             <a:endParaRPr lang="zh-CN" altLang="en-US"/>
           </a:p>
@@ -6824,7 +6804,7 @@
           </a:lstStyle>
           <a:p>
             <a:r>
-              <a:rPr lang="zh-CN" altLang="en-US" smtClean="0"/>
+              <a:rPr lang="zh-CN" altLang="en-US"/>
               <a:t>单击此处编辑母版标题样式</a:t>
             </a:r>
             <a:endParaRPr lang="en-US" dirty="0"/>
@@ -6945,7 +6925,7 @@
           <a:p>
             <a:pPr lvl="0"/>
             <a:r>
-              <a:rPr lang="zh-CN" altLang="en-US" smtClean="0"/>
+              <a:rPr lang="zh-CN" altLang="en-US"/>
               <a:t>编辑母版文本样式</a:t>
             </a:r>
           </a:p>
@@ -6968,7 +6948,7 @@
           <a:p>
             <a:fld id="{D6E18AA5-5EEE-4088-AA86-163203DB8769}" type="datetimeFigureOut">
               <a:rPr lang="zh-CN" altLang="en-US" smtClean="0"/>
-              <a:t>2016/3/18 Friday</a:t>
+              <a:t>2016/3/20</a:t>
             </a:fld>
             <a:endParaRPr lang="zh-CN" altLang="en-US"/>
           </a:p>
@@ -7062,7 +7042,7 @@
           <a:lstStyle/>
           <a:p>
             <a:r>
-              <a:rPr lang="zh-CN" altLang="en-US" smtClean="0"/>
+              <a:rPr lang="zh-CN" altLang="en-US"/>
               <a:t>单击此处编辑母版标题样式</a:t>
             </a:r>
             <a:endParaRPr lang="en-US" dirty="0"/>
@@ -7121,35 +7101,35 @@
           <a:p>
             <a:pPr lvl="0"/>
             <a:r>
-              <a:rPr lang="zh-CN" altLang="en-US" smtClean="0"/>
+              <a:rPr lang="zh-CN" altLang="en-US"/>
               <a:t>编辑母版文本样式</a:t>
             </a:r>
           </a:p>
           <a:p>
             <a:pPr lvl="1"/>
             <a:r>
-              <a:rPr lang="zh-CN" altLang="en-US" smtClean="0"/>
+              <a:rPr lang="zh-CN" altLang="en-US"/>
               <a:t>第二级</a:t>
             </a:r>
           </a:p>
           <a:p>
             <a:pPr lvl="2"/>
             <a:r>
-              <a:rPr lang="zh-CN" altLang="en-US" smtClean="0"/>
+              <a:rPr lang="zh-CN" altLang="en-US"/>
               <a:t>第三级</a:t>
             </a:r>
           </a:p>
           <a:p>
             <a:pPr lvl="3"/>
             <a:r>
-              <a:rPr lang="zh-CN" altLang="en-US" smtClean="0"/>
+              <a:rPr lang="zh-CN" altLang="en-US"/>
               <a:t>第四级</a:t>
             </a:r>
           </a:p>
           <a:p>
             <a:pPr lvl="4"/>
             <a:r>
-              <a:rPr lang="zh-CN" altLang="en-US" smtClean="0"/>
+              <a:rPr lang="zh-CN" altLang="en-US"/>
               <a:t>第五级</a:t>
             </a:r>
             <a:endParaRPr lang="en-US" dirty="0"/>
@@ -7208,35 +7188,35 @@
           <a:p>
             <a:pPr lvl="0"/>
             <a:r>
-              <a:rPr lang="zh-CN" altLang="en-US" smtClean="0"/>
+              <a:rPr lang="zh-CN" altLang="en-US"/>
               <a:t>编辑母版文本样式</a:t>
             </a:r>
           </a:p>
           <a:p>
             <a:pPr lvl="1"/>
             <a:r>
-              <a:rPr lang="zh-CN" altLang="en-US" smtClean="0"/>
+              <a:rPr lang="zh-CN" altLang="en-US"/>
               <a:t>第二级</a:t>
             </a:r>
           </a:p>
           <a:p>
             <a:pPr lvl="2"/>
             <a:r>
-              <a:rPr lang="zh-CN" altLang="en-US" smtClean="0"/>
+              <a:rPr lang="zh-CN" altLang="en-US"/>
               <a:t>第三级</a:t>
             </a:r>
           </a:p>
           <a:p>
             <a:pPr lvl="3"/>
             <a:r>
-              <a:rPr lang="zh-CN" altLang="en-US" smtClean="0"/>
+              <a:rPr lang="zh-CN" altLang="en-US"/>
               <a:t>第四级</a:t>
             </a:r>
           </a:p>
           <a:p>
             <a:pPr lvl="4"/>
             <a:r>
-              <a:rPr lang="zh-CN" altLang="en-US" smtClean="0"/>
+              <a:rPr lang="zh-CN" altLang="en-US"/>
               <a:t>第五级</a:t>
             </a:r>
             <a:endParaRPr lang="en-US" dirty="0"/>
@@ -7260,7 +7240,7 @@
           <a:p>
             <a:fld id="{D6E18AA5-5EEE-4088-AA86-163203DB8769}" type="datetimeFigureOut">
               <a:rPr lang="zh-CN" altLang="en-US" smtClean="0"/>
-              <a:t>2016/3/18 Friday</a:t>
+              <a:t>2016/3/20</a:t>
             </a:fld>
             <a:endParaRPr lang="zh-CN" altLang="en-US"/>
           </a:p>
@@ -7358,7 +7338,7 @@
           </a:lstStyle>
           <a:p>
             <a:r>
-              <a:rPr lang="zh-CN" altLang="en-US" smtClean="0"/>
+              <a:rPr lang="zh-CN" altLang="en-US"/>
               <a:t>单击此处编辑母版标题样式</a:t>
             </a:r>
             <a:endParaRPr lang="en-US" dirty="0"/>
@@ -7433,7 +7413,7 @@
           <a:p>
             <a:pPr lvl="0"/>
             <a:r>
-              <a:rPr lang="zh-CN" altLang="en-US" smtClean="0"/>
+              <a:rPr lang="zh-CN" altLang="en-US"/>
               <a:t>编辑母版文本样式</a:t>
             </a:r>
           </a:p>
@@ -7491,35 +7471,35 @@
           <a:p>
             <a:pPr lvl="0"/>
             <a:r>
-              <a:rPr lang="zh-CN" altLang="en-US" smtClean="0"/>
+              <a:rPr lang="zh-CN" altLang="en-US"/>
               <a:t>编辑母版文本样式</a:t>
             </a:r>
           </a:p>
           <a:p>
             <a:pPr lvl="1"/>
             <a:r>
-              <a:rPr lang="zh-CN" altLang="en-US" smtClean="0"/>
+              <a:rPr lang="zh-CN" altLang="en-US"/>
               <a:t>第二级</a:t>
             </a:r>
           </a:p>
           <a:p>
             <a:pPr lvl="2"/>
             <a:r>
-              <a:rPr lang="zh-CN" altLang="en-US" smtClean="0"/>
+              <a:rPr lang="zh-CN" altLang="en-US"/>
               <a:t>第三级</a:t>
             </a:r>
           </a:p>
           <a:p>
             <a:pPr lvl="3"/>
             <a:r>
-              <a:rPr lang="zh-CN" altLang="en-US" smtClean="0"/>
+              <a:rPr lang="zh-CN" altLang="en-US"/>
               <a:t>第四级</a:t>
             </a:r>
           </a:p>
           <a:p>
             <a:pPr lvl="4"/>
             <a:r>
-              <a:rPr lang="zh-CN" altLang="en-US" smtClean="0"/>
+              <a:rPr lang="zh-CN" altLang="en-US"/>
               <a:t>第五级</a:t>
             </a:r>
             <a:endParaRPr lang="en-US" dirty="0"/>
@@ -7594,7 +7574,7 @@
           <a:p>
             <a:pPr lvl="0"/>
             <a:r>
-              <a:rPr lang="zh-CN" altLang="en-US" smtClean="0"/>
+              <a:rPr lang="zh-CN" altLang="en-US"/>
               <a:t>编辑母版文本样式</a:t>
             </a:r>
           </a:p>
@@ -7652,35 +7632,35 @@
           <a:p>
             <a:pPr lvl="0"/>
             <a:r>
-              <a:rPr lang="zh-CN" altLang="en-US" smtClean="0"/>
+              <a:rPr lang="zh-CN" altLang="en-US"/>
               <a:t>编辑母版文本样式</a:t>
             </a:r>
           </a:p>
           <a:p>
             <a:pPr lvl="1"/>
             <a:r>
-              <a:rPr lang="zh-CN" altLang="en-US" smtClean="0"/>
+              <a:rPr lang="zh-CN" altLang="en-US"/>
               <a:t>第二级</a:t>
             </a:r>
           </a:p>
           <a:p>
             <a:pPr lvl="2"/>
             <a:r>
-              <a:rPr lang="zh-CN" altLang="en-US" smtClean="0"/>
+              <a:rPr lang="zh-CN" altLang="en-US"/>
               <a:t>第三级</a:t>
             </a:r>
           </a:p>
           <a:p>
             <a:pPr lvl="3"/>
             <a:r>
-              <a:rPr lang="zh-CN" altLang="en-US" smtClean="0"/>
+              <a:rPr lang="zh-CN" altLang="en-US"/>
               <a:t>第四级</a:t>
             </a:r>
           </a:p>
           <a:p>
             <a:pPr lvl="4"/>
             <a:r>
-              <a:rPr lang="zh-CN" altLang="en-US" smtClean="0"/>
+              <a:rPr lang="zh-CN" altLang="en-US"/>
               <a:t>第五级</a:t>
             </a:r>
             <a:endParaRPr lang="en-US" dirty="0"/>
@@ -7704,7 +7684,7 @@
           <a:p>
             <a:fld id="{D6E18AA5-5EEE-4088-AA86-163203DB8769}" type="datetimeFigureOut">
               <a:rPr lang="zh-CN" altLang="en-US" smtClean="0"/>
-              <a:t>2016/3/18 Friday</a:t>
+              <a:t>2016/3/20</a:t>
             </a:fld>
             <a:endParaRPr lang="zh-CN" altLang="en-US"/>
           </a:p>
@@ -7798,7 +7778,7 @@
           <a:lstStyle/>
           <a:p>
             <a:r>
-              <a:rPr lang="zh-CN" altLang="en-US" smtClean="0"/>
+              <a:rPr lang="zh-CN" altLang="en-US"/>
               <a:t>单击此处编辑母版标题样式</a:t>
             </a:r>
             <a:endParaRPr lang="en-US" dirty="0"/>
@@ -7822,7 +7802,7 @@
           <a:p>
             <a:fld id="{D6E18AA5-5EEE-4088-AA86-163203DB8769}" type="datetimeFigureOut">
               <a:rPr lang="zh-CN" altLang="en-US" smtClean="0"/>
-              <a:t>2016/3/18 Friday</a:t>
+              <a:t>2016/3/20</a:t>
             </a:fld>
             <a:endParaRPr lang="zh-CN" altLang="en-US"/>
           </a:p>
@@ -7917,7 +7897,7 @@
           <a:p>
             <a:fld id="{D6E18AA5-5EEE-4088-AA86-163203DB8769}" type="datetimeFigureOut">
               <a:rPr lang="zh-CN" altLang="en-US" smtClean="0"/>
-              <a:t>2016/3/18 Friday</a:t>
+              <a:t>2016/3/20</a:t>
             </a:fld>
             <a:endParaRPr lang="zh-CN" altLang="en-US"/>
           </a:p>
@@ -8020,7 +8000,7 @@
           </a:lstStyle>
           <a:p>
             <a:r>
-              <a:rPr lang="zh-CN" altLang="en-US" smtClean="0"/>
+              <a:rPr lang="zh-CN" altLang="en-US"/>
               <a:t>单击此处编辑母版标题样式</a:t>
             </a:r>
             <a:endParaRPr lang="en-US" dirty="0"/>
@@ -8079,35 +8059,35 @@
           <a:p>
             <a:pPr lvl="0"/>
             <a:r>
-              <a:rPr lang="zh-CN" altLang="en-US" smtClean="0"/>
+              <a:rPr lang="zh-CN" altLang="en-US"/>
               <a:t>编辑母版文本样式</a:t>
             </a:r>
           </a:p>
           <a:p>
             <a:pPr lvl="1"/>
             <a:r>
-              <a:rPr lang="zh-CN" altLang="en-US" smtClean="0"/>
+              <a:rPr lang="zh-CN" altLang="en-US"/>
               <a:t>第二级</a:t>
             </a:r>
           </a:p>
           <a:p>
             <a:pPr lvl="2"/>
             <a:r>
-              <a:rPr lang="zh-CN" altLang="en-US" smtClean="0"/>
+              <a:rPr lang="zh-CN" altLang="en-US"/>
               <a:t>第三级</a:t>
             </a:r>
           </a:p>
           <a:p>
             <a:pPr lvl="3"/>
             <a:r>
-              <a:rPr lang="zh-CN" altLang="en-US" smtClean="0"/>
+              <a:rPr lang="zh-CN" altLang="en-US"/>
               <a:t>第四级</a:t>
             </a:r>
           </a:p>
           <a:p>
             <a:pPr lvl="4"/>
             <a:r>
-              <a:rPr lang="zh-CN" altLang="en-US" smtClean="0"/>
+              <a:rPr lang="zh-CN" altLang="en-US"/>
               <a:t>第五级</a:t>
             </a:r>
             <a:endParaRPr lang="en-US" dirty="0"/>
@@ -8173,7 +8153,7 @@
           <a:p>
             <a:pPr lvl="0"/>
             <a:r>
-              <a:rPr lang="zh-CN" altLang="en-US" smtClean="0"/>
+              <a:rPr lang="zh-CN" altLang="en-US"/>
               <a:t>编辑母版文本样式</a:t>
             </a:r>
           </a:p>
@@ -8196,7 +8176,7 @@
           <a:p>
             <a:fld id="{D6E18AA5-5EEE-4088-AA86-163203DB8769}" type="datetimeFigureOut">
               <a:rPr lang="zh-CN" altLang="en-US" smtClean="0"/>
-              <a:t>2016/3/18 Friday</a:t>
+              <a:t>2016/3/20</a:t>
             </a:fld>
             <a:endParaRPr lang="zh-CN" altLang="en-US"/>
           </a:p>
@@ -8301,7 +8281,7 @@
           </a:lstStyle>
           <a:p>
             <a:r>
-              <a:rPr lang="zh-CN" altLang="en-US" smtClean="0"/>
+              <a:rPr lang="zh-CN" altLang="en-US"/>
               <a:t>单击此处编辑母版标题样式</a:t>
             </a:r>
             <a:endParaRPr lang="en-US" dirty="0"/>
@@ -8380,7 +8360,7 @@
           </a:lstStyle>
           <a:p>
             <a:r>
-              <a:rPr lang="zh-CN" altLang="en-US" smtClean="0"/>
+              <a:rPr lang="zh-CN" altLang="en-US"/>
               <a:t>单击图标添加图片</a:t>
             </a:r>
             <a:endParaRPr lang="en-US" dirty="0"/>
@@ -8448,7 +8428,7 @@
           <a:p>
             <a:pPr lvl="0"/>
             <a:r>
-              <a:rPr lang="zh-CN" altLang="en-US" smtClean="0"/>
+              <a:rPr lang="zh-CN" altLang="en-US"/>
               <a:t>编辑母版文本样式</a:t>
             </a:r>
           </a:p>
@@ -8471,7 +8451,7 @@
           <a:p>
             <a:fld id="{D6E18AA5-5EEE-4088-AA86-163203DB8769}" type="datetimeFigureOut">
               <a:rPr lang="zh-CN" altLang="en-US" smtClean="0"/>
-              <a:t>2016/3/18 Friday</a:t>
+              <a:t>2016/3/20</a:t>
             </a:fld>
             <a:endParaRPr lang="zh-CN" altLang="en-US"/>
           </a:p>
@@ -8795,7 +8775,7 @@
           <a:lstStyle/>
           <a:p>
             <a:r>
-              <a:rPr lang="zh-CN" altLang="en-US" smtClean="0"/>
+              <a:rPr lang="zh-CN" altLang="en-US"/>
               <a:t>单击此处编辑母版标题样式</a:t>
             </a:r>
             <a:endParaRPr lang="en-US" dirty="0"/>
@@ -8829,35 +8809,35 @@
           <a:p>
             <a:pPr lvl="0"/>
             <a:r>
-              <a:rPr lang="zh-CN" altLang="en-US" smtClean="0"/>
+              <a:rPr lang="zh-CN" altLang="en-US"/>
               <a:t>编辑母版文本样式</a:t>
             </a:r>
           </a:p>
           <a:p>
             <a:pPr lvl="1"/>
             <a:r>
-              <a:rPr lang="zh-CN" altLang="en-US" smtClean="0"/>
+              <a:rPr lang="zh-CN" altLang="en-US"/>
               <a:t>第二级</a:t>
             </a:r>
           </a:p>
           <a:p>
             <a:pPr lvl="2"/>
             <a:r>
-              <a:rPr lang="zh-CN" altLang="en-US" smtClean="0"/>
+              <a:rPr lang="zh-CN" altLang="en-US"/>
               <a:t>第三级</a:t>
             </a:r>
           </a:p>
           <a:p>
             <a:pPr lvl="3"/>
             <a:r>
-              <a:rPr lang="zh-CN" altLang="en-US" smtClean="0"/>
+              <a:rPr lang="zh-CN" altLang="en-US"/>
               <a:t>第四级</a:t>
             </a:r>
           </a:p>
           <a:p>
             <a:pPr lvl="4"/>
             <a:r>
-              <a:rPr lang="zh-CN" altLang="en-US" smtClean="0"/>
+              <a:rPr lang="zh-CN" altLang="en-US"/>
               <a:t>第五级</a:t>
             </a:r>
             <a:endParaRPr lang="en-US" dirty="0"/>
@@ -8900,7 +8880,7 @@
           <a:p>
             <a:fld id="{D6E18AA5-5EEE-4088-AA86-163203DB8769}" type="datetimeFigureOut">
               <a:rPr lang="zh-CN" altLang="en-US" smtClean="0"/>
-              <a:t>2016/3/18 Friday</a:t>
+              <a:t>2016/3/20</a:t>
             </a:fld>
             <a:endParaRPr lang="zh-CN" altLang="en-US"/>
           </a:p>
@@ -9444,16 +9424,12 @@
           <a:lstStyle/>
           <a:p>
             <a:r>
-              <a:rPr lang="zh-CN" altLang="en-US" dirty="0" smtClean="0">
+              <a:rPr lang="zh-CN" altLang="en-US" dirty="0">
                 <a:latin typeface="微软雅黑" panose="020B0503020204020204" pitchFamily="34" charset="-122"/>
                 <a:ea typeface="微软雅黑" panose="020B0503020204020204" pitchFamily="34" charset="-122"/>
               </a:rPr>
               <a:t>物联网气象站原型</a:t>
             </a:r>
-            <a:endParaRPr lang="zh-CN" altLang="en-US" dirty="0">
-              <a:latin typeface="微软雅黑" panose="020B0503020204020204" pitchFamily="34" charset="-122"/>
-              <a:ea typeface="微软雅黑" panose="020B0503020204020204" pitchFamily="34" charset="-122"/>
-            </a:endParaRPr>
           </a:p>
         </p:txBody>
       </p:sp>
@@ -9475,7 +9451,7 @@
           <a:lstStyle/>
           <a:p>
             <a:r>
-              <a:rPr lang="en-US" altLang="zh-CN" sz="1600" dirty="0" smtClean="0">
+              <a:rPr lang="en-US" altLang="zh-CN" sz="1600" dirty="0">
                 <a:solidFill>
                   <a:schemeClr val="tx1">
                     <a:lumMod val="95000"/>
@@ -9498,29 +9474,8 @@
                 <a:latin typeface="微软雅黑" panose="020B0503020204020204" pitchFamily="34" charset="-122"/>
                 <a:ea typeface="微软雅黑" panose="020B0503020204020204" pitchFamily="34" charset="-122"/>
               </a:rPr>
-              <a:t>郑</a:t>
-            </a:r>
-            <a:r>
-              <a:rPr lang="zh-CN" altLang="en-US" sz="1600" dirty="0" smtClean="0">
-                <a:solidFill>
-                  <a:schemeClr val="tx1">
-                    <a:lumMod val="95000"/>
-                  </a:schemeClr>
-                </a:solidFill>
-                <a:latin typeface="微软雅黑" panose="020B0503020204020204" pitchFamily="34" charset="-122"/>
-                <a:ea typeface="微软雅黑" panose="020B0503020204020204" pitchFamily="34" charset="-122"/>
-              </a:rPr>
-              <a:t>楠 张佳 吴舒然</a:t>
-            </a:r>
-            <a:endParaRPr lang="zh-CN" altLang="en-US" sz="1600" dirty="0">
-              <a:solidFill>
-                <a:schemeClr val="tx1">
-                  <a:lumMod val="95000"/>
-                </a:schemeClr>
-              </a:solidFill>
-              <a:latin typeface="微软雅黑" panose="020B0503020204020204" pitchFamily="34" charset="-122"/>
-              <a:ea typeface="微软雅黑" panose="020B0503020204020204" pitchFamily="34" charset="-122"/>
-            </a:endParaRPr>
+              <a:t>郑楠 张佳 吴舒然</a:t>
+            </a:r>
           </a:p>
         </p:txBody>
       </p:sp>
@@ -9972,14 +9927,14 @@
               <a:t>从</a:t>
             </a:r>
             <a:r>
-              <a:rPr lang="en-US" altLang="zh-CN" sz="2400" dirty="0" smtClean="0">
+              <a:rPr lang="en-US" altLang="zh-CN" sz="2400" dirty="0">
                 <a:latin typeface="微软雅黑" panose="020B0503020204020204" pitchFamily="34" charset="-122"/>
                 <a:ea typeface="微软雅黑" panose="020B0503020204020204" pitchFamily="34" charset="-122"/>
               </a:rPr>
               <a:t>Thing </a:t>
             </a:r>
             <a:r>
-              <a:rPr lang="en-US" altLang="zh-CN" sz="2400" dirty="0" err="1" smtClean="0">
+              <a:rPr lang="en-US" altLang="zh-CN" sz="2400" dirty="0" err="1">
                 <a:latin typeface="微软雅黑" panose="020B0503020204020204" pitchFamily="34" charset="-122"/>
                 <a:ea typeface="微软雅黑" panose="020B0503020204020204" pitchFamily="34" charset="-122"/>
               </a:rPr>
@@ -10006,23 +9961,19 @@
           <a:p>
             <a:pPr lvl="0"/>
             <a:r>
-              <a:rPr lang="zh-CN" altLang="en-US" sz="2400" dirty="0" smtClean="0">
+              <a:rPr lang="zh-CN" altLang="en-US" sz="2400" dirty="0">
                 <a:latin typeface="微软雅黑" panose="020B0503020204020204" pitchFamily="34" charset="-122"/>
                 <a:ea typeface="微软雅黑" panose="020B0503020204020204" pitchFamily="34" charset="-122"/>
               </a:rPr>
               <a:t>人性化的</a:t>
             </a:r>
             <a:r>
-              <a:rPr lang="zh-CN" altLang="zh-CN" sz="2400" dirty="0" smtClean="0">
+              <a:rPr lang="zh-CN" altLang="zh-CN" sz="2400" dirty="0">
                 <a:latin typeface="微软雅黑" panose="020B0503020204020204" pitchFamily="34" charset="-122"/>
                 <a:ea typeface="微软雅黑" panose="020B0503020204020204" pitchFamily="34" charset="-122"/>
               </a:rPr>
               <a:t>界面设计</a:t>
             </a:r>
-            <a:endParaRPr lang="zh-CN" altLang="zh-CN" sz="2400" dirty="0">
-              <a:latin typeface="微软雅黑" panose="020B0503020204020204" pitchFamily="34" charset="-122"/>
-              <a:ea typeface="微软雅黑" panose="020B0503020204020204" pitchFamily="34" charset="-122"/>
-            </a:endParaRPr>
           </a:p>
         </p:txBody>
       </p:sp>
@@ -10071,13 +10022,6 @@
   <p:transition spd="med">
     <p:pull/>
   </p:transition>
-  <p:timing>
-    <p:tnLst>
-      <p:par>
-        <p:cTn id="1" dur="indefinite" restart="never" nodeType="tmRoot"/>
-      </p:par>
-    </p:tnLst>
-  </p:timing>
 </p:sld>
 </file>
 
@@ -10148,14 +10092,14 @@
               <a:buNone/>
             </a:pPr>
             <a:r>
-              <a:rPr lang="en-US" altLang="zh-CN" sz="2400" dirty="0" smtClean="0">
+              <a:rPr lang="en-US" altLang="zh-CN" sz="2400" dirty="0">
                 <a:latin typeface="微软雅黑" panose="020B0503020204020204" pitchFamily="34" charset="-122"/>
                 <a:ea typeface="微软雅黑" panose="020B0503020204020204" pitchFamily="34" charset="-122"/>
               </a:rPr>
               <a:t>Thing </a:t>
             </a:r>
             <a:r>
-              <a:rPr lang="en-US" altLang="zh-CN" sz="2400" dirty="0" err="1" smtClean="0">
+              <a:rPr lang="en-US" altLang="zh-CN" sz="2400" dirty="0" err="1">
                 <a:latin typeface="微软雅黑" panose="020B0503020204020204" pitchFamily="34" charset="-122"/>
                 <a:ea typeface="微软雅黑" panose="020B0503020204020204" pitchFamily="34" charset="-122"/>
               </a:rPr>
@@ -10179,7 +10123,7 @@
               <a:t>从</a:t>
             </a:r>
             <a:r>
-              <a:rPr lang="en-US" altLang="zh-CN" sz="2400" dirty="0" smtClean="0">
+              <a:rPr lang="en-US" altLang="zh-CN" sz="2400" dirty="0">
                 <a:latin typeface="微软雅黑" panose="020B0503020204020204" pitchFamily="34" charset="-122"/>
                 <a:ea typeface="微软雅黑" panose="020B0503020204020204" pitchFamily="34" charset="-122"/>
               </a:rPr>
@@ -10213,16 +10157,9 @@
                 <a:latin typeface="微软雅黑" panose="020B0503020204020204" pitchFamily="34" charset="-122"/>
                 <a:ea typeface="微软雅黑" panose="020B0503020204020204" pitchFamily="34" charset="-122"/>
               </a:rPr>
-              <a:t>直接获取历史</a:t>
-            </a:r>
-            <a:r>
-              <a:rPr lang="zh-CN" altLang="zh-CN" sz="2400" dirty="0" smtClean="0">
-                <a:latin typeface="微软雅黑" panose="020B0503020204020204" pitchFamily="34" charset="-122"/>
-                <a:ea typeface="微软雅黑" panose="020B0503020204020204" pitchFamily="34" charset="-122"/>
-              </a:rPr>
-              <a:t>数据</a:t>
-            </a:r>
-            <a:endParaRPr lang="en-US" altLang="zh-CN" sz="2400" dirty="0" smtClean="0">
+              <a:t>直接获取历史数据</a:t>
+            </a:r>
+            <a:endParaRPr lang="en-US" altLang="zh-CN" sz="2400" dirty="0">
               <a:latin typeface="微软雅黑" panose="020B0503020204020204" pitchFamily="34" charset="-122"/>
               <a:ea typeface="微软雅黑" panose="020B0503020204020204" pitchFamily="34" charset="-122"/>
             </a:endParaRPr>
@@ -10274,13 +10211,6 @@
   <p:transition spd="med">
     <p:pull/>
   </p:transition>
-  <p:timing>
-    <p:tnLst>
-      <p:par>
-        <p:cTn id="1" dur="indefinite" restart="never" nodeType="tmRoot"/>
-      </p:par>
-    </p:tnLst>
-  </p:timing>
 </p:sld>
 </file>
 
@@ -10317,10 +10247,9 @@
           <a:lstStyle/>
           <a:p>
             <a:r>
-              <a:rPr lang="zh-CN" altLang="en-US" dirty="0" smtClean="0"/>
+              <a:rPr lang="zh-CN" altLang="en-US" dirty="0"/>
               <a:t>软件框架</a:t>
             </a:r>
-            <a:endParaRPr lang="zh-CN" altLang="en-US" dirty="0"/>
           </a:p>
         </p:txBody>
       </p:sp>
@@ -10410,7 +10339,7 @@
             <a:p>
               <a:pPr algn="ctr"/>
               <a:r>
-                <a:rPr lang="en-US" altLang="zh-CN" sz="2400" dirty="0" smtClean="0">
+                <a:rPr lang="en-US" altLang="zh-CN" sz="2400" dirty="0">
                   <a:latin typeface="微软雅黑" panose="020B0503020204020204" pitchFamily="34" charset="-122"/>
                   <a:ea typeface="微软雅黑" panose="020B0503020204020204" pitchFamily="34" charset="-122"/>
                 </a:rPr>
@@ -10463,16 +10392,12 @@
             <a:p>
               <a:pPr algn="ctr"/>
               <a:r>
-                <a:rPr lang="zh-CN" altLang="en-US" dirty="0" smtClean="0">
+                <a:rPr lang="zh-CN" altLang="en-US" dirty="0">
                   <a:latin typeface="微软雅黑" panose="020B0503020204020204" pitchFamily="34" charset="-122"/>
                   <a:ea typeface="微软雅黑" panose="020B0503020204020204" pitchFamily="34" charset="-122"/>
                 </a:rPr>
                 <a:t>气象站传感器</a:t>
               </a:r>
-              <a:endParaRPr lang="zh-CN" altLang="en-US" dirty="0">
-                <a:latin typeface="微软雅黑" panose="020B0503020204020204" pitchFamily="34" charset="-122"/>
-                <a:ea typeface="微软雅黑" panose="020B0503020204020204" pitchFamily="34" charset="-122"/>
-              </a:endParaRPr>
             </a:p>
           </p:txBody>
         </p:sp>
@@ -10520,7 +10445,7 @@
             <a:lstStyle/>
             <a:p>
               <a:pPr algn="ctr"/>
-              <a:endParaRPr lang="zh-CN" altLang="en-US" dirty="0" err="1" smtClean="0"/>
+              <a:endParaRPr lang="zh-CN" altLang="en-US" dirty="0" err="1"/>
             </a:p>
           </p:txBody>
         </p:sp>
@@ -10547,7 +10472,7 @@
             <a:lstStyle/>
             <a:p>
               <a:r>
-                <a:rPr lang="en-US" altLang="zh-CN" sz="2000" b="1" dirty="0" smtClean="0">
+                <a:rPr lang="en-US" altLang="zh-CN" sz="2000" b="1" dirty="0">
                   <a:latin typeface="微软雅黑" panose="020B0503020204020204" pitchFamily="34" charset="-122"/>
                   <a:ea typeface="微软雅黑" panose="020B0503020204020204" pitchFamily="34" charset="-122"/>
                 </a:rPr>
@@ -10609,13 +10534,13 @@
             <a:p>
               <a:pPr algn="ctr"/>
               <a:r>
-                <a:rPr lang="en-US" altLang="zh-CN" sz="2400" dirty="0" smtClean="0">
+                <a:rPr lang="en-US" altLang="zh-CN" sz="2400" dirty="0">
                   <a:latin typeface="微软雅黑" panose="020B0503020204020204" pitchFamily="34" charset="-122"/>
                   <a:ea typeface="微软雅黑" panose="020B0503020204020204" pitchFamily="34" charset="-122"/>
                 </a:rPr>
                 <a:t>ThingWorx</a:t>
               </a:r>
-              <a:endParaRPr lang="zh-CN" altLang="en-US" sz="2400" dirty="0" err="1" smtClean="0">
+              <a:endParaRPr lang="zh-CN" altLang="en-US" sz="2400" dirty="0" err="1">
                 <a:latin typeface="微软雅黑" panose="020B0503020204020204" pitchFamily="34" charset="-122"/>
                 <a:ea typeface="微软雅黑" panose="020B0503020204020204" pitchFamily="34" charset="-122"/>
               </a:endParaRPr>
@@ -10685,7 +10610,7 @@
             <a:lstStyle/>
             <a:p>
               <a:r>
-                <a:rPr lang="en-US" altLang="zh-CN" sz="2800" dirty="0" smtClean="0">
+                <a:rPr lang="en-US" altLang="zh-CN" sz="2800" dirty="0">
                   <a:latin typeface="微软雅黑" panose="020B0503020204020204" pitchFamily="34" charset="-122"/>
                   <a:ea typeface="微软雅黑" panose="020B0503020204020204" pitchFamily="34" charset="-122"/>
                 </a:rPr>
@@ -10743,13 +10668,13 @@
             <a:p>
               <a:pPr algn="ctr"/>
               <a:r>
-                <a:rPr lang="en-US" altLang="zh-CN" sz="2400" dirty="0" smtClean="0">
+                <a:rPr lang="en-US" altLang="zh-CN" sz="2400" dirty="0">
                   <a:latin typeface="微软雅黑" panose="020B0503020204020204" pitchFamily="34" charset="-122"/>
                   <a:ea typeface="微软雅黑" panose="020B0503020204020204" pitchFamily="34" charset="-122"/>
                 </a:rPr>
                 <a:t>Android</a:t>
               </a:r>
-              <a:endParaRPr lang="zh-CN" altLang="en-US" sz="2400" dirty="0" err="1" smtClean="0">
+              <a:endParaRPr lang="zh-CN" altLang="en-US" sz="2400" dirty="0" err="1">
                 <a:latin typeface="微软雅黑" panose="020B0503020204020204" pitchFamily="34" charset="-122"/>
                 <a:ea typeface="微软雅黑" panose="020B0503020204020204" pitchFamily="34" charset="-122"/>
               </a:endParaRPr>
@@ -10816,7 +10741,7 @@
             <a:lstStyle/>
             <a:p>
               <a:r>
-                <a:rPr lang="en-US" altLang="zh-CN" sz="2800" dirty="0" smtClean="0">
+                <a:rPr lang="en-US" altLang="zh-CN" sz="2800" dirty="0">
                   <a:latin typeface="微软雅黑" panose="020B0503020204020204" pitchFamily="34" charset="-122"/>
                   <a:ea typeface="微软雅黑" panose="020B0503020204020204" pitchFamily="34" charset="-122"/>
                 </a:rPr>
@@ -10843,13 +10768,6 @@
   <p:transition spd="med">
     <p:pull/>
   </p:transition>
-  <p:timing>
-    <p:tnLst>
-      <p:par>
-        <p:cTn id="1" dur="indefinite" restart="never" nodeType="tmRoot"/>
-      </p:par>
-    </p:tnLst>
-  </p:timing>
 </p:sld>
 </file>
 
@@ -10886,10 +10804,9 @@
           <a:lstStyle/>
           <a:p>
             <a:r>
-              <a:rPr lang="zh-CN" altLang="en-US" dirty="0" smtClean="0"/>
+              <a:rPr lang="zh-CN" altLang="en-US" dirty="0"/>
               <a:t>时间规划</a:t>
             </a:r>
-            <a:endParaRPr lang="zh-CN" altLang="en-US" dirty="0"/>
           </a:p>
         </p:txBody>
       </p:sp>
@@ -10914,7 +10831,7 @@
               <a:buNone/>
             </a:pPr>
             <a:r>
-              <a:rPr lang="en-US" altLang="zh-CN" sz="2400" dirty="0" smtClean="0">
+              <a:rPr lang="en-US" altLang="zh-CN" sz="2400" dirty="0">
                 <a:latin typeface="微软雅黑" panose="020B0503020204020204" pitchFamily="34" charset="-122"/>
                 <a:ea typeface="微软雅黑" panose="020B0503020204020204" pitchFamily="34" charset="-122"/>
               </a:rPr>
@@ -10996,13 +10913,6 @@
   <p:transition spd="med">
     <p:pull/>
   </p:transition>
-  <p:timing>
-    <p:tnLst>
-      <p:par>
-        <p:cTn id="1" dur="indefinite" restart="never" nodeType="tmRoot"/>
-      </p:par>
-    </p:tnLst>
-  </p:timing>
 </p:sld>
 </file>
 
@@ -11039,10 +10949,9 @@
           <a:lstStyle/>
           <a:p>
             <a:r>
-              <a:rPr lang="zh-CN" altLang="en-US" dirty="0" smtClean="0"/>
+              <a:rPr lang="zh-CN" altLang="en-US" dirty="0"/>
               <a:t>甘特图</a:t>
             </a:r>
-            <a:endParaRPr lang="zh-CN" altLang="en-US" dirty="0"/>
           </a:p>
         </p:txBody>
       </p:sp>
@@ -11099,13 +11008,6 @@
   <p:clrMapOvr>
     <a:masterClrMapping/>
   </p:clrMapOvr>
-  <p:timing>
-    <p:tnLst>
-      <p:par>
-        <p:cTn id="1" dur="indefinite" restart="never" nodeType="tmRoot"/>
-      </p:par>
-    </p:tnLst>
-  </p:timing>
 </p:sld>
 </file>
 
@@ -11187,25 +11089,6 @@
           </a:prstGeom>
         </p:spPr>
       </p:pic>
-      <p:sp>
-        <p:nvSpPr>
-          <p:cNvPr id="8" name="内容占位符 7"/>
-          <p:cNvSpPr>
-            <a:spLocks noGrp="1"/>
-          </p:cNvSpPr>
-          <p:nvPr>
-            <p:ph idx="1"/>
-          </p:nvPr>
-        </p:nvSpPr>
-        <p:spPr/>
-        <p:txBody>
-          <a:bodyPr/>
-          <a:lstStyle/>
-          <a:p>
-            <a:endParaRPr lang="zh-CN" altLang="en-US"/>
-          </a:p>
-        </p:txBody>
-      </p:sp>
       <p:pic>
         <p:nvPicPr>
           <p:cNvPr id="9" name="图片 8"/>
@@ -11243,13 +11126,6 @@
   <p:transition spd="med">
     <p:pull/>
   </p:transition>
-  <p:timing>
-    <p:tnLst>
-      <p:par>
-        <p:cTn id="1" dur="indefinite" restart="never" nodeType="tmRoot"/>
-      </p:par>
-    </p:tnLst>
-  </p:timing>
 </p:sld>
 </file>
 
@@ -11286,25 +11162,18 @@
           <a:lstStyle/>
           <a:p>
             <a:r>
-              <a:rPr lang="en-US" altLang="zh-CN" dirty="0" smtClean="0">
+              <a:rPr lang="en-US" altLang="zh-CN" dirty="0">
                 <a:latin typeface="微软雅黑" panose="020B0503020204020204" pitchFamily="34" charset="-122"/>
                 <a:ea typeface="微软雅黑" panose="020B0503020204020204" pitchFamily="34" charset="-122"/>
               </a:rPr>
               <a:t>Q&amp;A</a:t>
             </a:r>
             <a:br>
-              <a:rPr lang="en-US" altLang="zh-CN" dirty="0" smtClean="0">
+              <a:rPr lang="en-US" altLang="zh-CN" dirty="0">
                 <a:latin typeface="微软雅黑" panose="020B0503020204020204" pitchFamily="34" charset="-122"/>
                 <a:ea typeface="微软雅黑" panose="020B0503020204020204" pitchFamily="34" charset="-122"/>
               </a:rPr>
             </a:br>
-            <a:r>
-              <a:rPr lang="en-US" altLang="zh-CN" dirty="0">
-                <a:latin typeface="微软雅黑" panose="020B0503020204020204" pitchFamily="34" charset="-122"/>
-                <a:ea typeface="微软雅黑" panose="020B0503020204020204" pitchFamily="34" charset="-122"/>
-              </a:rPr>
-              <a:t/>
-            </a:r>
             <a:br>
               <a:rPr lang="en-US" altLang="zh-CN" dirty="0">
                 <a:latin typeface="微软雅黑" panose="020B0503020204020204" pitchFamily="34" charset="-122"/>
@@ -11363,13 +11232,6 @@
   <p:transition spd="med">
     <p:pull/>
   </p:transition>
-  <p:timing>
-    <p:tnLst>
-      <p:par>
-        <p:cTn id="1" dur="indefinite" restart="never" nodeType="tmRoot"/>
-      </p:par>
-    </p:tnLst>
-  </p:timing>
 </p:sld>
 </file>
 
@@ -11406,16 +11268,12 @@
           <a:lstStyle/>
           <a:p>
             <a:r>
-              <a:rPr lang="zh-CN" altLang="en-US" dirty="0" smtClean="0">
+              <a:rPr lang="zh-CN" altLang="en-US" dirty="0">
                 <a:latin typeface="微软雅黑" panose="020B0503020204020204" pitchFamily="34" charset="-122"/>
                 <a:ea typeface="微软雅黑" panose="020B0503020204020204" pitchFamily="34" charset="-122"/>
               </a:rPr>
               <a:t>小组成员贡献权重</a:t>
             </a:r>
-            <a:endParaRPr lang="zh-CN" altLang="en-US" dirty="0">
-              <a:latin typeface="微软雅黑" panose="020B0503020204020204" pitchFamily="34" charset="-122"/>
-              <a:ea typeface="微软雅黑" panose="020B0503020204020204" pitchFamily="34" charset="-122"/>
-            </a:endParaRPr>
           </a:p>
         </p:txBody>
       </p:sp>
@@ -11440,96 +11298,40 @@
           <a:lstStyle/>
           <a:p>
             <a:r>
-              <a:rPr lang="zh-CN" altLang="en-US" sz="2800" dirty="0" smtClean="0">
-                <a:latin typeface="华文行楷" panose="02010800040101010101" pitchFamily="2" charset="-122"/>
-                <a:ea typeface="华文行楷" panose="02010800040101010101" pitchFamily="2" charset="-122"/>
-              </a:rPr>
-              <a:t>我们</a:t>
-            </a:r>
-            <a:r>
               <a:rPr lang="zh-CN" altLang="en-US" sz="2800" dirty="0">
                 <a:latin typeface="华文行楷" panose="02010800040101010101" pitchFamily="2" charset="-122"/>
                 <a:ea typeface="华文行楷" panose="02010800040101010101" pitchFamily="2" charset="-122"/>
               </a:rPr>
-              <a:t>做了一</a:t>
-            </a:r>
-            <a:r>
-              <a:rPr lang="zh-CN" altLang="en-US" sz="2800" dirty="0" smtClean="0">
-                <a:latin typeface="华文行楷" panose="02010800040101010101" pitchFamily="2" charset="-122"/>
-                <a:ea typeface="华文行楷" panose="02010800040101010101" pitchFamily="2" charset="-122"/>
-              </a:rPr>
-              <a:t>个相当艰难</a:t>
-            </a:r>
+              <a:t>我们做了一个相当艰难的决定，</a:t>
+            </a:r>
+            <a:endParaRPr lang="en-US" altLang="zh-CN" sz="2800" dirty="0">
+              <a:latin typeface="华文行楷" panose="02010800040101010101" pitchFamily="2" charset="-122"/>
+              <a:ea typeface="华文行楷" panose="02010800040101010101" pitchFamily="2" charset="-122"/>
+            </a:endParaRPr>
+          </a:p>
+          <a:p>
             <a:r>
               <a:rPr lang="zh-CN" altLang="en-US" sz="2800" dirty="0">
                 <a:latin typeface="华文行楷" panose="02010800040101010101" pitchFamily="2" charset="-122"/>
                 <a:ea typeface="华文行楷" panose="02010800040101010101" pitchFamily="2" charset="-122"/>
               </a:rPr>
-              <a:t>的决定</a:t>
-            </a:r>
-            <a:r>
-              <a:rPr lang="zh-CN" altLang="en-US" sz="2800" dirty="0" smtClean="0">
+              <a:t>残忍地将成员的努力分成一下</a:t>
+            </a:r>
+            <a:r>
+              <a:rPr lang="en-US" altLang="zh-CN" sz="2800" dirty="0">
                 <a:latin typeface="华文行楷" panose="02010800040101010101" pitchFamily="2" charset="-122"/>
                 <a:ea typeface="华文行楷" panose="02010800040101010101" pitchFamily="2" charset="-122"/>
               </a:rPr>
-              <a:t>，</a:t>
-            </a:r>
-            <a:endParaRPr lang="en-US" altLang="zh-CN" sz="2800" dirty="0" smtClean="0">
-              <a:latin typeface="华文行楷" panose="02010800040101010101" pitchFamily="2" charset="-122"/>
-              <a:ea typeface="华文行楷" panose="02010800040101010101" pitchFamily="2" charset="-122"/>
-            </a:endParaRPr>
-          </a:p>
-          <a:p>
-            <a:r>
-              <a:rPr lang="zh-CN" altLang="en-US" sz="2800" dirty="0" smtClean="0">
-                <a:latin typeface="华文行楷" panose="02010800040101010101" pitchFamily="2" charset="-122"/>
-                <a:ea typeface="华文行楷" panose="02010800040101010101" pitchFamily="2" charset="-122"/>
-              </a:rPr>
-              <a:t>残忍</a:t>
+              <a:t>3</a:t>
             </a:r>
             <a:r>
               <a:rPr lang="zh-CN" altLang="en-US" sz="2800" dirty="0">
                 <a:latin typeface="华文行楷" panose="02010800040101010101" pitchFamily="2" charset="-122"/>
                 <a:ea typeface="华文行楷" panose="02010800040101010101" pitchFamily="2" charset="-122"/>
               </a:rPr>
-              <a:t>地</a:t>
-            </a:r>
-            <a:r>
-              <a:rPr lang="zh-CN" altLang="en-US" sz="2800" dirty="0" smtClean="0">
-                <a:latin typeface="华文行楷" panose="02010800040101010101" pitchFamily="2" charset="-122"/>
-                <a:ea typeface="华文行楷" panose="02010800040101010101" pitchFamily="2" charset="-122"/>
-              </a:rPr>
-              <a:t>将成员</a:t>
-            </a:r>
-            <a:r>
-              <a:rPr lang="zh-CN" altLang="en-US" sz="2800" dirty="0">
-                <a:latin typeface="华文行楷" panose="02010800040101010101" pitchFamily="2" charset="-122"/>
-                <a:ea typeface="华文行楷" panose="02010800040101010101" pitchFamily="2" charset="-122"/>
-              </a:rPr>
-              <a:t>的努力分成</a:t>
-            </a:r>
-            <a:r>
-              <a:rPr lang="zh-CN" altLang="en-US" sz="2800" dirty="0" smtClean="0">
-                <a:latin typeface="华文行楷" panose="02010800040101010101" pitchFamily="2" charset="-122"/>
-                <a:ea typeface="华文行楷" panose="02010800040101010101" pitchFamily="2" charset="-122"/>
-              </a:rPr>
-              <a:t>一下</a:t>
-            </a:r>
-            <a:r>
-              <a:rPr lang="en-US" altLang="zh-CN" sz="2800" dirty="0" smtClean="0">
-                <a:latin typeface="华文行楷" panose="02010800040101010101" pitchFamily="2" charset="-122"/>
-                <a:ea typeface="华文行楷" panose="02010800040101010101" pitchFamily="2" charset="-122"/>
-              </a:rPr>
-              <a:t>3</a:t>
-            </a:r>
-            <a:r>
-              <a:rPr lang="zh-CN" altLang="en-US" sz="2800" dirty="0" smtClean="0">
-                <a:latin typeface="华文行楷" panose="02010800040101010101" pitchFamily="2" charset="-122"/>
-                <a:ea typeface="华文行楷" panose="02010800040101010101" pitchFamily="2" charset="-122"/>
-              </a:rPr>
               <a:t>类。</a:t>
             </a:r>
-            <a:endParaRPr lang="en-US" altLang="zh-CN" sz="2800" dirty="0" smtClean="0">
+            <a:endParaRPr lang="en-US" altLang="zh-CN" sz="2800" dirty="0">
               <a:latin typeface="华文行楷" panose="02010800040101010101" pitchFamily="2" charset="-122"/>
               <a:ea typeface="华文行楷" panose="02010800040101010101" pitchFamily="2" charset="-122"/>
             </a:endParaRPr>
@@ -11569,23 +11371,19 @@
               <a:buAutoNum type="arabicPeriod"/>
             </a:pPr>
             <a:r>
-              <a:rPr lang="zh-CN" altLang="en-US" sz="3200" dirty="0" smtClean="0">
+              <a:rPr lang="zh-CN" altLang="en-US" sz="3200" dirty="0">
                 <a:latin typeface="微软雅黑" panose="020B0503020204020204" pitchFamily="34" charset="-122"/>
                 <a:ea typeface="微软雅黑" panose="020B0503020204020204" pitchFamily="34" charset="-122"/>
               </a:rPr>
               <a:t>郑楠</a:t>
             </a:r>
             <a:r>
-              <a:rPr lang="en-US" altLang="zh-CN" sz="3200" dirty="0" smtClean="0">
+              <a:rPr lang="en-US" altLang="zh-CN" sz="3200" dirty="0">
                 <a:latin typeface="微软雅黑" panose="020B0503020204020204" pitchFamily="34" charset="-122"/>
                 <a:ea typeface="微软雅黑" panose="020B0503020204020204" pitchFamily="34" charset="-122"/>
               </a:rPr>
               <a:t>		</a:t>
             </a:r>
-            <a:endParaRPr lang="en-US" altLang="zh-CN" sz="3200" dirty="0">
-              <a:latin typeface="微软雅黑" panose="020B0503020204020204" pitchFamily="34" charset="-122"/>
-              <a:ea typeface="微软雅黑" panose="020B0503020204020204" pitchFamily="34" charset="-122"/>
-            </a:endParaRPr>
           </a:p>
           <a:p>
             <a:pPr marL="514350" indent="-514350">
@@ -11600,16 +11398,12 @@
               <a:t>吴舒然</a:t>
             </a:r>
             <a:r>
-              <a:rPr lang="en-US" altLang="zh-CN" sz="3200" dirty="0" smtClean="0">
+              <a:rPr lang="en-US" altLang="zh-CN" sz="3200" dirty="0">
                 <a:latin typeface="微软雅黑" panose="020B0503020204020204" pitchFamily="34" charset="-122"/>
                 <a:ea typeface="微软雅黑" panose="020B0503020204020204" pitchFamily="34" charset="-122"/>
               </a:rPr>
               <a:t>		</a:t>
             </a:r>
-            <a:endParaRPr lang="en-US" altLang="zh-CN" sz="3200" dirty="0">
-              <a:latin typeface="微软雅黑" panose="020B0503020204020204" pitchFamily="34" charset="-122"/>
-              <a:ea typeface="微软雅黑" panose="020B0503020204020204" pitchFamily="34" charset="-122"/>
-            </a:endParaRPr>
           </a:p>
           <a:p>
             <a:pPr marL="514350" indent="-514350">
@@ -11617,32 +11411,18 @@
               <a:buAutoNum type="arabicPeriod"/>
             </a:pPr>
             <a:r>
-              <a:rPr lang="zh-CN" altLang="en-US" sz="3200" dirty="0" smtClean="0">
-                <a:latin typeface="微软雅黑" panose="020B0503020204020204" pitchFamily="34" charset="-122"/>
-                <a:ea typeface="微软雅黑" panose="020B0503020204020204" pitchFamily="34" charset="-122"/>
-              </a:rPr>
-              <a:t>张</a:t>
-            </a:r>
-            <a:r>
               <a:rPr lang="zh-CN" altLang="en-US" sz="3200" dirty="0">
                 <a:latin typeface="微软雅黑" panose="020B0503020204020204" pitchFamily="34" charset="-122"/>
                 <a:ea typeface="微软雅黑" panose="020B0503020204020204" pitchFamily="34" charset="-122"/>
               </a:rPr>
-              <a:t>佳</a:t>
+              <a:t>张佳</a:t>
             </a:r>
             <a:r>
               <a:rPr lang="en-US" altLang="zh-CN" sz="3200" dirty="0">
                 <a:latin typeface="微软雅黑" panose="020B0503020204020204" pitchFamily="34" charset="-122"/>
                 <a:ea typeface="微软雅黑" panose="020B0503020204020204" pitchFamily="34" charset="-122"/>
               </a:rPr>
-              <a:t>	</a:t>
-            </a:r>
-            <a:r>
-              <a:rPr lang="en-US" altLang="zh-CN" sz="3200" dirty="0" smtClean="0">
-                <a:latin typeface="微软雅黑" panose="020B0503020204020204" pitchFamily="34" charset="-122"/>
-                <a:ea typeface="微软雅黑" panose="020B0503020204020204" pitchFamily="34" charset="-122"/>
-              </a:rPr>
-              <a:t>	</a:t>
+              <a:t>		</a:t>
             </a:r>
             <a:endParaRPr lang="zh-TW" altLang="en-US" sz="3200" dirty="0">
               <a:latin typeface="微软雅黑" panose="020B0503020204020204" pitchFamily="34" charset="-122"/>
@@ -11696,13 +11476,6 @@
   <p:transition spd="med">
     <p:pull/>
   </p:transition>
-  <p:timing>
-    <p:tnLst>
-      <p:par>
-        <p:cTn id="1" dur="indefinite" restart="never" nodeType="tmRoot"/>
-      </p:par>
-    </p:tnLst>
-  </p:timing>
 </p:sld>
 </file>
 
@@ -11743,7 +11516,7 @@
               <a:buAutoNum type="arabicPeriod"/>
             </a:pPr>
             <a:r>
-              <a:rPr lang="en-US" altLang="zh-CN" dirty="0" smtClean="0">
+              <a:rPr lang="en-US" altLang="zh-CN" dirty="0">
                 <a:latin typeface="微软雅黑" panose="020B0503020204020204" pitchFamily="34" charset="-122"/>
                 <a:ea typeface="微软雅黑" panose="020B0503020204020204" pitchFamily="34" charset="-122"/>
                 <a:hlinkClick r:id="rId2" action="ppaction://hlinksldjump"/>
@@ -11751,14 +11524,14 @@
               <a:t>^</a:t>
             </a:r>
             <a:r>
-              <a:rPr lang="en-US" altLang="zh-CN" dirty="0" smtClean="0">
+              <a:rPr lang="en-US" altLang="zh-CN" dirty="0">
                 <a:latin typeface="微软雅黑" panose="020B0503020204020204" pitchFamily="34" charset="-122"/>
                 <a:ea typeface="微软雅黑" panose="020B0503020204020204" pitchFamily="34" charset="-122"/>
               </a:rPr>
               <a:t> </a:t>
             </a:r>
             <a:r>
-              <a:rPr lang="zh-CN" altLang="en-US" dirty="0" smtClean="0">
+              <a:rPr lang="zh-CN" altLang="en-US" dirty="0">
                 <a:latin typeface="微软雅黑" panose="020B0503020204020204" pitchFamily="34" charset="-122"/>
                 <a:ea typeface="微软雅黑" panose="020B0503020204020204" pitchFamily="34" charset="-122"/>
                 <a:hlinkClick r:id="rId3" action="ppaction://hlinkfile"/>
@@ -11766,7 +11539,7 @@
               <a:t>项目说明</a:t>
             </a:r>
             <a:r>
-              <a:rPr lang="en-US" altLang="zh-CN" dirty="0" smtClean="0">
+              <a:rPr lang="en-US" altLang="zh-CN" dirty="0">
                 <a:latin typeface="微软雅黑" panose="020B0503020204020204" pitchFamily="34" charset="-122"/>
                 <a:ea typeface="微软雅黑" panose="020B0503020204020204" pitchFamily="34" charset="-122"/>
                 <a:hlinkClick r:id="rId3" action="ppaction://hlinkfile"/>
@@ -11828,7 +11601,7 @@
           <a:lstStyle/>
           <a:p>
             <a:r>
-              <a:rPr lang="en-US" altLang="zh-CN" dirty="0" smtClean="0">
+              <a:rPr lang="en-US" altLang="zh-CN" dirty="0">
                 <a:latin typeface="思源黑体 CN Medium" panose="020B0600000000000000" pitchFamily="34" charset="-122"/>
                 <a:ea typeface="思源黑体 CN Medium" panose="020B0600000000000000" pitchFamily="34" charset="-122"/>
               </a:rPr>
@@ -11875,13 +11648,6 @@
               </a:rPr>
               <a:t>规范：</a:t>
             </a:r>
-            <a:r>
-              <a:rPr lang="en-US" altLang="zh-CN" sz="2000" dirty="0">
-                <a:latin typeface="思源黑体 CN Medium" panose="020B0600000000000000" pitchFamily="34" charset="-122"/>
-                <a:ea typeface="思源黑体 CN Medium" panose="020B0600000000000000" pitchFamily="34" charset="-122"/>
-              </a:rPr>
-              <a:t/>
-            </a:r>
             <a:br>
               <a:rPr lang="en-US" altLang="zh-CN" sz="2000" dirty="0">
                 <a:latin typeface="思源黑体 CN Medium" panose="020B0600000000000000" pitchFamily="34" charset="-122"/>
@@ -11893,35 +11659,14 @@
                 <a:latin typeface="思源黑体 CN Medium" panose="020B0600000000000000" pitchFamily="34" charset="-122"/>
                 <a:ea typeface="思源黑体 CN Medium" panose="020B0600000000000000" pitchFamily="34" charset="-122"/>
               </a:rPr>
-              <a:t>[1</a:t>
-            </a:r>
-            <a:r>
-              <a:rPr lang="en-US" altLang="zh-CN" sz="2000" baseline="30000" dirty="0" smtClean="0">
-                <a:latin typeface="思源黑体 CN Medium" panose="020B0600000000000000" pitchFamily="34" charset="-122"/>
-                <a:ea typeface="思源黑体 CN Medium" panose="020B0600000000000000" pitchFamily="34" charset="-122"/>
-              </a:rPr>
-              <a:t>]   </a:t>
-            </a:r>
-            <a:r>
-              <a:rPr lang="zh-CN" altLang="en-US" sz="2000" dirty="0" smtClean="0">
-                <a:latin typeface="思源黑体 CN Medium" panose="020B0600000000000000" pitchFamily="34" charset="-122"/>
-                <a:ea typeface="思源黑体 CN Medium" panose="020B0600000000000000" pitchFamily="34" charset="-122"/>
-              </a:rPr>
-              <a:t>代表</a:t>
+              <a:t>[1]   </a:t>
             </a:r>
             <a:r>
               <a:rPr lang="zh-CN" altLang="en-US" sz="2000" dirty="0">
                 <a:latin typeface="思源黑体 CN Medium" panose="020B0600000000000000" pitchFamily="34" charset="-122"/>
                 <a:ea typeface="思源黑体 CN Medium" panose="020B0600000000000000" pitchFamily="34" charset="-122"/>
               </a:rPr>
-              <a:t>第一条索引</a:t>
-            </a:r>
-            <a:r>
-              <a:rPr lang="en-US" altLang="zh-CN" sz="2000" dirty="0">
-                <a:latin typeface="思源黑体 CN Medium" panose="020B0600000000000000" pitchFamily="34" charset="-122"/>
-                <a:ea typeface="思源黑体 CN Medium" panose="020B0600000000000000" pitchFamily="34" charset="-122"/>
-              </a:rPr>
-              <a:t/>
+              <a:t>代表第一条索引</a:t>
             </a:r>
             <a:br>
               <a:rPr lang="en-US" altLang="zh-CN" sz="2000" dirty="0">
@@ -11930,25 +11675,18 @@
               </a:rPr>
             </a:br>
             <a:r>
-              <a:rPr lang="en-US" altLang="zh-CN" sz="2000" dirty="0" smtClean="0">
+              <a:rPr lang="en-US" altLang="zh-CN" sz="2000" dirty="0">
                 <a:latin typeface="思源黑体 CN Medium" panose="020B0600000000000000" pitchFamily="34" charset="-122"/>
                 <a:ea typeface="思源黑体 CN Medium" panose="020B0600000000000000" pitchFamily="34" charset="-122"/>
               </a:rPr>
               <a:t>^   </a:t>
-            </a:r>
-            <a:r>
-              <a:rPr lang="zh-CN" altLang="en-US" sz="2000" dirty="0" smtClean="0">
-                <a:latin typeface="思源黑体 CN Medium" panose="020B0600000000000000" pitchFamily="34" charset="-122"/>
-                <a:ea typeface="思源黑体 CN Medium" panose="020B0600000000000000" pitchFamily="34" charset="-122"/>
-              </a:rPr>
-              <a:t>代表</a:t>
             </a:r>
             <a:r>
               <a:rPr lang="zh-CN" altLang="en-US" sz="2000" dirty="0">
                 <a:latin typeface="思源黑体 CN Medium" panose="020B0600000000000000" pitchFamily="34" charset="-122"/>
                 <a:ea typeface="思源黑体 CN Medium" panose="020B0600000000000000" pitchFamily="34" charset="-122"/>
               </a:rPr>
-              <a:t>索引在原文出现的位置</a:t>
+              <a:t>代表索引在原文出现的位置</a:t>
             </a:r>
             <a:endParaRPr lang="en-US" altLang="zh-CN" sz="2000" dirty="0">
               <a:latin typeface="思源黑体 CN Medium" panose="020B0600000000000000" pitchFamily="34" charset="-122"/>
@@ -11957,25 +11695,18 @@
           </a:p>
           <a:p>
             <a:r>
-              <a:rPr lang="en-US" altLang="zh-CN" sz="2000" dirty="0" smtClean="0">
+              <a:rPr lang="en-US" altLang="zh-CN" sz="2000" dirty="0">
                 <a:latin typeface="思源黑体 CN Medium" panose="020B0600000000000000" pitchFamily="34" charset="-122"/>
                 <a:ea typeface="思源黑体 CN Medium" panose="020B0600000000000000" pitchFamily="34" charset="-122"/>
               </a:rPr>
               <a:t>()  </a:t>
-            </a:r>
-            <a:r>
-              <a:rPr lang="zh-CN" altLang="en-US" sz="2000" dirty="0" smtClean="0">
-                <a:latin typeface="思源黑体 CN Medium" panose="020B0600000000000000" pitchFamily="34" charset="-122"/>
-                <a:ea typeface="思源黑体 CN Medium" panose="020B0600000000000000" pitchFamily="34" charset="-122"/>
-              </a:rPr>
-              <a:t>代表</a:t>
             </a:r>
             <a:r>
               <a:rPr lang="zh-CN" altLang="en-US" sz="2000" dirty="0">
                 <a:latin typeface="思源黑体 CN Medium" panose="020B0600000000000000" pitchFamily="34" charset="-122"/>
                 <a:ea typeface="思源黑体 CN Medium" panose="020B0600000000000000" pitchFamily="34" charset="-122"/>
               </a:rPr>
-              <a:t>索引在当时的日期版本，遵循</a:t>
+              <a:t>代表索引在当时的日期版本，遵循</a:t>
             </a:r>
             <a:r>
               <a:rPr lang="en-US" altLang="zh-CN" sz="2000" dirty="0">
@@ -12004,13 +11735,6 @@
   <p:transition spd="med">
     <p:pull/>
   </p:transition>
-  <p:timing>
-    <p:tnLst>
-      <p:par>
-        <p:cTn id="1" dur="indefinite" restart="never" nodeType="tmRoot"/>
-      </p:par>
-    </p:tnLst>
-  </p:timing>
 </p:sld>
 </file>
 
@@ -12047,30 +11771,26 @@
           <a:lstStyle/>
           <a:p>
             <a:r>
-              <a:rPr lang="zh-CN" altLang="en-US" dirty="0" smtClean="0">
+              <a:rPr lang="zh-CN" altLang="en-US" dirty="0">
                 <a:latin typeface="微软雅黑" panose="020B0503020204020204" pitchFamily="34" charset="-122"/>
                 <a:ea typeface="微软雅黑" panose="020B0503020204020204" pitchFamily="34" charset="-122"/>
               </a:rPr>
               <a:t>目</a:t>
             </a:r>
             <a:r>
-              <a:rPr lang="en-US" altLang="zh-CN" dirty="0" smtClean="0">
+              <a:rPr lang="en-US" altLang="zh-CN" dirty="0">
                 <a:latin typeface="微软雅黑" panose="020B0503020204020204" pitchFamily="34" charset="-122"/>
                 <a:ea typeface="微软雅黑" panose="020B0503020204020204" pitchFamily="34" charset="-122"/>
               </a:rPr>
               <a:t>	</a:t>
             </a:r>
             <a:r>
-              <a:rPr lang="zh-CN" altLang="en-US" dirty="0" smtClean="0">
+              <a:rPr lang="zh-CN" altLang="en-US" dirty="0">
                 <a:latin typeface="微软雅黑" panose="020B0503020204020204" pitchFamily="34" charset="-122"/>
                 <a:ea typeface="微软雅黑" panose="020B0503020204020204" pitchFamily="34" charset="-122"/>
               </a:rPr>
               <a:t>录</a:t>
             </a:r>
-            <a:endParaRPr lang="zh-CN" altLang="en-US" dirty="0">
-              <a:latin typeface="微软雅黑" panose="020B0503020204020204" pitchFamily="34" charset="-122"/>
-              <a:ea typeface="微软雅黑" panose="020B0503020204020204" pitchFamily="34" charset="-122"/>
-            </a:endParaRPr>
           </a:p>
         </p:txBody>
       </p:sp>
@@ -12099,7 +11819,7 @@
             <a:pPr marL="0" indent="0">
               <a:buNone/>
             </a:pPr>
-            <a:endParaRPr lang="en-US" altLang="zh-CN" sz="3200" dirty="0" smtClean="0">
+            <a:endParaRPr lang="en-US" altLang="zh-CN" sz="3200" dirty="0">
               <a:latin typeface="微软雅黑" panose="020B0503020204020204" pitchFamily="34" charset="-122"/>
               <a:ea typeface="微软雅黑" panose="020B0503020204020204" pitchFamily="34" charset="-122"/>
             </a:endParaRPr>
@@ -12110,13 +11830,13 @@
               <a:buAutoNum type="arabicPeriod"/>
             </a:pPr>
             <a:r>
-              <a:rPr lang="zh-CN" altLang="en-US" sz="3200" dirty="0" smtClean="0">
+              <a:rPr lang="zh-CN" altLang="en-US" sz="3200" dirty="0">
                 <a:latin typeface="微软雅黑" panose="020B0503020204020204" pitchFamily="34" charset="-122"/>
                 <a:ea typeface="微软雅黑" panose="020B0503020204020204" pitchFamily="34" charset="-122"/>
               </a:rPr>
               <a:t>项目说明</a:t>
             </a:r>
-            <a:endParaRPr lang="en-US" altLang="zh-CN" sz="3200" dirty="0" smtClean="0">
+            <a:endParaRPr lang="en-US" altLang="zh-CN" sz="3200" dirty="0">
               <a:latin typeface="微软雅黑" panose="020B0503020204020204" pitchFamily="34" charset="-122"/>
               <a:ea typeface="微软雅黑" panose="020B0503020204020204" pitchFamily="34" charset="-122"/>
             </a:endParaRPr>
@@ -12133,7 +11853,7 @@
               </a:rPr>
               <a:t>需求分析</a:t>
             </a:r>
-            <a:endParaRPr lang="en-US" altLang="zh-CN" sz="3200" dirty="0" smtClean="0">
+            <a:endParaRPr lang="en-US" altLang="zh-CN" sz="3200" dirty="0">
               <a:latin typeface="微软雅黑" panose="020B0503020204020204" pitchFamily="34" charset="-122"/>
               <a:ea typeface="微软雅黑" panose="020B0503020204020204" pitchFamily="34" charset="-122"/>
             </a:endParaRPr>
@@ -12144,13 +11864,13 @@
               <a:buAutoNum type="arabicPeriod"/>
             </a:pPr>
             <a:r>
-              <a:rPr lang="zh-CN" altLang="en-US" sz="3200" dirty="0" smtClean="0">
+              <a:rPr lang="zh-CN" altLang="en-US" sz="3200" dirty="0">
                 <a:latin typeface="微软雅黑" panose="020B0503020204020204" pitchFamily="34" charset="-122"/>
                 <a:ea typeface="微软雅黑" panose="020B0503020204020204" pitchFamily="34" charset="-122"/>
               </a:rPr>
               <a:t>可行性研究</a:t>
             </a:r>
-            <a:endParaRPr lang="en-US" altLang="zh-CN" sz="3200" dirty="0" smtClean="0">
+            <a:endParaRPr lang="en-US" altLang="zh-CN" sz="3200" dirty="0">
               <a:latin typeface="微软雅黑" panose="020B0503020204020204" pitchFamily="34" charset="-122"/>
               <a:ea typeface="微软雅黑" panose="020B0503020204020204" pitchFamily="34" charset="-122"/>
             </a:endParaRPr>
@@ -12165,16 +11885,9 @@
                 <a:latin typeface="微软雅黑" panose="020B0503020204020204" pitchFamily="34" charset="-122"/>
                 <a:ea typeface="微软雅黑" panose="020B0503020204020204" pitchFamily="34" charset="-122"/>
               </a:rPr>
-              <a:t>功能</a:t>
-            </a:r>
-            <a:r>
-              <a:rPr lang="zh-CN" altLang="en-US" sz="3200" dirty="0" smtClean="0">
-                <a:latin typeface="微软雅黑" panose="020B0503020204020204" pitchFamily="34" charset="-122"/>
-                <a:ea typeface="微软雅黑" panose="020B0503020204020204" pitchFamily="34" charset="-122"/>
-              </a:rPr>
-              <a:t>说明</a:t>
-            </a:r>
-            <a:endParaRPr lang="en-US" altLang="zh-CN" sz="3200" dirty="0" smtClean="0">
+              <a:t>功能说明</a:t>
+            </a:r>
+            <a:endParaRPr lang="en-US" altLang="zh-CN" sz="3200" dirty="0">
               <a:latin typeface="微软雅黑" panose="020B0503020204020204" pitchFamily="34" charset="-122"/>
               <a:ea typeface="微软雅黑" panose="020B0503020204020204" pitchFamily="34" charset="-122"/>
             </a:endParaRPr>
@@ -12185,13 +11898,13 @@
               <a:buAutoNum type="arabicPeriod"/>
             </a:pPr>
             <a:r>
-              <a:rPr lang="zh-CN" altLang="en-US" sz="3200" dirty="0" smtClean="0">
+              <a:rPr lang="zh-CN" altLang="en-US" sz="3200" dirty="0">
                 <a:latin typeface="微软雅黑" panose="020B0503020204020204" pitchFamily="34" charset="-122"/>
                 <a:ea typeface="微软雅黑" panose="020B0503020204020204" pitchFamily="34" charset="-122"/>
               </a:rPr>
               <a:t>软件框架</a:t>
             </a:r>
-            <a:endParaRPr lang="en-US" altLang="zh-CN" sz="3200" dirty="0" smtClean="0">
+            <a:endParaRPr lang="en-US" altLang="zh-CN" sz="3200" dirty="0">
               <a:latin typeface="微软雅黑" panose="020B0503020204020204" pitchFamily="34" charset="-122"/>
               <a:ea typeface="微软雅黑" panose="020B0503020204020204" pitchFamily="34" charset="-122"/>
             </a:endParaRPr>
@@ -12202,13 +11915,13 @@
               <a:buAutoNum type="arabicPeriod"/>
             </a:pPr>
             <a:r>
-              <a:rPr lang="zh-CN" altLang="en-US" sz="3200" dirty="0" smtClean="0">
+              <a:rPr lang="zh-CN" altLang="en-US" sz="3200" dirty="0">
                 <a:latin typeface="微软雅黑" panose="020B0503020204020204" pitchFamily="34" charset="-122"/>
                 <a:ea typeface="微软雅黑" panose="020B0503020204020204" pitchFamily="34" charset="-122"/>
               </a:rPr>
               <a:t>时间规划</a:t>
             </a:r>
-            <a:endParaRPr lang="en-US" altLang="zh-CN" sz="3200" dirty="0" smtClean="0">
+            <a:endParaRPr lang="en-US" altLang="zh-CN" sz="3200" dirty="0">
               <a:latin typeface="微软雅黑" panose="020B0503020204020204" pitchFamily="34" charset="-122"/>
               <a:ea typeface="微软雅黑" panose="020B0503020204020204" pitchFamily="34" charset="-122"/>
             </a:endParaRPr>
@@ -12219,13 +11932,13 @@
               <a:buAutoNum type="arabicPeriod"/>
             </a:pPr>
             <a:r>
-              <a:rPr lang="zh-CN" altLang="en-US" sz="3200" dirty="0" smtClean="0">
+              <a:rPr lang="zh-CN" altLang="en-US" sz="3200" dirty="0">
                 <a:latin typeface="微软雅黑" panose="020B0503020204020204" pitchFamily="34" charset="-122"/>
                 <a:ea typeface="微软雅黑" panose="020B0503020204020204" pitchFamily="34" charset="-122"/>
               </a:rPr>
               <a:t>验收标准</a:t>
             </a:r>
-            <a:endParaRPr lang="en-US" altLang="zh-CN" sz="3200" dirty="0" smtClean="0">
+            <a:endParaRPr lang="en-US" altLang="zh-CN" sz="3200" dirty="0">
               <a:latin typeface="微软雅黑" panose="020B0503020204020204" pitchFamily="34" charset="-122"/>
               <a:ea typeface="微软雅黑" panose="020B0503020204020204" pitchFamily="34" charset="-122"/>
             </a:endParaRPr>
@@ -12236,7 +11949,7 @@
               <a:buAutoNum type="arabicPeriod"/>
             </a:pPr>
             <a:r>
-              <a:rPr lang="en-US" altLang="zh-CN" sz="3200" dirty="0" smtClean="0">
+              <a:rPr lang="en-US" altLang="zh-CN" sz="3200" dirty="0">
                 <a:latin typeface="微软雅黑" panose="020B0503020204020204" pitchFamily="34" charset="-122"/>
                 <a:ea typeface="微软雅黑" panose="020B0503020204020204" pitchFamily="34" charset="-122"/>
               </a:rPr>
@@ -12249,13 +11962,13 @@
               <a:buAutoNum type="arabicPeriod"/>
             </a:pPr>
             <a:r>
-              <a:rPr lang="zh-CN" altLang="en-US" sz="3200" dirty="0" smtClean="0">
+              <a:rPr lang="zh-CN" altLang="en-US" sz="3200" dirty="0">
                 <a:latin typeface="微软雅黑" panose="020B0503020204020204" pitchFamily="34" charset="-122"/>
                 <a:ea typeface="微软雅黑" panose="020B0503020204020204" pitchFamily="34" charset="-122"/>
               </a:rPr>
               <a:t>小组成员贡献</a:t>
             </a:r>
-            <a:endParaRPr lang="en-US" altLang="zh-CN" sz="3200" dirty="0" smtClean="0">
+            <a:endParaRPr lang="en-US" altLang="zh-CN" sz="3200" dirty="0">
               <a:latin typeface="微软雅黑" panose="020B0503020204020204" pitchFamily="34" charset="-122"/>
               <a:ea typeface="微软雅黑" panose="020B0503020204020204" pitchFamily="34" charset="-122"/>
             </a:endParaRPr>
@@ -12322,13 +12035,6 @@
   <p:transition spd="med">
     <p:pull/>
   </p:transition>
-  <p:timing>
-    <p:tnLst>
-      <p:par>
-        <p:cTn id="1" dur="indefinite" restart="never" nodeType="tmRoot"/>
-      </p:par>
-    </p:tnLst>
-  </p:timing>
 </p:sld>
 </file>
 
@@ -12365,18 +12071,11 @@
           <a:lstStyle/>
           <a:p>
             <a:r>
-              <a:rPr lang="zh-CN" altLang="en-US" sz="4400" dirty="0" smtClean="0">
-                <a:latin typeface="微软雅黑" panose="020B0503020204020204" pitchFamily="34" charset="-122"/>
-                <a:ea typeface="微软雅黑" panose="020B0503020204020204" pitchFamily="34" charset="-122"/>
-              </a:rPr>
-              <a:t>项目</a:t>
-            </a:r>
-            <a:r>
               <a:rPr lang="zh-CN" altLang="en-US" sz="4400" dirty="0">
                 <a:latin typeface="微软雅黑" panose="020B0503020204020204" pitchFamily="34" charset="-122"/>
                 <a:ea typeface="微软雅黑" panose="020B0503020204020204" pitchFamily="34" charset="-122"/>
               </a:rPr>
-              <a:t>说明</a:t>
+              <a:t>项目说明</a:t>
             </a:r>
             <a:endParaRPr lang="zh-CN" altLang="en-US" dirty="0"/>
           </a:p>
@@ -12403,163 +12102,96 @@
               <a:buNone/>
             </a:pPr>
             <a:r>
-              <a:rPr lang="en-US" altLang="zh-CN" sz="2400" dirty="0" smtClean="0">
+              <a:rPr lang="en-US" altLang="zh-CN" sz="2400" dirty="0">
                 <a:latin typeface="微软雅黑" panose="020B0503020204020204" pitchFamily="34" charset="-122"/>
                 <a:ea typeface="微软雅黑" panose="020B0503020204020204" pitchFamily="34" charset="-122"/>
               </a:rPr>
               <a:t>	</a:t>
             </a:r>
             <a:r>
-              <a:rPr lang="zh-CN" altLang="en-US" sz="2400" dirty="0" smtClean="0">
+              <a:rPr lang="zh-CN" altLang="en-US" sz="2400" dirty="0">
                 <a:latin typeface="微软雅黑" panose="020B0503020204020204" pitchFamily="34" charset="-122"/>
                 <a:ea typeface="微软雅黑" panose="020B0503020204020204" pitchFamily="34" charset="-122"/>
               </a:rPr>
               <a:t>本项目的目的是</a:t>
             </a:r>
             <a:r>
-              <a:rPr lang="zh-CN" altLang="zh-CN" sz="2400" dirty="0" smtClean="0">
+              <a:rPr lang="zh-CN" altLang="zh-CN" sz="2400" dirty="0">
                 <a:latin typeface="微软雅黑" panose="020B0503020204020204" pitchFamily="34" charset="-122"/>
                 <a:ea typeface="微软雅黑" panose="020B0503020204020204" pitchFamily="34" charset="-122"/>
               </a:rPr>
               <a:t>测量</a:t>
             </a:r>
             <a:r>
-              <a:rPr lang="zh-CN" altLang="en-US" sz="2400" dirty="0" smtClean="0">
+              <a:rPr lang="zh-CN" altLang="en-US" sz="2400" dirty="0">
                 <a:latin typeface="微软雅黑" panose="020B0503020204020204" pitchFamily="34" charset="-122"/>
                 <a:ea typeface="微软雅黑" panose="020B0503020204020204" pitchFamily="34" charset="-122"/>
               </a:rPr>
               <a:t>室外</a:t>
             </a:r>
             <a:r>
-              <a:rPr lang="zh-CN" altLang="zh-CN" sz="2400" dirty="0" smtClean="0">
-                <a:latin typeface="微软雅黑" panose="020B0503020204020204" pitchFamily="34" charset="-122"/>
-                <a:ea typeface="微软雅黑" panose="020B0503020204020204" pitchFamily="34" charset="-122"/>
-              </a:rPr>
-              <a:t>实时</a:t>
-            </a:r>
-            <a:r>
               <a:rPr lang="zh-CN" altLang="zh-CN" sz="2400" dirty="0">
                 <a:latin typeface="微软雅黑" panose="020B0503020204020204" pitchFamily="34" charset="-122"/>
                 <a:ea typeface="微软雅黑" panose="020B0503020204020204" pitchFamily="34" charset="-122"/>
               </a:rPr>
-              <a:t>温湿</a:t>
-            </a:r>
-            <a:r>
-              <a:rPr lang="zh-CN" altLang="zh-CN" sz="2400" dirty="0" smtClean="0">
-                <a:latin typeface="微软雅黑" panose="020B0503020204020204" pitchFamily="34" charset="-122"/>
-                <a:ea typeface="微软雅黑" panose="020B0503020204020204" pitchFamily="34" charset="-122"/>
-              </a:rPr>
-              <a:t>度</a:t>
-            </a:r>
-            <a:r>
-              <a:rPr lang="zh-CN" altLang="en-US" sz="2400" dirty="0" smtClean="0">
+              <a:t>实时温湿度</a:t>
+            </a:r>
+            <a:r>
+              <a:rPr lang="zh-CN" altLang="en-US" sz="2400" dirty="0">
                 <a:latin typeface="微软雅黑" panose="020B0503020204020204" pitchFamily="34" charset="-122"/>
                 <a:ea typeface="微软雅黑" panose="020B0503020204020204" pitchFamily="34" charset="-122"/>
               </a:rPr>
               <a:t>、</a:t>
             </a:r>
             <a:r>
-              <a:rPr lang="zh-CN" altLang="zh-CN" sz="2400" dirty="0" smtClean="0">
-                <a:latin typeface="微软雅黑" panose="020B0503020204020204" pitchFamily="34" charset="-122"/>
-                <a:ea typeface="微软雅黑" panose="020B0503020204020204" pitchFamily="34" charset="-122"/>
-              </a:rPr>
-              <a:t>风速</a:t>
-            </a:r>
-            <a:r>
               <a:rPr lang="zh-CN" altLang="zh-CN" sz="2400" dirty="0">
                 <a:latin typeface="微软雅黑" panose="020B0503020204020204" pitchFamily="34" charset="-122"/>
                 <a:ea typeface="微软雅黑" panose="020B0503020204020204" pitchFamily="34" charset="-122"/>
               </a:rPr>
-              <a:t>、风向</a:t>
-            </a:r>
-            <a:r>
-              <a:rPr lang="zh-CN" altLang="zh-CN" sz="2400" dirty="0" smtClean="0">
-                <a:latin typeface="微软雅黑" panose="020B0503020204020204" pitchFamily="34" charset="-122"/>
-                <a:ea typeface="微软雅黑" panose="020B0503020204020204" pitchFamily="34" charset="-122"/>
-              </a:rPr>
-              <a:t>，</a:t>
-            </a:r>
-            <a:r>
-              <a:rPr lang="zh-CN" altLang="en-US" sz="2400" dirty="0" smtClean="0">
-                <a:latin typeface="微软雅黑" panose="020B0503020204020204" pitchFamily="34" charset="-122"/>
-                <a:ea typeface="微软雅黑" panose="020B0503020204020204" pitchFamily="34" charset="-122"/>
-              </a:rPr>
-              <a:t>雨量、粉尘含量、紫外线强度并计算酷热指数，</a:t>
+              <a:t>风速、风向，</a:t>
             </a:r>
             <a:r>
               <a:rPr lang="zh-CN" altLang="en-US" sz="2400" dirty="0">
                 <a:latin typeface="微软雅黑" panose="020B0503020204020204" pitchFamily="34" charset="-122"/>
                 <a:ea typeface="微软雅黑" panose="020B0503020204020204" pitchFamily="34" charset="-122"/>
               </a:rPr>
-              <a:t>将会</a:t>
-            </a:r>
-            <a:r>
-              <a:rPr lang="zh-CN" altLang="zh-CN" sz="2400" dirty="0" smtClean="0">
-                <a:latin typeface="微软雅黑" panose="020B0503020204020204" pitchFamily="34" charset="-122"/>
-                <a:ea typeface="微软雅黑" panose="020B0503020204020204" pitchFamily="34" charset="-122"/>
-              </a:rPr>
-              <a:t>以</a:t>
+              <a:t>雨量、粉尘含量、紫外线强度并计算酷热指数，将会</a:t>
             </a:r>
             <a:r>
               <a:rPr lang="zh-CN" altLang="zh-CN" sz="2400" dirty="0">
                 <a:latin typeface="微软雅黑" panose="020B0503020204020204" pitchFamily="34" charset="-122"/>
                 <a:ea typeface="微软雅黑" panose="020B0503020204020204" pitchFamily="34" charset="-122"/>
               </a:rPr>
-              <a:t>统计图的</a:t>
-            </a:r>
-            <a:r>
-              <a:rPr lang="zh-CN" altLang="zh-CN" sz="2400" dirty="0" smtClean="0">
-                <a:latin typeface="微软雅黑" panose="020B0503020204020204" pitchFamily="34" charset="-122"/>
-                <a:ea typeface="微软雅黑" panose="020B0503020204020204" pitchFamily="34" charset="-122"/>
-              </a:rPr>
-              <a:t>形式</a:t>
-            </a:r>
-            <a:r>
-              <a:rPr lang="zh-CN" altLang="en-US" sz="2400" dirty="0" smtClean="0">
-                <a:latin typeface="微软雅黑" panose="020B0503020204020204" pitchFamily="34" charset="-122"/>
-                <a:ea typeface="微软雅黑" panose="020B0503020204020204" pitchFamily="34" charset="-122"/>
-              </a:rPr>
-              <a:t>呈现</a:t>
+              <a:t>以统计图的形式</a:t>
             </a:r>
             <a:r>
               <a:rPr lang="zh-CN" altLang="en-US" sz="2400" dirty="0">
                 <a:latin typeface="微软雅黑" panose="020B0503020204020204" pitchFamily="34" charset="-122"/>
                 <a:ea typeface="微软雅黑" panose="020B0503020204020204" pitchFamily="34" charset="-122"/>
               </a:rPr>
-              <a:t>历史</a:t>
-            </a:r>
-            <a:r>
-              <a:rPr lang="zh-CN" altLang="en-US" sz="2400" dirty="0" smtClean="0">
-                <a:latin typeface="微软雅黑" panose="020B0503020204020204" pitchFamily="34" charset="-122"/>
-                <a:ea typeface="微软雅黑" panose="020B0503020204020204" pitchFamily="34" charset="-122"/>
-              </a:rPr>
-              <a:t>数据，并实现出行推荐</a:t>
-            </a:r>
-            <a:r>
-              <a:rPr lang="zh-CN" altLang="zh-CN" sz="2400" dirty="0" smtClean="0">
+              <a:t>呈现历史数据，并实现出行推荐</a:t>
+            </a:r>
+            <a:r>
+              <a:rPr lang="zh-CN" altLang="zh-CN" sz="2400" dirty="0">
                 <a:latin typeface="微软雅黑" panose="020B0503020204020204" pitchFamily="34" charset="-122"/>
                 <a:ea typeface="微软雅黑" panose="020B0503020204020204" pitchFamily="34" charset="-122"/>
               </a:rPr>
               <a:t>。</a:t>
             </a:r>
             <a:r>
-              <a:rPr lang="zh-CN" altLang="en-US" sz="2400" dirty="0" smtClean="0">
+              <a:rPr lang="zh-CN" altLang="en-US" sz="2400" dirty="0">
                 <a:latin typeface="微软雅黑" panose="020B0503020204020204" pitchFamily="34" charset="-122"/>
                 <a:ea typeface="微软雅黑" panose="020B0503020204020204" pitchFamily="34" charset="-122"/>
               </a:rPr>
               <a:t>在未来可能会关联多个测量点对一片固定的区域进行采样测量。</a:t>
             </a:r>
             <a:r>
-              <a:rPr lang="en-US" altLang="zh-CN" sz="2400" dirty="0" smtClean="0">
+              <a:rPr lang="en-US" altLang="zh-CN" sz="2400" dirty="0">
                 <a:latin typeface="微软雅黑" panose="020B0503020204020204" pitchFamily="34" charset="-122"/>
                 <a:ea typeface="微软雅黑" panose="020B0503020204020204" pitchFamily="34" charset="-122"/>
               </a:rPr>
               <a:t>	</a:t>
             </a:r>
-            <a:endParaRPr lang="en-US" altLang="zh-CN" sz="2400" dirty="0" smtClean="0">
-              <a:latin typeface="微软雅黑" panose="020B0503020204020204" pitchFamily="34" charset="-122"/>
-              <a:ea typeface="微软雅黑" panose="020B0503020204020204" pitchFamily="34" charset="-122"/>
-            </a:endParaRPr>
           </a:p>
           <a:p>
             <a:pPr marL="0" indent="0">
@@ -12572,10 +12204,6 @@
               </a:rPr>
               <a:t>	</a:t>
             </a:r>
-            <a:endParaRPr lang="en-US" altLang="zh-CN" sz="2400" dirty="0" smtClean="0">
-              <a:latin typeface="微软雅黑" panose="020B0503020204020204" pitchFamily="34" charset="-122"/>
-              <a:ea typeface="微软雅黑" panose="020B0503020204020204" pitchFamily="34" charset="-122"/>
-            </a:endParaRPr>
           </a:p>
           <a:p>
             <a:pPr marL="0" indent="0">
@@ -12588,10 +12216,6 @@
               </a:rPr>
               <a:t>	</a:t>
             </a:r>
-            <a:endParaRPr lang="en-US" altLang="zh-CN" sz="2400" dirty="0" smtClean="0">
-              <a:latin typeface="微软雅黑" panose="020B0503020204020204" pitchFamily="34" charset="-122"/>
-              <a:ea typeface="微软雅黑" panose="020B0503020204020204" pitchFamily="34" charset="-122"/>
-            </a:endParaRPr>
           </a:p>
           <a:p>
             <a:pPr marL="0" indent="0">
@@ -12606,7 +12230,7 @@
             <a:pPr marL="0" indent="0">
               <a:buNone/>
             </a:pPr>
-            <a:endParaRPr lang="en-US" altLang="zh-CN" sz="2400" dirty="0" smtClean="0">
+            <a:endParaRPr lang="en-US" altLang="zh-CN" sz="2400" dirty="0">
               <a:latin typeface="微软雅黑" panose="020B0503020204020204" pitchFamily="34" charset="-122"/>
               <a:ea typeface="微软雅黑" panose="020B0503020204020204" pitchFamily="34" charset="-122"/>
             </a:endParaRPr>
@@ -12623,35 +12247,21 @@
               <a:t>	</a:t>
             </a:r>
             <a:r>
-              <a:rPr lang="zh-CN" altLang="en-US" sz="2400" dirty="0" smtClean="0">
-                <a:latin typeface="微软雅黑" panose="020B0503020204020204" pitchFamily="34" charset="-122"/>
-                <a:ea typeface="微软雅黑" panose="020B0503020204020204" pitchFamily="34" charset="-122"/>
-              </a:rPr>
-              <a:t>本项目采用瀑布型软件生存周期。软件开发阶段为可行性</a:t>
-            </a:r>
-            <a:r>
               <a:rPr lang="zh-CN" altLang="en-US" sz="2400" dirty="0">
                 <a:latin typeface="微软雅黑" panose="020B0503020204020204" pitchFamily="34" charset="-122"/>
                 <a:ea typeface="微软雅黑" panose="020B0503020204020204" pitchFamily="34" charset="-122"/>
               </a:rPr>
-              <a:t>研究与</a:t>
-            </a:r>
-            <a:r>
-              <a:rPr lang="zh-CN" altLang="en-US" sz="2400" dirty="0" smtClean="0">
-                <a:latin typeface="微软雅黑" panose="020B0503020204020204" pitchFamily="34" charset="-122"/>
-                <a:ea typeface="微软雅黑" panose="020B0503020204020204" pitchFamily="34" charset="-122"/>
-              </a:rPr>
-              <a:t>计划、软件需求分析、概要设计、详细设计、软件实现、测试验证和维护、编写说明书。</a:t>
-            </a:r>
-            <a:r>
-              <a:rPr lang="en-US" altLang="zh-CN" sz="2400" baseline="30000" dirty="0" smtClean="0">
+              <a:t>本项目采用瀑布型软件生存周期。软件开发阶段为可行性研究与计划、软件需求分析、概要设计、详细设计、软件实现、测试验证和维护、编写说明书。</a:t>
+            </a:r>
+            <a:r>
+              <a:rPr lang="en-US" altLang="zh-CN" sz="2400" baseline="30000" dirty="0">
                 <a:latin typeface="微软雅黑" panose="020B0503020204020204" pitchFamily="34" charset="-122"/>
                 <a:ea typeface="微软雅黑" panose="020B0503020204020204" pitchFamily="34" charset="-122"/>
                 <a:hlinkClick r:id="rId3" action="ppaction://hlinksldjump"/>
               </a:rPr>
               <a:t>【1】</a:t>
             </a:r>
-            <a:endParaRPr lang="en-US" altLang="zh-CN" sz="2400" baseline="30000" dirty="0" smtClean="0">
+            <a:endParaRPr lang="en-US" altLang="zh-CN" sz="2400" baseline="30000" dirty="0">
               <a:latin typeface="微软雅黑" panose="020B0503020204020204" pitchFamily="34" charset="-122"/>
               <a:ea typeface="微软雅黑" panose="020B0503020204020204" pitchFamily="34" charset="-122"/>
             </a:endParaRPr>
@@ -12703,13 +12313,6 @@
   <p:transition spd="med">
     <p:pull/>
   </p:transition>
-  <p:timing>
-    <p:tnLst>
-      <p:par>
-        <p:cTn id="1" dur="indefinite" restart="never" nodeType="tmRoot"/>
-      </p:par>
-    </p:tnLst>
-  </p:timing>
 </p:sld>
 </file>
 
@@ -12746,7 +12349,7 @@
           <a:lstStyle/>
           <a:p>
             <a:r>
-              <a:rPr lang="zh-CN" altLang="en-US" sz="4400" dirty="0" smtClean="0">
+              <a:rPr lang="zh-CN" altLang="en-US" sz="4400" dirty="0">
                 <a:latin typeface="微软雅黑" panose="020B0503020204020204" pitchFamily="34" charset="-122"/>
                 <a:ea typeface="微软雅黑" panose="020B0503020204020204" pitchFamily="34" charset="-122"/>
               </a:rPr>
@@ -12777,18 +12380,11 @@
               <a:buNone/>
             </a:pPr>
             <a:r>
-              <a:rPr lang="en-US" altLang="zh-CN" sz="2400" dirty="0" smtClean="0">
-                <a:latin typeface="微软雅黑" panose="020B0503020204020204" pitchFamily="34" charset="-122"/>
-                <a:ea typeface="微软雅黑" panose="020B0503020204020204" pitchFamily="34" charset="-122"/>
-              </a:rPr>
-              <a:t>	</a:t>
-            </a:r>
-            <a:r>
-              <a:rPr lang="en-US" altLang="zh-CN" sz="2400" dirty="0" smtClean="0">
-                <a:latin typeface="微软雅黑" panose="020B0503020204020204" pitchFamily="34" charset="-122"/>
-                <a:ea typeface="微软雅黑" panose="020B0503020204020204" pitchFamily="34" charset="-122"/>
-              </a:rPr>
-              <a:t>-</a:t>
+              <a:rPr lang="en-US" altLang="zh-CN" sz="2400" dirty="0">
+                <a:latin typeface="微软雅黑" panose="020B0503020204020204" pitchFamily="34" charset="-122"/>
+                <a:ea typeface="微软雅黑" panose="020B0503020204020204" pitchFamily="34" charset="-122"/>
+              </a:rPr>
+              <a:t>	-</a:t>
             </a:r>
             <a:r>
               <a:rPr lang="zh-CN" altLang="en-US" sz="2400" dirty="0">
@@ -12809,17 +12405,10 @@
                 <a:latin typeface="微软雅黑" panose="020B0503020204020204" pitchFamily="34" charset="-122"/>
                 <a:ea typeface="微软雅黑" panose="020B0503020204020204" pitchFamily="34" charset="-122"/>
               </a:rPr>
-              <a:t>一个四季，所以出门前最好能了解户外的</a:t>
-            </a:r>
-            <a:r>
-              <a:rPr lang="zh-CN" altLang="en-US" sz="2400" dirty="0" smtClean="0">
-                <a:latin typeface="微软雅黑" panose="020B0503020204020204" pitchFamily="34" charset="-122"/>
-                <a:ea typeface="微软雅黑" panose="020B0503020204020204" pitchFamily="34" charset="-122"/>
-              </a:rPr>
-              <a:t>气候</a:t>
-            </a:r>
-            <a:r>
-              <a:rPr lang="en-US" altLang="zh-CN" sz="2400" dirty="0" smtClean="0">
+              <a:t>一个四季，所以出门前最好能了解户外的气候</a:t>
+            </a:r>
+            <a:r>
+              <a:rPr lang="en-US" altLang="zh-CN" sz="2400" dirty="0">
                 <a:latin typeface="微软雅黑" panose="020B0503020204020204" pitchFamily="34" charset="-122"/>
                 <a:ea typeface="微软雅黑" panose="020B0503020204020204" pitchFamily="34" charset="-122"/>
               </a:rPr>
@@ -12831,90 +12420,46 @@
               <a:buNone/>
             </a:pPr>
             <a:r>
-              <a:rPr lang="en-US" altLang="zh-CN" sz="2400" dirty="0" smtClean="0">
+              <a:rPr lang="en-US" altLang="zh-CN" sz="2400" dirty="0">
                 <a:latin typeface="微软雅黑" panose="020B0503020204020204" pitchFamily="34" charset="-122"/>
                 <a:ea typeface="微软雅黑" panose="020B0503020204020204" pitchFamily="34" charset="-122"/>
               </a:rPr>
               <a:t>	-</a:t>
             </a:r>
             <a:r>
-              <a:rPr lang="zh-CN" altLang="en-US" sz="2400" dirty="0" smtClean="0">
+              <a:rPr lang="zh-CN" altLang="en-US" sz="2400" dirty="0">
                 <a:latin typeface="微软雅黑" panose="020B0503020204020204" pitchFamily="34" charset="-122"/>
                 <a:ea typeface="微软雅黑" panose="020B0503020204020204" pitchFamily="34" charset="-122"/>
               </a:rPr>
               <a:t>杭州由于种种因素常常会有雾霾天气，但是通过天气预报我</a:t>
             </a:r>
             <a:r>
-              <a:rPr lang="en-US" altLang="zh-CN" sz="2400" dirty="0" smtClean="0">
+              <a:rPr lang="en-US" altLang="zh-CN" sz="2400" dirty="0">
                 <a:latin typeface="微软雅黑" panose="020B0503020204020204" pitchFamily="34" charset="-122"/>
                 <a:ea typeface="微软雅黑" panose="020B0503020204020204" pitchFamily="34" charset="-122"/>
               </a:rPr>
               <a:t>	 	 </a:t>
             </a:r>
             <a:r>
-              <a:rPr lang="zh-CN" altLang="en-US" sz="2400" dirty="0" smtClean="0">
+              <a:rPr lang="zh-CN" altLang="en-US" sz="2400" dirty="0">
                 <a:latin typeface="微软雅黑" panose="020B0503020204020204" pitchFamily="34" charset="-122"/>
                 <a:ea typeface="微软雅黑" panose="020B0503020204020204" pitchFamily="34" charset="-122"/>
               </a:rPr>
               <a:t>们只能知道较大范围的</a:t>
             </a:r>
             <a:r>
-              <a:rPr lang="en-US" altLang="zh-CN" sz="2400" dirty="0" smtClean="0">
+              <a:rPr lang="en-US" altLang="zh-CN" sz="2400" dirty="0">
                 <a:latin typeface="微软雅黑" panose="020B0503020204020204" pitchFamily="34" charset="-122"/>
                 <a:ea typeface="微软雅黑" panose="020B0503020204020204" pitchFamily="34" charset="-122"/>
               </a:rPr>
               <a:t>API</a:t>
             </a:r>
             <a:r>
-              <a:rPr lang="zh-CN" altLang="en-US" sz="2400" dirty="0" smtClean="0">
+              <a:rPr lang="zh-CN" altLang="en-US" sz="2400" dirty="0">
                 <a:latin typeface="微软雅黑" panose="020B0503020204020204" pitchFamily="34" charset="-122"/>
                 <a:ea typeface="微软雅黑" panose="020B0503020204020204" pitchFamily="34" charset="-122"/>
               </a:rPr>
               <a:t>，无法得知身边的空气污染指数</a:t>
-            </a:r>
-            <a:endParaRPr lang="en-US" altLang="zh-CN" sz="2400" dirty="0" smtClean="0">
-              <a:latin typeface="微软雅黑" panose="020B0503020204020204" pitchFamily="34" charset="-122"/>
-              <a:ea typeface="微软雅黑" panose="020B0503020204020204" pitchFamily="34" charset="-122"/>
-            </a:endParaRPr>
-          </a:p>
-          <a:p>
-            <a:pPr marL="0" indent="0">
-              <a:buNone/>
-            </a:pPr>
-            <a:r>
-              <a:rPr lang="en-US" altLang="zh-CN" sz="2400" dirty="0" smtClean="0">
-                <a:latin typeface="微软雅黑" panose="020B0503020204020204" pitchFamily="34" charset="-122"/>
-                <a:ea typeface="微软雅黑" panose="020B0503020204020204" pitchFamily="34" charset="-122"/>
-              </a:rPr>
-              <a:t>	-</a:t>
-            </a:r>
-            <a:r>
-              <a:rPr lang="zh-CN" altLang="en-US" sz="2400" dirty="0">
-                <a:latin typeface="微软雅黑" panose="020B0503020204020204" pitchFamily="34" charset="-122"/>
-                <a:ea typeface="微软雅黑" panose="020B0503020204020204" pitchFamily="34" charset="-122"/>
-              </a:rPr>
-              <a:t>温湿</a:t>
-            </a:r>
-            <a:r>
-              <a:rPr lang="zh-CN" altLang="en-US" sz="2400" dirty="0" smtClean="0">
-                <a:latin typeface="微软雅黑" panose="020B0503020204020204" pitchFamily="34" charset="-122"/>
-                <a:ea typeface="微软雅黑" panose="020B0503020204020204" pitchFamily="34" charset="-122"/>
-              </a:rPr>
-              <a:t>度这一类的东西我们能够感受的到，但是我们并不能感</a:t>
-            </a:r>
-            <a:r>
-              <a:rPr lang="en-US" altLang="zh-CN" sz="2400" dirty="0" smtClean="0">
-                <a:latin typeface="微软雅黑" panose="020B0503020204020204" pitchFamily="34" charset="-122"/>
-                <a:ea typeface="微软雅黑" panose="020B0503020204020204" pitchFamily="34" charset="-122"/>
-              </a:rPr>
-              <a:t>	 	 </a:t>
-            </a:r>
-            <a:r>
-              <a:rPr lang="zh-CN" altLang="en-US" sz="2400" dirty="0" smtClean="0">
-                <a:latin typeface="微软雅黑" panose="020B0503020204020204" pitchFamily="34" charset="-122"/>
-                <a:ea typeface="微软雅黑" panose="020B0503020204020204" pitchFamily="34" charset="-122"/>
-              </a:rPr>
-              <a:t>知辐射，我们需要知道出门是否要做一些措施</a:t>
             </a:r>
             <a:endParaRPr lang="en-US" altLang="zh-CN" sz="2400" dirty="0">
               <a:latin typeface="微软雅黑" panose="020B0503020204020204" pitchFamily="34" charset="-122"/>
@@ -12926,20 +12471,34 @@
               <a:buNone/>
             </a:pPr>
             <a:r>
-              <a:rPr lang="en-US" altLang="zh-CN" sz="2400" dirty="0" smtClean="0">
+              <a:rPr lang="en-US" altLang="zh-CN" sz="2400" dirty="0">
                 <a:latin typeface="微软雅黑" panose="020B0503020204020204" pitchFamily="34" charset="-122"/>
                 <a:ea typeface="微软雅黑" panose="020B0503020204020204" pitchFamily="34" charset="-122"/>
               </a:rPr>
               <a:t>	-</a:t>
             </a:r>
             <a:r>
-              <a:rPr lang="zh-CN" altLang="en-US" sz="2400" dirty="0" smtClean="0">
-                <a:latin typeface="微软雅黑" panose="020B0503020204020204" pitchFamily="34" charset="-122"/>
-                <a:ea typeface="微软雅黑" panose="020B0503020204020204" pitchFamily="34" charset="-122"/>
-              </a:rPr>
-              <a:t>有的时候温度并不高，但是身处户外的时候会感觉额外闷热，</a:t>
-            </a:r>
-            <a:endParaRPr lang="en-US" altLang="zh-CN" sz="2400" dirty="0" smtClean="0">
+              <a:rPr lang="zh-CN" altLang="en-US" sz="2400" dirty="0">
+                <a:latin typeface="微软雅黑" panose="020B0503020204020204" pitchFamily="34" charset="-122"/>
+                <a:ea typeface="微软雅黑" panose="020B0503020204020204" pitchFamily="34" charset="-122"/>
+              </a:rPr>
+              <a:t>温湿度这一类的东西我们能够感受的到，但是我们并不能感</a:t>
+            </a:r>
+            <a:r>
+              <a:rPr lang="en-US" altLang="zh-CN" sz="2400" dirty="0">
+                <a:latin typeface="微软雅黑" panose="020B0503020204020204" pitchFamily="34" charset="-122"/>
+                <a:ea typeface="微软雅黑" panose="020B0503020204020204" pitchFamily="34" charset="-122"/>
+              </a:rPr>
+              <a:t>	 	 </a:t>
+            </a:r>
+            <a:r>
+              <a:rPr lang="zh-CN" altLang="en-US" sz="2400" dirty="0">
+                <a:latin typeface="微软雅黑" panose="020B0503020204020204" pitchFamily="34" charset="-122"/>
+                <a:ea typeface="微软雅黑" panose="020B0503020204020204" pitchFamily="34" charset="-122"/>
+              </a:rPr>
+              <a:t>知辐射，我们需要知道出门是否要做一些措施</a:t>
+            </a:r>
+            <a:endParaRPr lang="en-US" altLang="zh-CN" sz="2400" dirty="0">
               <a:latin typeface="微软雅黑" panose="020B0503020204020204" pitchFamily="34" charset="-122"/>
               <a:ea typeface="微软雅黑" panose="020B0503020204020204" pitchFamily="34" charset="-122"/>
             </a:endParaRPr>
@@ -12949,30 +12508,42 @@
               <a:buNone/>
             </a:pPr>
             <a:r>
-              <a:rPr lang="en-US" altLang="zh-CN" sz="2400" dirty="0" smtClean="0">
-                <a:latin typeface="微软雅黑" panose="020B0503020204020204" pitchFamily="34" charset="-122"/>
-                <a:ea typeface="微软雅黑" panose="020B0503020204020204" pitchFamily="34" charset="-122"/>
-              </a:rPr>
-              <a:t>	 </a:t>
+              <a:rPr lang="en-US" altLang="zh-CN" sz="2400" dirty="0">
+                <a:latin typeface="微软雅黑" panose="020B0503020204020204" pitchFamily="34" charset="-122"/>
+                <a:ea typeface="微软雅黑" panose="020B0503020204020204" pitchFamily="34" charset="-122"/>
+              </a:rPr>
+              <a:t>	-</a:t>
             </a:r>
             <a:r>
               <a:rPr lang="zh-CN" altLang="en-US" sz="2400" dirty="0">
                 <a:latin typeface="微软雅黑" panose="020B0503020204020204" pitchFamily="34" charset="-122"/>
                 <a:ea typeface="微软雅黑" panose="020B0503020204020204" pitchFamily="34" charset="-122"/>
               </a:rPr>
-              <a:t>在出</a:t>
-            </a:r>
-            <a:r>
-              <a:rPr lang="zh-CN" altLang="en-US" sz="2400" dirty="0" smtClean="0">
-                <a:latin typeface="微软雅黑" panose="020B0503020204020204" pitchFamily="34" charset="-122"/>
-                <a:ea typeface="微软雅黑" panose="020B0503020204020204" pitchFamily="34" charset="-122"/>
-              </a:rPr>
-              <a:t>门前我们需要一些建议</a:t>
-            </a:r>
-            <a:endParaRPr lang="zh-CN" altLang="en-US" sz="2400" dirty="0">
+              <a:t>有的时候温度并不高，但是身处户外的时候会感觉额外闷热，</a:t>
+            </a:r>
+            <a:endParaRPr lang="en-US" altLang="zh-CN" sz="2400" dirty="0">
               <a:latin typeface="微软雅黑" panose="020B0503020204020204" pitchFamily="34" charset="-122"/>
               <a:ea typeface="微软雅黑" panose="020B0503020204020204" pitchFamily="34" charset="-122"/>
             </a:endParaRPr>
+          </a:p>
+          <a:p>
+            <a:pPr marL="0" indent="0">
+              <a:buNone/>
+            </a:pPr>
+            <a:r>
+              <a:rPr lang="en-US" altLang="zh-CN" sz="2400" dirty="0">
+                <a:latin typeface="微软雅黑" panose="020B0503020204020204" pitchFamily="34" charset="-122"/>
+                <a:ea typeface="微软雅黑" panose="020B0503020204020204" pitchFamily="34" charset="-122"/>
+              </a:rPr>
+              <a:t>	 </a:t>
+            </a:r>
+            <a:r>
+              <a:rPr lang="zh-CN" altLang="en-US" sz="2400" dirty="0">
+                <a:latin typeface="微软雅黑" panose="020B0503020204020204" pitchFamily="34" charset="-122"/>
+                <a:ea typeface="微软雅黑" panose="020B0503020204020204" pitchFamily="34" charset="-122"/>
+              </a:rPr>
+              <a:t>在出门前我们需要一些建议</a:t>
+            </a:r>
           </a:p>
         </p:txBody>
       </p:sp>
@@ -13021,13 +12592,6 @@
   <p:transition spd="med">
     <p:pull/>
   </p:transition>
-  <p:timing>
-    <p:tnLst>
-      <p:par>
-        <p:cTn id="1" dur="indefinite" restart="never" nodeType="tmRoot"/>
-      </p:par>
-    </p:tnLst>
-  </p:timing>
 </p:sld>
 </file>
 
@@ -13070,13 +12634,6 @@
               </a:rPr>
               <a:t>适用人群</a:t>
             </a:r>
-            <a:r>
-              <a:rPr lang="en-US" altLang="zh-CN" sz="4400" dirty="0">
-                <a:latin typeface="微软雅黑" panose="020B0503020204020204" pitchFamily="34" charset="-122"/>
-                <a:ea typeface="微软雅黑" panose="020B0503020204020204" pitchFamily="34" charset="-122"/>
-              </a:rPr>
-              <a:t/>
-            </a:r>
             <a:br>
               <a:rPr lang="en-US" altLang="zh-CN" sz="4400" dirty="0">
                 <a:latin typeface="微软雅黑" panose="020B0503020204020204" pitchFamily="34" charset="-122"/>
@@ -13108,28 +12665,21 @@
               <a:buNone/>
             </a:pPr>
             <a:r>
-              <a:rPr lang="en-US" altLang="zh-CN" sz="2400" dirty="0" smtClean="0">
+              <a:rPr lang="en-US" altLang="zh-CN" sz="2400" dirty="0">
                 <a:latin typeface="微软雅黑" panose="020B0503020204020204" pitchFamily="34" charset="-122"/>
                 <a:ea typeface="微软雅黑" panose="020B0503020204020204" pitchFamily="34" charset="-122"/>
               </a:rPr>
               <a:t>	</a:t>
             </a:r>
             <a:r>
-              <a:rPr lang="zh-CN" altLang="en-US" sz="2400" dirty="0" smtClean="0">
-                <a:latin typeface="微软雅黑" panose="020B0503020204020204" pitchFamily="34" charset="-122"/>
-                <a:ea typeface="微软雅黑" panose="020B0503020204020204" pitchFamily="34" charset="-122"/>
-              </a:rPr>
-              <a:t>本项目</a:t>
-            </a:r>
-            <a:r>
-              <a:rPr lang="zh-CN" altLang="en-US" sz="2400" dirty="0" smtClean="0">
-                <a:latin typeface="微软雅黑" panose="020B0503020204020204" pitchFamily="34" charset="-122"/>
-                <a:ea typeface="微软雅黑" panose="020B0503020204020204" pitchFamily="34" charset="-122"/>
-              </a:rPr>
-              <a:t>适用于学生白领以及农业种植户，支持二次开发，我们会把</a:t>
-            </a:r>
-            <a:r>
-              <a:rPr lang="en-US" altLang="zh-CN" sz="2400" dirty="0" smtClean="0">
+              <a:rPr lang="zh-CN" altLang="en-US" sz="2400" dirty="0">
+                <a:latin typeface="微软雅黑" panose="020B0503020204020204" pitchFamily="34" charset="-122"/>
+                <a:ea typeface="微软雅黑" panose="020B0503020204020204" pitchFamily="34" charset="-122"/>
+              </a:rPr>
+              <a:t>本项目适用于学生白领以及农业种植户，支持二次开发，我们会把</a:t>
+            </a:r>
+            <a:r>
+              <a:rPr lang="en-US" altLang="zh-CN" sz="2400" dirty="0">
                 <a:latin typeface="微软雅黑" panose="020B0503020204020204" pitchFamily="34" charset="-122"/>
                 <a:ea typeface="微软雅黑" panose="020B0503020204020204" pitchFamily="34" charset="-122"/>
               </a:rPr>
@@ -13140,33 +12690,22 @@
                 <a:latin typeface="微软雅黑" panose="020B0503020204020204" pitchFamily="34" charset="-122"/>
                 <a:ea typeface="微软雅黑" panose="020B0503020204020204" pitchFamily="34" charset="-122"/>
               </a:rPr>
-              <a:t>写</a:t>
-            </a:r>
-            <a:r>
-              <a:rPr lang="zh-CN" altLang="en-US" sz="2400" dirty="0" smtClean="0">
-                <a:latin typeface="微软雅黑" panose="020B0503020204020204" pitchFamily="34" charset="-122"/>
-                <a:ea typeface="微软雅黑" panose="020B0503020204020204" pitchFamily="34" charset="-122"/>
-              </a:rPr>
-              <a:t>在</a:t>
-            </a:r>
-            <a:r>
-              <a:rPr lang="en-US" altLang="zh-CN" sz="2400" dirty="0" smtClean="0">
+              <a:t>写在</a:t>
+            </a:r>
+            <a:r>
+              <a:rPr lang="en-US" altLang="zh-CN" sz="2400" dirty="0">
                 <a:latin typeface="微软雅黑" panose="020B0503020204020204" pitchFamily="34" charset="-122"/>
                 <a:ea typeface="微软雅黑" panose="020B0503020204020204" pitchFamily="34" charset="-122"/>
               </a:rPr>
               <a:t>FAQ</a:t>
             </a:r>
             <a:r>
-              <a:rPr lang="zh-CN" altLang="en-US" sz="2400" dirty="0" smtClean="0">
+              <a:rPr lang="zh-CN" altLang="en-US" sz="2400" dirty="0">
                 <a:latin typeface="微软雅黑" panose="020B0503020204020204" pitchFamily="34" charset="-122"/>
                 <a:ea typeface="微软雅黑" panose="020B0503020204020204" pitchFamily="34" charset="-122"/>
               </a:rPr>
               <a:t>文档中，该文档将随着项目的进行而不断更新。</a:t>
             </a:r>
-            <a:endParaRPr lang="zh-CN" altLang="en-US" sz="2400" dirty="0">
-              <a:latin typeface="微软雅黑" panose="020B0503020204020204" pitchFamily="34" charset="-122"/>
-              <a:ea typeface="微软雅黑" panose="020B0503020204020204" pitchFamily="34" charset="-122"/>
-            </a:endParaRPr>
           </a:p>
         </p:txBody>
       </p:sp>
@@ -13215,13 +12754,6 @@
   <p:transition spd="med">
     <p:pull/>
   </p:transition>
-  <p:timing>
-    <p:tnLst>
-      <p:par>
-        <p:cTn id="1" dur="indefinite" restart="never" nodeType="tmRoot"/>
-      </p:par>
-    </p:tnLst>
-  </p:timing>
 </p:sld>
 </file>
 
@@ -13258,7 +12790,7 @@
           <a:lstStyle/>
           <a:p>
             <a:r>
-              <a:rPr lang="zh-CN" altLang="en-US" sz="4400" dirty="0" smtClean="0">
+              <a:rPr lang="zh-CN" altLang="en-US" sz="4400" dirty="0">
                 <a:latin typeface="微软雅黑" panose="020B0503020204020204" pitchFamily="34" charset="-122"/>
                 <a:ea typeface="微软雅黑" panose="020B0503020204020204" pitchFamily="34" charset="-122"/>
               </a:rPr>
@@ -13293,65 +12825,58 @@
                 <a:latin typeface="微软雅黑" panose="020B0503020204020204" pitchFamily="34" charset="-122"/>
                 <a:ea typeface="微软雅黑" panose="020B0503020204020204" pitchFamily="34" charset="-122"/>
               </a:rPr>
-              <a:t> </a:t>
-            </a:r>
-            <a:r>
-              <a:rPr lang="en-US" altLang="zh-CN" sz="2400" dirty="0" smtClean="0">
-                <a:latin typeface="微软雅黑" panose="020B0503020204020204" pitchFamily="34" charset="-122"/>
-                <a:ea typeface="微软雅黑" panose="020B0503020204020204" pitchFamily="34" charset="-122"/>
-              </a:rPr>
-              <a:t>      </a:t>
-            </a:r>
-            <a:r>
-              <a:rPr lang="zh-CN" altLang="en-US" sz="2400" dirty="0" smtClean="0">
+              <a:t>       </a:t>
+            </a:r>
+            <a:r>
+              <a:rPr lang="zh-CN" altLang="en-US" sz="2400" dirty="0">
                 <a:latin typeface="微软雅黑" panose="020B0503020204020204" pitchFamily="34" charset="-122"/>
                 <a:ea typeface="微软雅黑" panose="020B0503020204020204" pitchFamily="34" charset="-122"/>
               </a:rPr>
               <a:t>通过对现有系统进行研究，我们发现我们的项目是具有可行性的，以</a:t>
             </a:r>
             <a:r>
-              <a:rPr lang="en-US" altLang="zh-CN" sz="2400" dirty="0" err="1" smtClean="0">
+              <a:rPr lang="en-US" altLang="zh-CN" sz="2400" dirty="0" err="1">
                 <a:latin typeface="微软雅黑" panose="020B0503020204020204" pitchFamily="34" charset="-122"/>
                 <a:ea typeface="微软雅黑" panose="020B0503020204020204" pitchFamily="34" charset="-122"/>
               </a:rPr>
               <a:t>ArduinoYun</a:t>
             </a:r>
             <a:r>
-              <a:rPr lang="zh-CN" altLang="en-US" sz="2400" dirty="0" smtClean="0">
+              <a:rPr lang="zh-CN" altLang="en-US" sz="2400" dirty="0">
                 <a:latin typeface="微软雅黑" panose="020B0503020204020204" pitchFamily="34" charset="-122"/>
                 <a:ea typeface="微软雅黑" panose="020B0503020204020204" pitchFamily="34" charset="-122"/>
               </a:rPr>
               <a:t>为核心连接多种传感器，自动上传收集数据，</a:t>
             </a:r>
             <a:r>
-              <a:rPr lang="en-US" altLang="zh-CN" sz="2400" dirty="0" smtClean="0">
+              <a:rPr lang="en-US" altLang="zh-CN" sz="2400" dirty="0">
                 <a:latin typeface="微软雅黑" panose="020B0503020204020204" pitchFamily="34" charset="-122"/>
                 <a:ea typeface="微软雅黑" panose="020B0503020204020204" pitchFamily="34" charset="-122"/>
               </a:rPr>
               <a:t>Android</a:t>
             </a:r>
             <a:r>
-              <a:rPr lang="zh-CN" altLang="en-US" sz="2400" dirty="0" smtClean="0">
+              <a:rPr lang="zh-CN" altLang="en-US" sz="2400" dirty="0">
                 <a:latin typeface="微软雅黑" panose="020B0503020204020204" pitchFamily="34" charset="-122"/>
                 <a:ea typeface="微软雅黑" panose="020B0503020204020204" pitchFamily="34" charset="-122"/>
               </a:rPr>
               <a:t>通过访问</a:t>
             </a:r>
             <a:r>
-              <a:rPr lang="en-US" altLang="zh-CN" sz="2400" dirty="0" err="1" smtClean="0">
+              <a:rPr lang="en-US" altLang="zh-CN" sz="2400" dirty="0" err="1">
                 <a:latin typeface="微软雅黑" panose="020B0503020204020204" pitchFamily="34" charset="-122"/>
                 <a:ea typeface="微软雅黑" panose="020B0503020204020204" pitchFamily="34" charset="-122"/>
               </a:rPr>
               <a:t>Thingworx</a:t>
             </a:r>
             <a:r>
-              <a:rPr lang="zh-CN" altLang="en-US" sz="2400" dirty="0" smtClean="0">
+              <a:rPr lang="zh-CN" altLang="en-US" sz="2400" dirty="0">
                 <a:latin typeface="微软雅黑" panose="020B0503020204020204" pitchFamily="34" charset="-122"/>
                 <a:ea typeface="微软雅黑" panose="020B0503020204020204" pitchFamily="34" charset="-122"/>
               </a:rPr>
               <a:t>获取数据，并在本机进行处理，给出出行建议</a:t>
             </a:r>
-            <a:endParaRPr lang="en-US" altLang="zh-CN" sz="2400" dirty="0" smtClean="0">
+            <a:endParaRPr lang="en-US" altLang="zh-CN" sz="2400" dirty="0">
               <a:latin typeface="微软雅黑" panose="020B0503020204020204" pitchFamily="34" charset="-122"/>
               <a:ea typeface="微软雅黑" panose="020B0503020204020204" pitchFamily="34" charset="-122"/>
             </a:endParaRPr>
@@ -13365,23 +12890,16 @@
                 <a:latin typeface="微软雅黑" panose="020B0503020204020204" pitchFamily="34" charset="-122"/>
                 <a:ea typeface="微软雅黑" panose="020B0503020204020204" pitchFamily="34" charset="-122"/>
               </a:rPr>
-              <a:t>	</a:t>
-            </a:r>
-            <a:r>
-              <a:rPr lang="en-US" altLang="zh-CN" sz="2400" dirty="0" smtClean="0">
-                <a:latin typeface="微软雅黑" panose="020B0503020204020204" pitchFamily="34" charset="-122"/>
-                <a:ea typeface="微软雅黑" panose="020B0503020204020204" pitchFamily="34" charset="-122"/>
-              </a:rPr>
-              <a:t>   </a:t>
-            </a:r>
-            <a:r>
-              <a:rPr lang="zh-CN" altLang="en-US" sz="2400" dirty="0" smtClean="0">
+              <a:t>	   </a:t>
+            </a:r>
+            <a:r>
+              <a:rPr lang="zh-CN" altLang="en-US" sz="2400" dirty="0">
                 <a:latin typeface="微软雅黑" panose="020B0503020204020204" pitchFamily="34" charset="-122"/>
                 <a:ea typeface="微软雅黑" panose="020B0503020204020204" pitchFamily="34" charset="-122"/>
               </a:rPr>
               <a:t>本项目所采用的所有模块都将选用成熟模块，避免不必要的技术障碍。</a:t>
             </a:r>
-            <a:endParaRPr lang="en-US" altLang="zh-CN" sz="2400" dirty="0" smtClean="0">
+            <a:endParaRPr lang="en-US" altLang="zh-CN" sz="2400" dirty="0">
               <a:latin typeface="微软雅黑" panose="020B0503020204020204" pitchFamily="34" charset="-122"/>
               <a:ea typeface="微软雅黑" panose="020B0503020204020204" pitchFamily="34" charset="-122"/>
             </a:endParaRPr>
@@ -13390,7 +12908,7 @@
             <a:pPr marL="0" indent="0">
               <a:buNone/>
             </a:pPr>
-            <a:endParaRPr lang="en-US" altLang="zh-CN" sz="2400" dirty="0" smtClean="0">
+            <a:endParaRPr lang="en-US" altLang="zh-CN" sz="2400" dirty="0">
               <a:latin typeface="微软雅黑" panose="020B0503020204020204" pitchFamily="34" charset="-122"/>
               <a:ea typeface="微软雅黑" panose="020B0503020204020204" pitchFamily="34" charset="-122"/>
             </a:endParaRPr>
@@ -13442,13 +12960,6 @@
   <p:transition spd="med">
     <p:pull/>
   </p:transition>
-  <p:timing>
-    <p:tnLst>
-      <p:par>
-        <p:cTn id="1" dur="indefinite" restart="never" nodeType="tmRoot"/>
-      </p:par>
-    </p:tnLst>
-  </p:timing>
 </p:sld>
 </file>
 
@@ -13485,21 +12996,21 @@
           <a:lstStyle/>
           <a:p>
             <a:r>
-              <a:rPr lang="zh-CN" altLang="zh-CN" dirty="0" smtClean="0">
+              <a:rPr lang="zh-CN" altLang="zh-CN" dirty="0">
                 <a:latin typeface="微软雅黑" panose="020B0503020204020204" pitchFamily="34" charset="-122"/>
                 <a:ea typeface="微软雅黑" panose="020B0503020204020204" pitchFamily="34" charset="-122"/>
               </a:rPr>
               <a:t>限</a:t>
             </a:r>
             <a:r>
-              <a:rPr lang="en-US" altLang="zh-CN" dirty="0" smtClean="0">
+              <a:rPr lang="en-US" altLang="zh-CN" dirty="0">
                 <a:latin typeface="微软雅黑" panose="020B0503020204020204" pitchFamily="34" charset="-122"/>
                 <a:ea typeface="微软雅黑" panose="020B0503020204020204" pitchFamily="34" charset="-122"/>
               </a:rPr>
               <a:t>	</a:t>
             </a:r>
             <a:r>
-              <a:rPr lang="zh-CN" altLang="zh-CN" dirty="0" smtClean="0">
+              <a:rPr lang="zh-CN" altLang="zh-CN" dirty="0">
                 <a:latin typeface="微软雅黑" panose="020B0503020204020204" pitchFamily="34" charset="-122"/>
                 <a:ea typeface="微软雅黑" panose="020B0503020204020204" pitchFamily="34" charset="-122"/>
               </a:rPr>
@@ -13533,48 +13044,41 @@
               <a:buNone/>
             </a:pPr>
             <a:r>
-              <a:rPr lang="en-US" altLang="zh-CN" sz="2400" dirty="0" smtClean="0">
-                <a:latin typeface="微软雅黑" panose="020B0503020204020204" pitchFamily="34" charset="-122"/>
-                <a:ea typeface="微软雅黑" panose="020B0503020204020204" pitchFamily="34" charset="-122"/>
-              </a:rPr>
-              <a:t>	</a:t>
-            </a:r>
-            <a:r>
-              <a:rPr lang="en-US" altLang="zh-CN" sz="2400" dirty="0" smtClean="0">
-                <a:latin typeface="微软雅黑" panose="020B0503020204020204" pitchFamily="34" charset="-122"/>
-                <a:ea typeface="微软雅黑" panose="020B0503020204020204" pitchFamily="34" charset="-122"/>
-              </a:rPr>
-              <a:t>-</a:t>
-            </a:r>
-            <a:r>
-              <a:rPr lang="zh-CN" altLang="zh-CN" sz="2400" dirty="0" smtClean="0">
+              <a:rPr lang="en-US" altLang="zh-CN" sz="2400" dirty="0">
+                <a:latin typeface="微软雅黑" panose="020B0503020204020204" pitchFamily="34" charset="-122"/>
+                <a:ea typeface="微软雅黑" panose="020B0503020204020204" pitchFamily="34" charset="-122"/>
+              </a:rPr>
+              <a:t>	-</a:t>
+            </a:r>
+            <a:r>
+              <a:rPr lang="zh-CN" altLang="zh-CN" sz="2400" dirty="0">
                 <a:latin typeface="微软雅黑" panose="020B0503020204020204" pitchFamily="34" charset="-122"/>
                 <a:ea typeface="微软雅黑" panose="020B0503020204020204" pitchFamily="34" charset="-122"/>
               </a:rPr>
               <a:t>程序须在</a:t>
             </a:r>
             <a:r>
-              <a:rPr lang="en-US" altLang="zh-CN" sz="2400" dirty="0" smtClean="0">
+              <a:rPr lang="en-US" altLang="zh-CN" sz="2400" dirty="0">
                 <a:latin typeface="微软雅黑" panose="020B0503020204020204" pitchFamily="34" charset="-122"/>
                 <a:ea typeface="微软雅黑" panose="020B0503020204020204" pitchFamily="34" charset="-122"/>
               </a:rPr>
               <a:t>Android4.3</a:t>
             </a:r>
             <a:r>
-              <a:rPr lang="zh-CN" altLang="zh-CN" sz="2400" dirty="0" smtClean="0">
+              <a:rPr lang="zh-CN" altLang="zh-CN" sz="2400" dirty="0">
                 <a:latin typeface="微软雅黑" panose="020B0503020204020204" pitchFamily="34" charset="-122"/>
                 <a:ea typeface="微软雅黑" panose="020B0503020204020204" pitchFamily="34" charset="-122"/>
               </a:rPr>
               <a:t>系统或更高版本中运行</a:t>
             </a:r>
             <a:r>
-              <a:rPr lang="zh-CN" altLang="en-US" sz="2400" dirty="0" smtClean="0">
+              <a:rPr lang="zh-CN" altLang="en-US" sz="2400" dirty="0">
                 <a:latin typeface="微软雅黑" panose="020B0503020204020204" pitchFamily="34" charset="-122"/>
                 <a:ea typeface="微软雅黑" panose="020B0503020204020204" pitchFamily="34" charset="-122"/>
               </a:rPr>
               <a:t>。</a:t>
             </a:r>
-            <a:endParaRPr lang="en-US" altLang="zh-CN" sz="2400" dirty="0" smtClean="0">
+            <a:endParaRPr lang="en-US" altLang="zh-CN" sz="2400" dirty="0">
               <a:latin typeface="微软雅黑" panose="020B0503020204020204" pitchFamily="34" charset="-122"/>
               <a:ea typeface="微软雅黑" panose="020B0503020204020204" pitchFamily="34" charset="-122"/>
             </a:endParaRPr>
@@ -13584,23 +13088,19 @@
               <a:buNone/>
             </a:pPr>
             <a:r>
-              <a:rPr lang="en-US" altLang="zh-CN" sz="2400" dirty="0" smtClean="0">
+              <a:rPr lang="en-US" altLang="zh-CN" sz="2400" dirty="0">
                 <a:latin typeface="微软雅黑" panose="020B0503020204020204" pitchFamily="34" charset="-122"/>
                 <a:ea typeface="微软雅黑" panose="020B0503020204020204" pitchFamily="34" charset="-122"/>
               </a:rPr>
               <a:t>	-</a:t>
             </a:r>
             <a:r>
-              <a:rPr lang="zh-CN" altLang="en-US" sz="2400" dirty="0" smtClean="0">
+              <a:rPr lang="zh-CN" altLang="en-US" sz="2400" dirty="0">
                 <a:latin typeface="微软雅黑" panose="020B0503020204020204" pitchFamily="34" charset="-122"/>
                 <a:ea typeface="微软雅黑" panose="020B0503020204020204" pitchFamily="34" charset="-122"/>
               </a:rPr>
               <a:t>本装置需处于联网状态</a:t>
             </a:r>
-            <a:endParaRPr lang="zh-CN" altLang="en-US" sz="2400" dirty="0">
-              <a:latin typeface="微软雅黑" panose="020B0503020204020204" pitchFamily="34" charset="-122"/>
-              <a:ea typeface="微软雅黑" panose="020B0503020204020204" pitchFamily="34" charset="-122"/>
-            </a:endParaRPr>
           </a:p>
         </p:txBody>
       </p:sp>
@@ -13649,13 +13149,6 @@
   <p:transition spd="med">
     <p:pull/>
   </p:transition>
-  <p:timing>
-    <p:tnLst>
-      <p:par>
-        <p:cTn id="1" dur="indefinite" restart="never" nodeType="tmRoot"/>
-      </p:par>
-    </p:tnLst>
-  </p:timing>
 </p:sld>
 </file>
 
@@ -13728,16 +13221,9 @@
                 <a:latin typeface="微软雅黑" panose="020B0503020204020204" pitchFamily="34" charset="-122"/>
                 <a:ea typeface="微软雅黑" panose="020B0503020204020204" pitchFamily="34" charset="-122"/>
               </a:rPr>
-              <a:t>风速、风向、雨量气象站</a:t>
-            </a:r>
-            <a:r>
-              <a:rPr lang="zh-CN" altLang="zh-CN" sz="2400" dirty="0" smtClean="0">
-                <a:latin typeface="微软雅黑" panose="020B0503020204020204" pitchFamily="34" charset="-122"/>
-                <a:ea typeface="微软雅黑" panose="020B0503020204020204" pitchFamily="34" charset="-122"/>
-              </a:rPr>
-              <a:t>传感器</a:t>
-            </a:r>
-            <a:endParaRPr lang="en-US" altLang="zh-CN" sz="2400" dirty="0" smtClean="0">
+              <a:t>风速、风向、雨量气象站传感器</a:t>
+            </a:r>
+            <a:endParaRPr lang="en-US" altLang="zh-CN" sz="2400" dirty="0">
               <a:latin typeface="微软雅黑" panose="020B0503020204020204" pitchFamily="34" charset="-122"/>
               <a:ea typeface="微软雅黑" panose="020B0503020204020204" pitchFamily="34" charset="-122"/>
             </a:endParaRPr>
@@ -13745,13 +13231,13 @@
           <a:p>
             <a:pPr lvl="0"/>
             <a:r>
-              <a:rPr lang="zh-CN" altLang="en-US" sz="2400" dirty="0" smtClean="0">
+              <a:rPr lang="zh-CN" altLang="en-US" sz="2400" dirty="0">
                 <a:latin typeface="微软雅黑" panose="020B0503020204020204" pitchFamily="34" charset="-122"/>
                 <a:ea typeface="微软雅黑" panose="020B0503020204020204" pitchFamily="34" charset="-122"/>
               </a:rPr>
               <a:t>紫外线传感器</a:t>
             </a:r>
-            <a:endParaRPr lang="en-US" altLang="zh-CN" sz="2400" dirty="0" smtClean="0">
+            <a:endParaRPr lang="en-US" altLang="zh-CN" sz="2400" dirty="0">
               <a:latin typeface="微软雅黑" panose="020B0503020204020204" pitchFamily="34" charset="-122"/>
               <a:ea typeface="微软雅黑" panose="020B0503020204020204" pitchFamily="34" charset="-122"/>
             </a:endParaRPr>
@@ -13759,7 +13245,7 @@
           <a:p>
             <a:pPr lvl="0"/>
             <a:r>
-              <a:rPr lang="zh-CN" altLang="en-US" sz="2400" dirty="0" smtClean="0">
+              <a:rPr lang="zh-CN" altLang="en-US" sz="2400" dirty="0">
                 <a:latin typeface="微软雅黑" panose="020B0503020204020204" pitchFamily="34" charset="-122"/>
                 <a:ea typeface="微软雅黑" panose="020B0503020204020204" pitchFamily="34" charset="-122"/>
               </a:rPr>
@@ -13784,14 +13270,17 @@
                 <a:latin typeface="微软雅黑" panose="020B0503020204020204" pitchFamily="34" charset="-122"/>
                 <a:ea typeface="微软雅黑" panose="020B0503020204020204" pitchFamily="34" charset="-122"/>
               </a:rPr>
-              <a:t>气象站专用接口</a:t>
-            </a:r>
-            <a:r>
-              <a:rPr lang="zh-CN" altLang="zh-CN" sz="2400" dirty="0" smtClean="0">
-                <a:latin typeface="微软雅黑" panose="020B0503020204020204" pitchFamily="34" charset="-122"/>
-                <a:ea typeface="微软雅黑" panose="020B0503020204020204" pitchFamily="34" charset="-122"/>
-              </a:rPr>
-              <a:t>板</a:t>
+              <a:t>气象站专用接口板</a:t>
+            </a:r>
+          </a:p>
+          <a:p>
+            <a:pPr lvl="0"/>
+            <a:r>
+              <a:rPr lang="en-US" altLang="zh-CN" sz="2400" dirty="0">
+                <a:latin typeface="微软雅黑" panose="020B0503020204020204" pitchFamily="34" charset="-122"/>
+                <a:ea typeface="微软雅黑" panose="020B0503020204020204" pitchFamily="34" charset="-122"/>
+              </a:rPr>
+              <a:t>Arduino Yun</a:t>
             </a:r>
             <a:endParaRPr lang="zh-CN" altLang="zh-CN" sz="2400" dirty="0">
               <a:latin typeface="微软雅黑" panose="020B0503020204020204" pitchFamily="34" charset="-122"/>
@@ -13801,16 +13290,26 @@
           <a:p>
             <a:pPr lvl="0"/>
             <a:r>
-              <a:rPr lang="en-US" altLang="zh-CN" sz="2400" dirty="0" smtClean="0">
-                <a:latin typeface="微软雅黑" panose="020B0503020204020204" pitchFamily="34" charset="-122"/>
-                <a:ea typeface="微软雅黑" panose="020B0503020204020204" pitchFamily="34" charset="-122"/>
-              </a:rPr>
-              <a:t>Arduino Yun</a:t>
-            </a:r>
-            <a:endParaRPr lang="zh-CN" altLang="zh-CN" sz="2400" dirty="0">
-              <a:latin typeface="微软雅黑" panose="020B0503020204020204" pitchFamily="34" charset="-122"/>
-              <a:ea typeface="微软雅黑" panose="020B0503020204020204" pitchFamily="34" charset="-122"/>
-            </a:endParaRPr>
+              <a:rPr lang="zh-CN" altLang="zh-CN" sz="2400" dirty="0">
+                <a:latin typeface="微软雅黑" panose="020B0503020204020204" pitchFamily="34" charset="-122"/>
+                <a:ea typeface="微软雅黑" panose="020B0503020204020204" pitchFamily="34" charset="-122"/>
+              </a:rPr>
+              <a:t>手机或平板，系统为</a:t>
+            </a:r>
+            <a:r>
+              <a:rPr lang="en-US" altLang="zh-CN" sz="2400" dirty="0">
+                <a:latin typeface="微软雅黑" panose="020B0503020204020204" pitchFamily="34" charset="-122"/>
+                <a:ea typeface="微软雅黑" panose="020B0503020204020204" pitchFamily="34" charset="-122"/>
+              </a:rPr>
+              <a:t>Android4.3</a:t>
+            </a:r>
+            <a:r>
+              <a:rPr lang="zh-CN" altLang="zh-CN" sz="2400" dirty="0">
+                <a:latin typeface="微软雅黑" panose="020B0503020204020204" pitchFamily="34" charset="-122"/>
+                <a:ea typeface="微软雅黑" panose="020B0503020204020204" pitchFamily="34" charset="-122"/>
+              </a:rPr>
+              <a:t>或更高版本</a:t>
+            </a:r>
           </a:p>
           <a:p>
             <a:pPr lvl="0"/>
@@ -13819,54 +13318,8 @@
                 <a:latin typeface="微软雅黑" panose="020B0503020204020204" pitchFamily="34" charset="-122"/>
                 <a:ea typeface="微软雅黑" panose="020B0503020204020204" pitchFamily="34" charset="-122"/>
               </a:rPr>
-              <a:t>手机或平板，系统为</a:t>
-            </a:r>
-            <a:r>
-              <a:rPr lang="en-US" altLang="zh-CN" sz="2400" dirty="0" smtClean="0">
-                <a:latin typeface="微软雅黑" panose="020B0503020204020204" pitchFamily="34" charset="-122"/>
-                <a:ea typeface="微软雅黑" panose="020B0503020204020204" pitchFamily="34" charset="-122"/>
-              </a:rPr>
-              <a:t>Android4.3</a:t>
-            </a:r>
-            <a:r>
-              <a:rPr lang="zh-CN" altLang="zh-CN" sz="2400" dirty="0">
-                <a:latin typeface="微软雅黑" panose="020B0503020204020204" pitchFamily="34" charset="-122"/>
-                <a:ea typeface="微软雅黑" panose="020B0503020204020204" pitchFamily="34" charset="-122"/>
-              </a:rPr>
-              <a:t>或更高</a:t>
-            </a:r>
-            <a:r>
-              <a:rPr lang="zh-CN" altLang="zh-CN" sz="2400" dirty="0" smtClean="0">
-                <a:latin typeface="微软雅黑" panose="020B0503020204020204" pitchFamily="34" charset="-122"/>
-                <a:ea typeface="微软雅黑" panose="020B0503020204020204" pitchFamily="34" charset="-122"/>
-              </a:rPr>
-              <a:t>版本</a:t>
-            </a:r>
-            <a:endParaRPr lang="zh-CN" altLang="zh-CN" sz="2400" dirty="0">
-              <a:latin typeface="微软雅黑" panose="020B0503020204020204" pitchFamily="34" charset="-122"/>
-              <a:ea typeface="微软雅黑" panose="020B0503020204020204" pitchFamily="34" charset="-122"/>
-            </a:endParaRPr>
-          </a:p>
-          <a:p>
-            <a:pPr lvl="0"/>
-            <a:r>
-              <a:rPr lang="zh-CN" altLang="zh-CN" sz="2400" dirty="0">
-                <a:latin typeface="微软雅黑" panose="020B0503020204020204" pitchFamily="34" charset="-122"/>
-                <a:ea typeface="微软雅黑" panose="020B0503020204020204" pitchFamily="34" charset="-122"/>
-              </a:rPr>
-              <a:t>面包板以及各式杜邦线</a:t>
-            </a:r>
-            <a:r>
-              <a:rPr lang="zh-CN" altLang="zh-CN" sz="2400" dirty="0" smtClean="0">
-                <a:latin typeface="微软雅黑" panose="020B0503020204020204" pitchFamily="34" charset="-122"/>
-                <a:ea typeface="微软雅黑" panose="020B0503020204020204" pitchFamily="34" charset="-122"/>
-              </a:rPr>
-              <a:t>若干</a:t>
-            </a:r>
-            <a:endParaRPr lang="zh-CN" altLang="zh-CN" sz="2400" dirty="0">
-              <a:latin typeface="微软雅黑" panose="020B0503020204020204" pitchFamily="34" charset="-122"/>
-              <a:ea typeface="微软雅黑" panose="020B0503020204020204" pitchFamily="34" charset="-122"/>
-            </a:endParaRPr>
+              <a:t>面包板以及各式杜邦线若干</a:t>
+            </a:r>
           </a:p>
         </p:txBody>
       </p:sp>
@@ -13915,13 +13368,6 @@
   <p:transition spd="med">
     <p:pull/>
   </p:transition>
-  <p:timing>
-    <p:tnLst>
-      <p:par>
-        <p:cTn id="1" dur="indefinite" restart="never" nodeType="tmRoot"/>
-      </p:par>
-    </p:tnLst>
-  </p:timing>
 </p:sld>
 </file>
 
@@ -14013,33 +13459,22 @@
                 <a:latin typeface="微软雅黑" panose="020B0503020204020204" pitchFamily="34" charset="-122"/>
                 <a:ea typeface="微软雅黑" panose="020B0503020204020204" pitchFamily="34" charset="-122"/>
               </a:rPr>
-              <a:t>使用串口</a:t>
-            </a:r>
-            <a:r>
-              <a:rPr lang="zh-CN" altLang="zh-CN" sz="2400" dirty="0" smtClean="0">
-                <a:latin typeface="微软雅黑" panose="020B0503020204020204" pitchFamily="34" charset="-122"/>
-                <a:ea typeface="微软雅黑" panose="020B0503020204020204" pitchFamily="34" charset="-122"/>
-              </a:rPr>
-              <a:t>读取</a:t>
-            </a:r>
-            <a:r>
-              <a:rPr lang="zh-CN" altLang="en-US" sz="2400" dirty="0" smtClean="0">
+              <a:t>使用串口读取</a:t>
+            </a:r>
+            <a:r>
+              <a:rPr lang="zh-CN" altLang="en-US" sz="2400" dirty="0">
                 <a:latin typeface="微软雅黑" panose="020B0503020204020204" pitchFamily="34" charset="-122"/>
                 <a:ea typeface="微软雅黑" panose="020B0503020204020204" pitchFamily="34" charset="-122"/>
               </a:rPr>
               <a:t>气象</a:t>
             </a:r>
             <a:r>
-              <a:rPr lang="zh-CN" altLang="zh-CN" sz="2400" dirty="0" smtClean="0">
+              <a:rPr lang="zh-CN" altLang="zh-CN" sz="2400" dirty="0">
                 <a:latin typeface="微软雅黑" panose="020B0503020204020204" pitchFamily="34" charset="-122"/>
                 <a:ea typeface="微软雅黑" panose="020B0503020204020204" pitchFamily="34" charset="-122"/>
               </a:rPr>
               <a:t>数据</a:t>
             </a:r>
-            <a:endParaRPr lang="zh-CN" altLang="zh-CN" sz="2400" dirty="0">
-              <a:latin typeface="微软雅黑" panose="020B0503020204020204" pitchFamily="34" charset="-122"/>
-              <a:ea typeface="微软雅黑" panose="020B0503020204020204" pitchFamily="34" charset="-122"/>
-            </a:endParaRPr>
           </a:p>
           <a:p>
             <a:pPr lvl="0" latinLnBrk="1"/>
@@ -14051,42 +13486,35 @@
               <a:t>将数据做初步处理后通过</a:t>
             </a:r>
             <a:r>
-              <a:rPr lang="en-US" altLang="zh-CN" sz="2400" dirty="0" smtClean="0">
-                <a:latin typeface="微软雅黑" panose="020B0503020204020204" pitchFamily="34" charset="-122"/>
-                <a:ea typeface="微软雅黑" panose="020B0503020204020204" pitchFamily="34" charset="-122"/>
-              </a:rPr>
-              <a:t>Arduino </a:t>
-            </a:r>
-            <a:r>
-              <a:rPr lang="en-US" altLang="zh-CN" sz="2400" dirty="0" smtClean="0">
-                <a:latin typeface="微软雅黑" panose="020B0503020204020204" pitchFamily="34" charset="-122"/>
-                <a:ea typeface="微软雅黑" panose="020B0503020204020204" pitchFamily="34" charset="-122"/>
-              </a:rPr>
-              <a:t>Yun</a:t>
-            </a:r>
-            <a:r>
-              <a:rPr lang="zh-CN" altLang="zh-CN" sz="2400" dirty="0" smtClean="0">
+              <a:rPr lang="en-US" altLang="zh-CN" sz="2400" dirty="0">
+                <a:latin typeface="微软雅黑" panose="020B0503020204020204" pitchFamily="34" charset="-122"/>
+                <a:ea typeface="微软雅黑" panose="020B0503020204020204" pitchFamily="34" charset="-122"/>
+              </a:rPr>
+              <a:t>Arduino Yun</a:t>
+            </a:r>
+            <a:r>
+              <a:rPr lang="zh-CN" altLang="zh-CN" sz="2400" dirty="0">
                 <a:latin typeface="微软雅黑" panose="020B0503020204020204" pitchFamily="34" charset="-122"/>
                 <a:ea typeface="微软雅黑" panose="020B0503020204020204" pitchFamily="34" charset="-122"/>
               </a:rPr>
               <a:t>向</a:t>
             </a:r>
             <a:r>
-              <a:rPr lang="en-US" altLang="zh-CN" sz="2400" dirty="0" smtClean="0">
+              <a:rPr lang="en-US" altLang="zh-CN" sz="2400" dirty="0">
                 <a:latin typeface="微软雅黑" panose="020B0503020204020204" pitchFamily="34" charset="-122"/>
                 <a:ea typeface="微软雅黑" panose="020B0503020204020204" pitchFamily="34" charset="-122"/>
               </a:rPr>
               <a:t>Thing </a:t>
             </a:r>
             <a:r>
-              <a:rPr lang="en-US" altLang="zh-CN" sz="2400" dirty="0" err="1" smtClean="0">
+              <a:rPr lang="en-US" altLang="zh-CN" sz="2400" dirty="0" err="1">
                 <a:latin typeface="微软雅黑" panose="020B0503020204020204" pitchFamily="34" charset="-122"/>
                 <a:ea typeface="微软雅黑" panose="020B0503020204020204" pitchFamily="34" charset="-122"/>
               </a:rPr>
               <a:t>Worx</a:t>
             </a:r>
             <a:r>
-              <a:rPr lang="zh-CN" altLang="en-US" sz="2400" dirty="0" smtClean="0">
+              <a:rPr lang="zh-CN" altLang="en-US" sz="2400" dirty="0">
                 <a:latin typeface="微软雅黑" panose="020B0503020204020204" pitchFamily="34" charset="-122"/>
                 <a:ea typeface="微软雅黑" panose="020B0503020204020204" pitchFamily="34" charset="-122"/>
               </a:rPr>
@@ -14100,21 +13528,21 @@
               <a:t>移动物联网平台</a:t>
             </a:r>
             <a:r>
-              <a:rPr lang="zh-CN" altLang="en-US" sz="2400" dirty="0" smtClean="0">
+              <a:rPr lang="zh-CN" altLang="en-US" sz="2400" dirty="0">
                 <a:latin typeface="微软雅黑" panose="020B0503020204020204" pitchFamily="34" charset="-122"/>
                 <a:ea typeface="微软雅黑" panose="020B0503020204020204" pitchFamily="34" charset="-122"/>
               </a:rPr>
               <a:t>）</a:t>
             </a:r>
             <a:r>
-              <a:rPr lang="zh-CN" altLang="zh-CN" sz="2400" dirty="0" smtClean="0">
+              <a:rPr lang="zh-CN" altLang="zh-CN" sz="2400" dirty="0">
                 <a:latin typeface="微软雅黑" panose="020B0503020204020204" pitchFamily="34" charset="-122"/>
                 <a:ea typeface="微软雅黑" panose="020B0503020204020204" pitchFamily="34" charset="-122"/>
               </a:rPr>
               <a:t>发送</a:t>
             </a:r>
             <a:r>
-              <a:rPr lang="zh-CN" altLang="en-US" sz="2400" dirty="0" smtClean="0">
+              <a:rPr lang="zh-CN" altLang="en-US" sz="2400" dirty="0">
                 <a:latin typeface="微软雅黑" panose="020B0503020204020204" pitchFamily="34" charset="-122"/>
                 <a:ea typeface="微软雅黑" panose="020B0503020204020204" pitchFamily="34" charset="-122"/>
               </a:rPr>
@@ -14181,13 +13609,6 @@
   <p:transition spd="med">
     <p:pull/>
   </p:transition>
-  <p:timing>
-    <p:tnLst>
-      <p:par>
-        <p:cTn id="1" dur="indefinite" restart="never" nodeType="tmRoot"/>
-      </p:par>
-    </p:tnLst>
-  </p:timing>
 </p:sld>
 </file>
 
